--- a/Лекции/ИТиП 2 лек 1.pptx
+++ b/Лекции/ИТиП 2 лек 1.pptx
@@ -259,7 +259,7 @@
             <a:fld id="{AA2F9473-F066-431E-A6E8-1D478C995A6B}" type="datetimeFigureOut">
               <a:rPr lang="en-US" smtClean="0"/>
               <a:pPr/>
-              <a:t>12/14/2024</a:t>
+              <a:t>2/10/2025</a:t>
             </a:fld>
             <a:endParaRPr lang="en-US"/>
           </a:p>
@@ -5956,7 +5956,7 @@
               <a:t>Лекция 1. </a:t>
             </a:r>
             <a:r>
-              <a:rPr lang="ru-RU" sz="2800" b="1" dirty="0">
+              <a:rPr lang="ru-RU" sz="2800" b="1" dirty="0" smtClean="0">
                 <a:solidFill>
                   <a:schemeClr val="tx2">
                     <a:lumMod val="50000"/>
@@ -5965,7 +5965,7 @@
                 <a:latin typeface="Bookman Old Style" panose="02050604050505020204" pitchFamily="18" charset="0"/>
                 <a:cs typeface="Times New Roman" panose="02020603050405020304" pitchFamily="18" charset="0"/>
               </a:rPr>
-              <a:t>Основы языка </a:t>
+              <a:t>Основы ООП в языке </a:t>
             </a:r>
             <a:r>
               <a:rPr lang="en-US" sz="2800" b="1" dirty="0">

--- a/Лекции/ИТиП 2 лек 1.pptx
+++ b/Лекции/ИТиП 2 лек 1.pptx
@@ -5,7 +5,7 @@
     <p:sldMasterId id="2147483674" r:id="rId1"/>
   </p:sldMasterIdLst>
   <p:notesMasterIdLst>
-    <p:notesMasterId r:id="rId50"/>
+    <p:notesMasterId r:id="rId43"/>
   </p:notesMasterIdLst>
   <p:sldIdLst>
     <p:sldId id="273" r:id="rId2"/>
@@ -47,15 +47,8 @@
     <p:sldId id="1047" r:id="rId38"/>
     <p:sldId id="1011" r:id="rId39"/>
     <p:sldId id="1055" r:id="rId40"/>
-    <p:sldId id="1034" r:id="rId41"/>
-    <p:sldId id="1035" r:id="rId42"/>
-    <p:sldId id="1036" r:id="rId43"/>
-    <p:sldId id="1037" r:id="rId44"/>
-    <p:sldId id="1038" r:id="rId45"/>
-    <p:sldId id="1039" r:id="rId46"/>
-    <p:sldId id="1040" r:id="rId47"/>
-    <p:sldId id="1057" r:id="rId48"/>
-    <p:sldId id="1059" r:id="rId49"/>
+    <p:sldId id="1057" r:id="rId41"/>
+    <p:sldId id="1059" r:id="rId42"/>
   </p:sldIdLst>
   <p:sldSz cx="12192000" cy="6858000"/>
   <p:notesSz cx="6858000" cy="9144000"/>
@@ -259,7 +252,7 @@
             <a:fld id="{AA2F9473-F066-431E-A6E8-1D478C995A6B}" type="datetimeFigureOut">
               <a:rPr lang="en-US" smtClean="0"/>
               <a:pPr/>
-              <a:t>2/10/2025</a:t>
+              <a:t>3/8/2025</a:t>
             </a:fld>
             <a:endParaRPr lang="en-US"/>
           </a:p>
@@ -3668,7 +3661,7 @@
     </p:spTree>
     <p:extLst>
       <p:ext uri="{BB962C8B-B14F-4D97-AF65-F5344CB8AC3E}">
-        <p14:creationId xmlns:p14="http://schemas.microsoft.com/office/powerpoint/2010/main" val="3209486568"/>
+        <p14:creationId xmlns:p14="http://schemas.microsoft.com/office/powerpoint/2010/main" val="2798637222"/>
       </p:ext>
     </p:extLst>
   </p:cSld>
@@ -3727,7 +3720,7 @@
           <a:bodyPr/>
           <a:lstStyle/>
           <a:p>
-            <a:endParaRPr lang="ru-RU" dirty="0"/>
+            <a:endParaRPr lang="ru-RU"/>
           </a:p>
         </p:txBody>
       </p:sp>
@@ -3750,636 +3743,6 @@
               <a:rPr lang="en-US" smtClean="0"/>
               <a:pPr/>
               <a:t>41</a:t>
-            </a:fld>
-            <a:endParaRPr lang="en-US"/>
-          </a:p>
-        </p:txBody>
-      </p:sp>
-    </p:spTree>
-    <p:extLst>
-      <p:ext uri="{BB962C8B-B14F-4D97-AF65-F5344CB8AC3E}">
-        <p14:creationId xmlns:p14="http://schemas.microsoft.com/office/powerpoint/2010/main" val="4059989807"/>
-      </p:ext>
-    </p:extLst>
-  </p:cSld>
-  <p:clrMapOvr>
-    <a:masterClrMapping/>
-  </p:clrMapOvr>
-</p:notes>
-</file>
-
-<file path=ppt/notesSlides/notesSlide42.xml><?xml version="1.0" encoding="utf-8"?>
-<p:notes xmlns:a="http://schemas.openxmlformats.org/drawingml/2006/main" xmlns:r="http://schemas.openxmlformats.org/officeDocument/2006/relationships" xmlns:p="http://schemas.openxmlformats.org/presentationml/2006/main">
-  <p:cSld>
-    <p:spTree>
-      <p:nvGrpSpPr>
-        <p:cNvPr id="1" name=""/>
-        <p:cNvGrpSpPr/>
-        <p:nvPr/>
-      </p:nvGrpSpPr>
-      <p:grpSpPr>
-        <a:xfrm>
-          <a:off x="0" y="0"/>
-          <a:ext cx="0" cy="0"/>
-          <a:chOff x="0" y="0"/>
-          <a:chExt cx="0" cy="0"/>
-        </a:xfrm>
-      </p:grpSpPr>
-      <p:sp>
-        <p:nvSpPr>
-          <p:cNvPr id="2" name="Образ слайда 1"/>
-          <p:cNvSpPr>
-            <a:spLocks noGrp="1" noRot="1" noChangeAspect="1"/>
-          </p:cNvSpPr>
-          <p:nvPr>
-            <p:ph type="sldImg"/>
-          </p:nvPr>
-        </p:nvSpPr>
-        <p:spPr>
-          <a:xfrm>
-            <a:off x="685800" y="1143000"/>
-            <a:ext cx="5486400" cy="3086100"/>
-          </a:xfrm>
-        </p:spPr>
-      </p:sp>
-      <p:sp>
-        <p:nvSpPr>
-          <p:cNvPr id="3" name="Заметки 2"/>
-          <p:cNvSpPr>
-            <a:spLocks noGrp="1"/>
-          </p:cNvSpPr>
-          <p:nvPr>
-            <p:ph type="body" idx="1"/>
-          </p:nvPr>
-        </p:nvSpPr>
-        <p:spPr/>
-        <p:txBody>
-          <a:bodyPr/>
-          <a:lstStyle/>
-          <a:p>
-            <a:endParaRPr lang="ru-RU" dirty="0"/>
-          </a:p>
-        </p:txBody>
-      </p:sp>
-      <p:sp>
-        <p:nvSpPr>
-          <p:cNvPr id="4" name="Номер слайда 3"/>
-          <p:cNvSpPr>
-            <a:spLocks noGrp="1"/>
-          </p:cNvSpPr>
-          <p:nvPr>
-            <p:ph type="sldNum" sz="quarter" idx="10"/>
-          </p:nvPr>
-        </p:nvSpPr>
-        <p:spPr/>
-        <p:txBody>
-          <a:bodyPr/>
-          <a:lstStyle/>
-          <a:p>
-            <a:fld id="{F0F4E2F1-1521-4C3A-A563-2F7D19AB6E0B}" type="slidenum">
-              <a:rPr lang="en-US" smtClean="0"/>
-              <a:pPr/>
-              <a:t>42</a:t>
-            </a:fld>
-            <a:endParaRPr lang="en-US"/>
-          </a:p>
-        </p:txBody>
-      </p:sp>
-    </p:spTree>
-    <p:extLst>
-      <p:ext uri="{BB962C8B-B14F-4D97-AF65-F5344CB8AC3E}">
-        <p14:creationId xmlns:p14="http://schemas.microsoft.com/office/powerpoint/2010/main" val="3456572302"/>
-      </p:ext>
-    </p:extLst>
-  </p:cSld>
-  <p:clrMapOvr>
-    <a:masterClrMapping/>
-  </p:clrMapOvr>
-</p:notes>
-</file>
-
-<file path=ppt/notesSlides/notesSlide43.xml><?xml version="1.0" encoding="utf-8"?>
-<p:notes xmlns:a="http://schemas.openxmlformats.org/drawingml/2006/main" xmlns:r="http://schemas.openxmlformats.org/officeDocument/2006/relationships" xmlns:p="http://schemas.openxmlformats.org/presentationml/2006/main">
-  <p:cSld>
-    <p:spTree>
-      <p:nvGrpSpPr>
-        <p:cNvPr id="1" name=""/>
-        <p:cNvGrpSpPr/>
-        <p:nvPr/>
-      </p:nvGrpSpPr>
-      <p:grpSpPr>
-        <a:xfrm>
-          <a:off x="0" y="0"/>
-          <a:ext cx="0" cy="0"/>
-          <a:chOff x="0" y="0"/>
-          <a:chExt cx="0" cy="0"/>
-        </a:xfrm>
-      </p:grpSpPr>
-      <p:sp>
-        <p:nvSpPr>
-          <p:cNvPr id="2" name="Образ слайда 1"/>
-          <p:cNvSpPr>
-            <a:spLocks noGrp="1" noRot="1" noChangeAspect="1"/>
-          </p:cNvSpPr>
-          <p:nvPr>
-            <p:ph type="sldImg"/>
-          </p:nvPr>
-        </p:nvSpPr>
-        <p:spPr>
-          <a:xfrm>
-            <a:off x="685800" y="1143000"/>
-            <a:ext cx="5486400" cy="3086100"/>
-          </a:xfrm>
-        </p:spPr>
-      </p:sp>
-      <p:sp>
-        <p:nvSpPr>
-          <p:cNvPr id="3" name="Заметки 2"/>
-          <p:cNvSpPr>
-            <a:spLocks noGrp="1"/>
-          </p:cNvSpPr>
-          <p:nvPr>
-            <p:ph type="body" idx="1"/>
-          </p:nvPr>
-        </p:nvSpPr>
-        <p:spPr/>
-        <p:txBody>
-          <a:bodyPr/>
-          <a:lstStyle/>
-          <a:p>
-            <a:endParaRPr lang="ru-RU" dirty="0"/>
-          </a:p>
-        </p:txBody>
-      </p:sp>
-      <p:sp>
-        <p:nvSpPr>
-          <p:cNvPr id="4" name="Номер слайда 3"/>
-          <p:cNvSpPr>
-            <a:spLocks noGrp="1"/>
-          </p:cNvSpPr>
-          <p:nvPr>
-            <p:ph type="sldNum" sz="quarter" idx="10"/>
-          </p:nvPr>
-        </p:nvSpPr>
-        <p:spPr/>
-        <p:txBody>
-          <a:bodyPr/>
-          <a:lstStyle/>
-          <a:p>
-            <a:fld id="{F0F4E2F1-1521-4C3A-A563-2F7D19AB6E0B}" type="slidenum">
-              <a:rPr lang="en-US" smtClean="0"/>
-              <a:pPr/>
-              <a:t>43</a:t>
-            </a:fld>
-            <a:endParaRPr lang="en-US"/>
-          </a:p>
-        </p:txBody>
-      </p:sp>
-    </p:spTree>
-    <p:extLst>
-      <p:ext uri="{BB962C8B-B14F-4D97-AF65-F5344CB8AC3E}">
-        <p14:creationId xmlns:p14="http://schemas.microsoft.com/office/powerpoint/2010/main" val="2305503649"/>
-      </p:ext>
-    </p:extLst>
-  </p:cSld>
-  <p:clrMapOvr>
-    <a:masterClrMapping/>
-  </p:clrMapOvr>
-</p:notes>
-</file>
-
-<file path=ppt/notesSlides/notesSlide44.xml><?xml version="1.0" encoding="utf-8"?>
-<p:notes xmlns:a="http://schemas.openxmlformats.org/drawingml/2006/main" xmlns:r="http://schemas.openxmlformats.org/officeDocument/2006/relationships" xmlns:p="http://schemas.openxmlformats.org/presentationml/2006/main">
-  <p:cSld>
-    <p:spTree>
-      <p:nvGrpSpPr>
-        <p:cNvPr id="1" name=""/>
-        <p:cNvGrpSpPr/>
-        <p:nvPr/>
-      </p:nvGrpSpPr>
-      <p:grpSpPr>
-        <a:xfrm>
-          <a:off x="0" y="0"/>
-          <a:ext cx="0" cy="0"/>
-          <a:chOff x="0" y="0"/>
-          <a:chExt cx="0" cy="0"/>
-        </a:xfrm>
-      </p:grpSpPr>
-      <p:sp>
-        <p:nvSpPr>
-          <p:cNvPr id="2" name="Образ слайда 1"/>
-          <p:cNvSpPr>
-            <a:spLocks noGrp="1" noRot="1" noChangeAspect="1"/>
-          </p:cNvSpPr>
-          <p:nvPr>
-            <p:ph type="sldImg"/>
-          </p:nvPr>
-        </p:nvSpPr>
-        <p:spPr>
-          <a:xfrm>
-            <a:off x="685800" y="1143000"/>
-            <a:ext cx="5486400" cy="3086100"/>
-          </a:xfrm>
-        </p:spPr>
-      </p:sp>
-      <p:sp>
-        <p:nvSpPr>
-          <p:cNvPr id="3" name="Заметки 2"/>
-          <p:cNvSpPr>
-            <a:spLocks noGrp="1"/>
-          </p:cNvSpPr>
-          <p:nvPr>
-            <p:ph type="body" idx="1"/>
-          </p:nvPr>
-        </p:nvSpPr>
-        <p:spPr/>
-        <p:txBody>
-          <a:bodyPr/>
-          <a:lstStyle/>
-          <a:p>
-            <a:endParaRPr lang="ru-RU" dirty="0"/>
-          </a:p>
-        </p:txBody>
-      </p:sp>
-      <p:sp>
-        <p:nvSpPr>
-          <p:cNvPr id="4" name="Номер слайда 3"/>
-          <p:cNvSpPr>
-            <a:spLocks noGrp="1"/>
-          </p:cNvSpPr>
-          <p:nvPr>
-            <p:ph type="sldNum" sz="quarter" idx="10"/>
-          </p:nvPr>
-        </p:nvSpPr>
-        <p:spPr/>
-        <p:txBody>
-          <a:bodyPr/>
-          <a:lstStyle/>
-          <a:p>
-            <a:fld id="{F0F4E2F1-1521-4C3A-A563-2F7D19AB6E0B}" type="slidenum">
-              <a:rPr lang="en-US" smtClean="0"/>
-              <a:pPr/>
-              <a:t>44</a:t>
-            </a:fld>
-            <a:endParaRPr lang="en-US"/>
-          </a:p>
-        </p:txBody>
-      </p:sp>
-    </p:spTree>
-    <p:extLst>
-      <p:ext uri="{BB962C8B-B14F-4D97-AF65-F5344CB8AC3E}">
-        <p14:creationId xmlns:p14="http://schemas.microsoft.com/office/powerpoint/2010/main" val="2264253444"/>
-      </p:ext>
-    </p:extLst>
-  </p:cSld>
-  <p:clrMapOvr>
-    <a:masterClrMapping/>
-  </p:clrMapOvr>
-</p:notes>
-</file>
-
-<file path=ppt/notesSlides/notesSlide45.xml><?xml version="1.0" encoding="utf-8"?>
-<p:notes xmlns:a="http://schemas.openxmlformats.org/drawingml/2006/main" xmlns:r="http://schemas.openxmlformats.org/officeDocument/2006/relationships" xmlns:p="http://schemas.openxmlformats.org/presentationml/2006/main">
-  <p:cSld>
-    <p:spTree>
-      <p:nvGrpSpPr>
-        <p:cNvPr id="1" name=""/>
-        <p:cNvGrpSpPr/>
-        <p:nvPr/>
-      </p:nvGrpSpPr>
-      <p:grpSpPr>
-        <a:xfrm>
-          <a:off x="0" y="0"/>
-          <a:ext cx="0" cy="0"/>
-          <a:chOff x="0" y="0"/>
-          <a:chExt cx="0" cy="0"/>
-        </a:xfrm>
-      </p:grpSpPr>
-      <p:sp>
-        <p:nvSpPr>
-          <p:cNvPr id="2" name="Образ слайда 1"/>
-          <p:cNvSpPr>
-            <a:spLocks noGrp="1" noRot="1" noChangeAspect="1"/>
-          </p:cNvSpPr>
-          <p:nvPr>
-            <p:ph type="sldImg"/>
-          </p:nvPr>
-        </p:nvSpPr>
-        <p:spPr>
-          <a:xfrm>
-            <a:off x="685800" y="1143000"/>
-            <a:ext cx="5486400" cy="3086100"/>
-          </a:xfrm>
-        </p:spPr>
-      </p:sp>
-      <p:sp>
-        <p:nvSpPr>
-          <p:cNvPr id="3" name="Заметки 2"/>
-          <p:cNvSpPr>
-            <a:spLocks noGrp="1"/>
-          </p:cNvSpPr>
-          <p:nvPr>
-            <p:ph type="body" idx="1"/>
-          </p:nvPr>
-        </p:nvSpPr>
-        <p:spPr/>
-        <p:txBody>
-          <a:bodyPr/>
-          <a:lstStyle/>
-          <a:p>
-            <a:endParaRPr lang="ru-RU" dirty="0"/>
-          </a:p>
-        </p:txBody>
-      </p:sp>
-      <p:sp>
-        <p:nvSpPr>
-          <p:cNvPr id="4" name="Номер слайда 3"/>
-          <p:cNvSpPr>
-            <a:spLocks noGrp="1"/>
-          </p:cNvSpPr>
-          <p:nvPr>
-            <p:ph type="sldNum" sz="quarter" idx="10"/>
-          </p:nvPr>
-        </p:nvSpPr>
-        <p:spPr/>
-        <p:txBody>
-          <a:bodyPr/>
-          <a:lstStyle/>
-          <a:p>
-            <a:fld id="{F0F4E2F1-1521-4C3A-A563-2F7D19AB6E0B}" type="slidenum">
-              <a:rPr lang="en-US" smtClean="0"/>
-              <a:pPr/>
-              <a:t>45</a:t>
-            </a:fld>
-            <a:endParaRPr lang="en-US"/>
-          </a:p>
-        </p:txBody>
-      </p:sp>
-    </p:spTree>
-    <p:extLst>
-      <p:ext uri="{BB962C8B-B14F-4D97-AF65-F5344CB8AC3E}">
-        <p14:creationId xmlns:p14="http://schemas.microsoft.com/office/powerpoint/2010/main" val="1732647758"/>
-      </p:ext>
-    </p:extLst>
-  </p:cSld>
-  <p:clrMapOvr>
-    <a:masterClrMapping/>
-  </p:clrMapOvr>
-</p:notes>
-</file>
-
-<file path=ppt/notesSlides/notesSlide46.xml><?xml version="1.0" encoding="utf-8"?>
-<p:notes xmlns:a="http://schemas.openxmlformats.org/drawingml/2006/main" xmlns:r="http://schemas.openxmlformats.org/officeDocument/2006/relationships" xmlns:p="http://schemas.openxmlformats.org/presentationml/2006/main">
-  <p:cSld>
-    <p:spTree>
-      <p:nvGrpSpPr>
-        <p:cNvPr id="1" name=""/>
-        <p:cNvGrpSpPr/>
-        <p:nvPr/>
-      </p:nvGrpSpPr>
-      <p:grpSpPr>
-        <a:xfrm>
-          <a:off x="0" y="0"/>
-          <a:ext cx="0" cy="0"/>
-          <a:chOff x="0" y="0"/>
-          <a:chExt cx="0" cy="0"/>
-        </a:xfrm>
-      </p:grpSpPr>
-      <p:sp>
-        <p:nvSpPr>
-          <p:cNvPr id="2" name="Образ слайда 1"/>
-          <p:cNvSpPr>
-            <a:spLocks noGrp="1" noRot="1" noChangeAspect="1"/>
-          </p:cNvSpPr>
-          <p:nvPr>
-            <p:ph type="sldImg"/>
-          </p:nvPr>
-        </p:nvSpPr>
-        <p:spPr>
-          <a:xfrm>
-            <a:off x="685800" y="1143000"/>
-            <a:ext cx="5486400" cy="3086100"/>
-          </a:xfrm>
-        </p:spPr>
-      </p:sp>
-      <p:sp>
-        <p:nvSpPr>
-          <p:cNvPr id="3" name="Заметки 2"/>
-          <p:cNvSpPr>
-            <a:spLocks noGrp="1"/>
-          </p:cNvSpPr>
-          <p:nvPr>
-            <p:ph type="body" idx="1"/>
-          </p:nvPr>
-        </p:nvSpPr>
-        <p:spPr/>
-        <p:txBody>
-          <a:bodyPr/>
-          <a:lstStyle/>
-          <a:p>
-            <a:endParaRPr lang="ru-RU" dirty="0"/>
-          </a:p>
-        </p:txBody>
-      </p:sp>
-      <p:sp>
-        <p:nvSpPr>
-          <p:cNvPr id="4" name="Номер слайда 3"/>
-          <p:cNvSpPr>
-            <a:spLocks noGrp="1"/>
-          </p:cNvSpPr>
-          <p:nvPr>
-            <p:ph type="sldNum" sz="quarter" idx="10"/>
-          </p:nvPr>
-        </p:nvSpPr>
-        <p:spPr/>
-        <p:txBody>
-          <a:bodyPr/>
-          <a:lstStyle/>
-          <a:p>
-            <a:fld id="{F0F4E2F1-1521-4C3A-A563-2F7D19AB6E0B}" type="slidenum">
-              <a:rPr lang="en-US" smtClean="0"/>
-              <a:pPr/>
-              <a:t>46</a:t>
-            </a:fld>
-            <a:endParaRPr lang="en-US"/>
-          </a:p>
-        </p:txBody>
-      </p:sp>
-    </p:spTree>
-    <p:extLst>
-      <p:ext uri="{BB962C8B-B14F-4D97-AF65-F5344CB8AC3E}">
-        <p14:creationId xmlns:p14="http://schemas.microsoft.com/office/powerpoint/2010/main" val="1336952539"/>
-      </p:ext>
-    </p:extLst>
-  </p:cSld>
-  <p:clrMapOvr>
-    <a:masterClrMapping/>
-  </p:clrMapOvr>
-</p:notes>
-</file>
-
-<file path=ppt/notesSlides/notesSlide47.xml><?xml version="1.0" encoding="utf-8"?>
-<p:notes xmlns:a="http://schemas.openxmlformats.org/drawingml/2006/main" xmlns:r="http://schemas.openxmlformats.org/officeDocument/2006/relationships" xmlns:p="http://schemas.openxmlformats.org/presentationml/2006/main">
-  <p:cSld>
-    <p:spTree>
-      <p:nvGrpSpPr>
-        <p:cNvPr id="1" name=""/>
-        <p:cNvGrpSpPr/>
-        <p:nvPr/>
-      </p:nvGrpSpPr>
-      <p:grpSpPr>
-        <a:xfrm>
-          <a:off x="0" y="0"/>
-          <a:ext cx="0" cy="0"/>
-          <a:chOff x="0" y="0"/>
-          <a:chExt cx="0" cy="0"/>
-        </a:xfrm>
-      </p:grpSpPr>
-      <p:sp>
-        <p:nvSpPr>
-          <p:cNvPr id="2" name="Образ слайда 1"/>
-          <p:cNvSpPr>
-            <a:spLocks noGrp="1" noRot="1" noChangeAspect="1"/>
-          </p:cNvSpPr>
-          <p:nvPr>
-            <p:ph type="sldImg"/>
-          </p:nvPr>
-        </p:nvSpPr>
-        <p:spPr>
-          <a:xfrm>
-            <a:off x="685800" y="1143000"/>
-            <a:ext cx="5486400" cy="3086100"/>
-          </a:xfrm>
-        </p:spPr>
-      </p:sp>
-      <p:sp>
-        <p:nvSpPr>
-          <p:cNvPr id="3" name="Заметки 2"/>
-          <p:cNvSpPr>
-            <a:spLocks noGrp="1"/>
-          </p:cNvSpPr>
-          <p:nvPr>
-            <p:ph type="body" idx="1"/>
-          </p:nvPr>
-        </p:nvSpPr>
-        <p:spPr/>
-        <p:txBody>
-          <a:bodyPr/>
-          <a:lstStyle/>
-          <a:p>
-            <a:endParaRPr lang="ru-RU"/>
-          </a:p>
-        </p:txBody>
-      </p:sp>
-      <p:sp>
-        <p:nvSpPr>
-          <p:cNvPr id="4" name="Номер слайда 3"/>
-          <p:cNvSpPr>
-            <a:spLocks noGrp="1"/>
-          </p:cNvSpPr>
-          <p:nvPr>
-            <p:ph type="sldNum" sz="quarter" idx="10"/>
-          </p:nvPr>
-        </p:nvSpPr>
-        <p:spPr/>
-        <p:txBody>
-          <a:bodyPr/>
-          <a:lstStyle/>
-          <a:p>
-            <a:fld id="{F0F4E2F1-1521-4C3A-A563-2F7D19AB6E0B}" type="slidenum">
-              <a:rPr lang="en-US" smtClean="0"/>
-              <a:pPr/>
-              <a:t>47</a:t>
-            </a:fld>
-            <a:endParaRPr lang="en-US"/>
-          </a:p>
-        </p:txBody>
-      </p:sp>
-    </p:spTree>
-    <p:extLst>
-      <p:ext uri="{BB962C8B-B14F-4D97-AF65-F5344CB8AC3E}">
-        <p14:creationId xmlns:p14="http://schemas.microsoft.com/office/powerpoint/2010/main" val="2798637222"/>
-      </p:ext>
-    </p:extLst>
-  </p:cSld>
-  <p:clrMapOvr>
-    <a:masterClrMapping/>
-  </p:clrMapOvr>
-</p:notes>
-</file>
-
-<file path=ppt/notesSlides/notesSlide48.xml><?xml version="1.0" encoding="utf-8"?>
-<p:notes xmlns:a="http://schemas.openxmlformats.org/drawingml/2006/main" xmlns:r="http://schemas.openxmlformats.org/officeDocument/2006/relationships" xmlns:p="http://schemas.openxmlformats.org/presentationml/2006/main">
-  <p:cSld>
-    <p:spTree>
-      <p:nvGrpSpPr>
-        <p:cNvPr id="1" name=""/>
-        <p:cNvGrpSpPr/>
-        <p:nvPr/>
-      </p:nvGrpSpPr>
-      <p:grpSpPr>
-        <a:xfrm>
-          <a:off x="0" y="0"/>
-          <a:ext cx="0" cy="0"/>
-          <a:chOff x="0" y="0"/>
-          <a:chExt cx="0" cy="0"/>
-        </a:xfrm>
-      </p:grpSpPr>
-      <p:sp>
-        <p:nvSpPr>
-          <p:cNvPr id="2" name="Образ слайда 1"/>
-          <p:cNvSpPr>
-            <a:spLocks noGrp="1" noRot="1" noChangeAspect="1"/>
-          </p:cNvSpPr>
-          <p:nvPr>
-            <p:ph type="sldImg"/>
-          </p:nvPr>
-        </p:nvSpPr>
-        <p:spPr>
-          <a:xfrm>
-            <a:off x="685800" y="1143000"/>
-            <a:ext cx="5486400" cy="3086100"/>
-          </a:xfrm>
-        </p:spPr>
-      </p:sp>
-      <p:sp>
-        <p:nvSpPr>
-          <p:cNvPr id="3" name="Заметки 2"/>
-          <p:cNvSpPr>
-            <a:spLocks noGrp="1"/>
-          </p:cNvSpPr>
-          <p:nvPr>
-            <p:ph type="body" idx="1"/>
-          </p:nvPr>
-        </p:nvSpPr>
-        <p:spPr/>
-        <p:txBody>
-          <a:bodyPr/>
-          <a:lstStyle/>
-          <a:p>
-            <a:endParaRPr lang="ru-RU"/>
-          </a:p>
-        </p:txBody>
-      </p:sp>
-      <p:sp>
-        <p:nvSpPr>
-          <p:cNvPr id="4" name="Номер слайда 3"/>
-          <p:cNvSpPr>
-            <a:spLocks noGrp="1"/>
-          </p:cNvSpPr>
-          <p:nvPr>
-            <p:ph type="sldNum" sz="quarter" idx="10"/>
-          </p:nvPr>
-        </p:nvSpPr>
-        <p:spPr/>
-        <p:txBody>
-          <a:bodyPr/>
-          <a:lstStyle/>
-          <a:p>
-            <a:fld id="{F0F4E2F1-1521-4C3A-A563-2F7D19AB6E0B}" type="slidenum">
-              <a:rPr lang="en-US" smtClean="0"/>
-              <a:pPr/>
-              <a:t>48</a:t>
             </a:fld>
             <a:endParaRPr lang="en-US"/>
           </a:p>
@@ -5953,19 +5316,7 @@
                 <a:latin typeface="Bookman Old Style" panose="02050604050505020204" pitchFamily="18" charset="0"/>
                 <a:cs typeface="Times New Roman" panose="02020603050405020304" pitchFamily="18" charset="0"/>
               </a:rPr>
-              <a:t>Лекция 1. </a:t>
-            </a:r>
-            <a:r>
-              <a:rPr lang="ru-RU" sz="2800" b="1" dirty="0" smtClean="0">
-                <a:solidFill>
-                  <a:schemeClr val="tx2">
-                    <a:lumMod val="50000"/>
-                  </a:schemeClr>
-                </a:solidFill>
-                <a:latin typeface="Bookman Old Style" panose="02050604050505020204" pitchFamily="18" charset="0"/>
-                <a:cs typeface="Times New Roman" panose="02020603050405020304" pitchFamily="18" charset="0"/>
-              </a:rPr>
-              <a:t>Основы ООП в языке </a:t>
+              <a:t>Лекция 1. Основы ООП в языке </a:t>
             </a:r>
             <a:r>
               <a:rPr lang="en-US" sz="2800" b="1" dirty="0">
@@ -12516,8 +11867,8 @@
         </p:nvSpPr>
         <p:spPr>
           <a:xfrm>
-            <a:off x="0" y="0"/>
-            <a:ext cx="12192000" cy="6001643"/>
+            <a:off x="172995" y="0"/>
+            <a:ext cx="11738920" cy="6555641"/>
           </a:xfrm>
           <a:prstGeom prst="rect">
             <a:avLst/>
@@ -13075,8 +12426,8 @@
         </p:nvSpPr>
         <p:spPr>
           <a:xfrm>
-            <a:off x="0" y="0"/>
-            <a:ext cx="12192000" cy="5447645"/>
+            <a:off x="222422" y="0"/>
+            <a:ext cx="11738919" cy="5447645"/>
           </a:xfrm>
           <a:prstGeom prst="rect">
             <a:avLst/>
@@ -13578,8 +12929,8 @@
         </p:nvSpPr>
         <p:spPr>
           <a:xfrm>
-            <a:off x="0" y="654356"/>
-            <a:ext cx="12192000" cy="6186309"/>
+            <a:off x="123567" y="654356"/>
+            <a:ext cx="11944866" cy="6186309"/>
           </a:xfrm>
           <a:prstGeom prst="rect">
             <a:avLst/>
@@ -18393,28 +17744,28 @@
               </a:lnSpc>
             </a:pPr>
             <a:r>
+              <a:rPr lang="ru-RU" sz="2400" dirty="0" smtClean="0">
+                <a:latin typeface="Bookman Old Style" panose="02050604050505020204" pitchFamily="18" charset="0"/>
+              </a:rPr>
+              <a:t>Мы </a:t>
+            </a:r>
+            <a:r>
+              <a:rPr lang="ru-RU" sz="2400" dirty="0">
+                <a:latin typeface="Bookman Old Style" panose="02050604050505020204" pitchFamily="18" charset="0"/>
+              </a:rPr>
+              <a:t>можем применять </a:t>
+            </a:r>
+            <a:r>
               <a:rPr lang="ru-RU" sz="2400" b="1" dirty="0">
                 <a:latin typeface="Bookman Old Style" panose="02050604050505020204" pitchFamily="18" charset="0"/>
               </a:rPr>
-              <a:t>Модификаторы </a:t>
-            </a:r>
-            <a:r>
-              <a:rPr lang="ru-RU" sz="2400" b="1" dirty="0" smtClean="0">
-                <a:latin typeface="Bookman Old Style" panose="02050604050505020204" pitchFamily="18" charset="0"/>
-              </a:rPr>
-              <a:t>доступа </a:t>
-            </a:r>
-            <a:r>
-              <a:rPr lang="ru-RU" sz="2400" dirty="0" smtClean="0">
-                <a:latin typeface="Bookman Old Style" panose="02050604050505020204" pitchFamily="18" charset="0"/>
-              </a:rPr>
-              <a:t>Мы </a:t>
-            </a:r>
-            <a:r>
-              <a:rPr lang="ru-RU" sz="2400" dirty="0">
-                <a:latin typeface="Bookman Old Style" panose="02050604050505020204" pitchFamily="18" charset="0"/>
-              </a:rPr>
-              <a:t>можем применять модификаторы доступа не только ко всему свойству, но и к отдельным блокам </a:t>
+              <a:t>модификаторы доступа </a:t>
+            </a:r>
+            <a:r>
+              <a:rPr lang="ru-RU" sz="2400" dirty="0">
+                <a:latin typeface="Bookman Old Style" panose="02050604050505020204" pitchFamily="18" charset="0"/>
+              </a:rPr>
+              <a:t>не только ко всему свойству, но и к отдельным блокам </a:t>
             </a:r>
             <a:r>
               <a:rPr lang="ru-RU" sz="2400" dirty="0" err="1">
@@ -19718,8 +19069,8 @@
         </p:nvSpPr>
         <p:spPr>
           <a:xfrm>
-            <a:off x="0" y="0"/>
-            <a:ext cx="12192000" cy="5447645"/>
+            <a:off x="266700" y="292100"/>
+            <a:ext cx="11671300" cy="5447645"/>
           </a:xfrm>
           <a:prstGeom prst="rect">
             <a:avLst/>
@@ -21908,8 +21259,8 @@
         </p:nvSpPr>
         <p:spPr>
           <a:xfrm>
-            <a:off x="0" y="0"/>
-            <a:ext cx="12192000" cy="2862322"/>
+            <a:off x="241300" y="266700"/>
+            <a:ext cx="11671300" cy="2862322"/>
           </a:xfrm>
           <a:prstGeom prst="rect">
             <a:avLst/>
@@ -22682,3866 +22033,6 @@
       </p:grpSpPr>
       <p:sp>
         <p:nvSpPr>
-          <p:cNvPr id="4" name="Rectangle 28" descr="Светлый диагональный 2"/>
-          <p:cNvSpPr>
-            <a:spLocks noChangeArrowheads="1"/>
-          </p:cNvSpPr>
-          <p:nvPr/>
-        </p:nvSpPr>
-        <p:spPr bwMode="auto">
-          <a:xfrm>
-            <a:off x="0" y="-1"/>
-            <a:ext cx="12192000" cy="654357"/>
-          </a:xfrm>
-          <a:prstGeom prst="rect">
-            <a:avLst/>
-          </a:prstGeom>
-          <a:pattFill prst="ltUpDiag">
-            <a:fgClr>
-              <a:schemeClr val="accent1">
-                <a:lumMod val="40000"/>
-                <a:lumOff val="60000"/>
-              </a:schemeClr>
-            </a:fgClr>
-            <a:bgClr>
-              <a:srgbClr val="FFFFFF"/>
-            </a:bgClr>
-          </a:pattFill>
-          <a:ln w="15875" algn="ctr">
-            <a:solidFill>
-              <a:schemeClr val="accent5">
-                <a:lumMod val="50000"/>
-              </a:schemeClr>
-            </a:solidFill>
-            <a:miter lim="800000"/>
-            <a:headEnd/>
-            <a:tailEnd/>
-          </a:ln>
-          <a:effectLst/>
-        </p:spPr>
-        <p:txBody>
-          <a:bodyPr vert="horz" wrap="square" lIns="18000" tIns="18000" rIns="18000" bIns="18000" numCol="1" anchor="ctr" anchorCtr="0" compatLnSpc="1">
-            <a:prstTxWarp prst="textNoShape">
-              <a:avLst/>
-            </a:prstTxWarp>
-          </a:bodyPr>
-          <a:lstStyle/>
-          <a:p>
-            <a:pPr algn="ctr"/>
-            <a:r>
-              <a:rPr lang="ru-RU" sz="2800" b="1" dirty="0" smtClean="0">
-                <a:solidFill>
-                  <a:schemeClr val="tx2">
-                    <a:lumMod val="50000"/>
-                  </a:schemeClr>
-                </a:solidFill>
-                <a:latin typeface="Bookman Old Style" panose="02050604050505020204" pitchFamily="18" charset="0"/>
-                <a:cs typeface="Times New Roman" panose="02020603050405020304" pitchFamily="18" charset="0"/>
-              </a:rPr>
-              <a:t>Модификатор </a:t>
-            </a:r>
-            <a:r>
-              <a:rPr lang="en-US" sz="2800" b="1" dirty="0" smtClean="0">
-                <a:solidFill>
-                  <a:schemeClr val="tx2">
-                    <a:lumMod val="50000"/>
-                  </a:schemeClr>
-                </a:solidFill>
-                <a:latin typeface="Bookman Old Style" panose="02050604050505020204" pitchFamily="18" charset="0"/>
-                <a:cs typeface="Times New Roman" panose="02020603050405020304" pitchFamily="18" charset="0"/>
-              </a:rPr>
-              <a:t>static</a:t>
-            </a:r>
-            <a:endParaRPr lang="ru-RU" sz="2800" b="1" dirty="0">
-              <a:solidFill>
-                <a:schemeClr val="tx2">
-                  <a:lumMod val="50000"/>
-                </a:schemeClr>
-              </a:solidFill>
-              <a:latin typeface="Bookman Old Style" panose="02050604050505020204" pitchFamily="18" charset="0"/>
-              <a:cs typeface="Times New Roman" panose="02020603050405020304" pitchFamily="18" charset="0"/>
-            </a:endParaRPr>
-          </a:p>
-        </p:txBody>
-      </p:sp>
-      <p:sp>
-        <p:nvSpPr>
-          <p:cNvPr id="6" name="Прямоугольник 5"/>
-          <p:cNvSpPr/>
-          <p:nvPr/>
-        </p:nvSpPr>
-        <p:spPr>
-          <a:xfrm>
-            <a:off x="0" y="654356"/>
-            <a:ext cx="12069113" cy="6186309"/>
-          </a:xfrm>
-          <a:prstGeom prst="rect">
-            <a:avLst/>
-          </a:prstGeom>
-        </p:spPr>
-        <p:txBody>
-          <a:bodyPr wrap="square">
-            <a:spAutoFit/>
-          </a:bodyPr>
-          <a:lstStyle/>
-          <a:p>
-            <a:pPr algn="just">
-              <a:lnSpc>
-                <a:spcPct val="150000"/>
-              </a:lnSpc>
-            </a:pPr>
-            <a:r>
-              <a:rPr lang="ru-RU" sz="2400" dirty="0">
-                <a:latin typeface="Bookman Old Style" panose="02050604050505020204" pitchFamily="18" charset="0"/>
-              </a:rPr>
-              <a:t>Кроме обычных полей, методов, свойств классы и структуры могут иметь статические поля, методы, свойства. Статические поля, методы, свойства относятся ко всему классу/всей структуре и для обращения к подобным членам необязательно создавать экземпляр класса / структуры</a:t>
-            </a:r>
-            <a:r>
-              <a:rPr lang="ru-RU" sz="2400" dirty="0" smtClean="0">
-                <a:latin typeface="Bookman Old Style" panose="02050604050505020204" pitchFamily="18" charset="0"/>
-              </a:rPr>
-              <a:t>.</a:t>
-            </a:r>
-            <a:endParaRPr lang="en-US" sz="2400" dirty="0" smtClean="0">
-              <a:latin typeface="Bookman Old Style" panose="02050604050505020204" pitchFamily="18" charset="0"/>
-            </a:endParaRPr>
-          </a:p>
-          <a:p>
-            <a:pPr algn="just">
-              <a:lnSpc>
-                <a:spcPct val="150000"/>
-              </a:lnSpc>
-            </a:pPr>
-            <a:r>
-              <a:rPr lang="ru-RU" sz="2400" b="1" dirty="0">
-                <a:latin typeface="Bookman Old Style" panose="02050604050505020204" pitchFamily="18" charset="0"/>
-                <a:cs typeface="Times New Roman" panose="02020603050405020304" pitchFamily="18" charset="0"/>
-              </a:rPr>
-              <a:t>Статические </a:t>
-            </a:r>
-            <a:r>
-              <a:rPr lang="ru-RU" sz="2400" b="1" dirty="0" smtClean="0">
-                <a:latin typeface="Bookman Old Style" panose="02050604050505020204" pitchFamily="18" charset="0"/>
-                <a:cs typeface="Times New Roman" panose="02020603050405020304" pitchFamily="18" charset="0"/>
-              </a:rPr>
-              <a:t>элементы инициализируются лишь при первом обращении к ним.</a:t>
-            </a:r>
-          </a:p>
-          <a:p>
-            <a:pPr algn="just">
-              <a:lnSpc>
-                <a:spcPct val="150000"/>
-              </a:lnSpc>
-            </a:pPr>
-            <a:r>
-              <a:rPr lang="ru-RU" sz="2400" b="1" dirty="0" smtClean="0">
-                <a:latin typeface="Bookman Old Style" panose="02050604050505020204" pitchFamily="18" charset="0"/>
-                <a:cs typeface="Times New Roman" panose="02020603050405020304" pitchFamily="18" charset="0"/>
-              </a:rPr>
-              <a:t>Статические поля</a:t>
-            </a:r>
-            <a:endParaRPr lang="en-US" sz="2400" b="1" dirty="0" smtClean="0">
-              <a:latin typeface="Bookman Old Style" panose="02050604050505020204" pitchFamily="18" charset="0"/>
-              <a:cs typeface="Times New Roman" panose="02020603050405020304" pitchFamily="18" charset="0"/>
-            </a:endParaRPr>
-          </a:p>
-          <a:p>
-            <a:pPr algn="just">
-              <a:lnSpc>
-                <a:spcPct val="150000"/>
-              </a:lnSpc>
-            </a:pPr>
-            <a:r>
-              <a:rPr lang="ru-RU" sz="2400" dirty="0" smtClean="0">
-                <a:latin typeface="Bookman Old Style" panose="02050604050505020204" pitchFamily="18" charset="0"/>
-                <a:cs typeface="Times New Roman" panose="02020603050405020304" pitchFamily="18" charset="0"/>
-              </a:rPr>
-              <a:t>Статические </a:t>
-            </a:r>
-            <a:r>
-              <a:rPr lang="ru-RU" sz="2400" dirty="0">
-                <a:latin typeface="Bookman Old Style" panose="02050604050505020204" pitchFamily="18" charset="0"/>
-                <a:cs typeface="Times New Roman" panose="02020603050405020304" pitchFamily="18" charset="0"/>
-              </a:rPr>
-              <a:t>поля хранят состояние всего класса / структуры. Статическое поле определяется как и обычное, только перед типом поля указывается ключевое слово </a:t>
-            </a:r>
-            <a:r>
-              <a:rPr lang="ru-RU" sz="2400" dirty="0" err="1">
-                <a:latin typeface="Bookman Old Style" panose="02050604050505020204" pitchFamily="18" charset="0"/>
-                <a:cs typeface="Times New Roman" panose="02020603050405020304" pitchFamily="18" charset="0"/>
-              </a:rPr>
-              <a:t>static</a:t>
-            </a:r>
-            <a:r>
-              <a:rPr lang="ru-RU" sz="2400" dirty="0">
-                <a:latin typeface="Bookman Old Style" panose="02050604050505020204" pitchFamily="18" charset="0"/>
-                <a:cs typeface="Times New Roman" panose="02020603050405020304" pitchFamily="18" charset="0"/>
-              </a:rPr>
-              <a:t>. Например, рассмотрим класс </a:t>
-            </a:r>
-            <a:r>
-              <a:rPr lang="ru-RU" sz="2400" dirty="0" err="1">
-                <a:latin typeface="Bookman Old Style" panose="02050604050505020204" pitchFamily="18" charset="0"/>
-                <a:cs typeface="Times New Roman" panose="02020603050405020304" pitchFamily="18" charset="0"/>
-              </a:rPr>
-              <a:t>Person</a:t>
-            </a:r>
-            <a:r>
-              <a:rPr lang="ru-RU" sz="2400" dirty="0">
-                <a:latin typeface="Bookman Old Style" panose="02050604050505020204" pitchFamily="18" charset="0"/>
-                <a:cs typeface="Times New Roman" panose="02020603050405020304" pitchFamily="18" charset="0"/>
-              </a:rPr>
-              <a:t>, который представляет человека</a:t>
-            </a:r>
-            <a:r>
-              <a:rPr lang="ru-RU" sz="2400" dirty="0" smtClean="0">
-                <a:latin typeface="Bookman Old Style" panose="02050604050505020204" pitchFamily="18" charset="0"/>
-                <a:cs typeface="Times New Roman" panose="02020603050405020304" pitchFamily="18" charset="0"/>
-              </a:rPr>
-              <a:t>:</a:t>
-            </a:r>
-            <a:endParaRPr lang="ru-RU" sz="2400" dirty="0">
-              <a:latin typeface="Bookman Old Style" panose="02050604050505020204" pitchFamily="18" charset="0"/>
-              <a:cs typeface="Times New Roman" panose="02020603050405020304" pitchFamily="18" charset="0"/>
-            </a:endParaRPr>
-          </a:p>
-        </p:txBody>
-      </p:sp>
-    </p:spTree>
-    <p:extLst>
-      <p:ext uri="{BB962C8B-B14F-4D97-AF65-F5344CB8AC3E}">
-        <p14:creationId xmlns:p14="http://schemas.microsoft.com/office/powerpoint/2010/main" val="2747548671"/>
-      </p:ext>
-    </p:extLst>
-  </p:cSld>
-  <p:clrMapOvr>
-    <a:masterClrMapping/>
-  </p:clrMapOvr>
-  <p:timing>
-    <p:tnLst>
-      <p:par>
-        <p:cTn id="1" dur="indefinite" restart="never" nodeType="tmRoot"/>
-      </p:par>
-    </p:tnLst>
-  </p:timing>
-</p:sld>
-</file>
-
-<file path=ppt/slides/slide41.xml><?xml version="1.0" encoding="utf-8"?>
-<p:sld xmlns:a="http://schemas.openxmlformats.org/drawingml/2006/main" xmlns:r="http://schemas.openxmlformats.org/officeDocument/2006/relationships" xmlns:p="http://schemas.openxmlformats.org/presentationml/2006/main">
-  <p:cSld>
-    <p:spTree>
-      <p:nvGrpSpPr>
-        <p:cNvPr id="1" name=""/>
-        <p:cNvGrpSpPr/>
-        <p:nvPr/>
-      </p:nvGrpSpPr>
-      <p:grpSpPr>
-        <a:xfrm>
-          <a:off x="0" y="0"/>
-          <a:ext cx="0" cy="0"/>
-          <a:chOff x="0" y="0"/>
-          <a:chExt cx="0" cy="0"/>
-        </a:xfrm>
-      </p:grpSpPr>
-      <p:sp>
-        <p:nvSpPr>
-          <p:cNvPr id="6" name="Прямоугольник 5"/>
-          <p:cNvSpPr/>
-          <p:nvPr/>
-        </p:nvSpPr>
-        <p:spPr>
-          <a:xfrm>
-            <a:off x="0" y="0"/>
-            <a:ext cx="12069113" cy="6370975"/>
-          </a:xfrm>
-          <a:prstGeom prst="rect">
-            <a:avLst/>
-          </a:prstGeom>
-        </p:spPr>
-        <p:txBody>
-          <a:bodyPr wrap="square">
-            <a:spAutoFit/>
-          </a:bodyPr>
-          <a:lstStyle/>
-          <a:p>
-            <a:r>
-              <a:rPr lang="en-US" sz="2400" dirty="0">
-                <a:solidFill>
-                  <a:srgbClr val="0000FF"/>
-                </a:solidFill>
-                <a:latin typeface="Cascadia Mono" panose="020B0609020000020004" pitchFamily="49" charset="0"/>
-              </a:rPr>
-              <a:t>class</a:t>
-            </a:r>
-            <a:r>
-              <a:rPr lang="en-US" sz="2400" dirty="0">
-                <a:solidFill>
-                  <a:srgbClr val="000000"/>
-                </a:solidFill>
-                <a:latin typeface="Cascadia Mono" panose="020B0609020000020004" pitchFamily="49" charset="0"/>
-              </a:rPr>
-              <a:t> </a:t>
-            </a:r>
-            <a:r>
-              <a:rPr lang="en-US" sz="2400" dirty="0">
-                <a:solidFill>
-                  <a:srgbClr val="2B91AF"/>
-                </a:solidFill>
-                <a:latin typeface="Cascadia Mono" panose="020B0609020000020004" pitchFamily="49" charset="0"/>
-              </a:rPr>
-              <a:t>Person</a:t>
-            </a:r>
-            <a:endParaRPr lang="en-US" sz="2400" dirty="0">
-              <a:solidFill>
-                <a:srgbClr val="000000"/>
-              </a:solidFill>
-              <a:latin typeface="Cascadia Mono" panose="020B0609020000020004" pitchFamily="49" charset="0"/>
-            </a:endParaRPr>
-          </a:p>
-          <a:p>
-            <a:r>
-              <a:rPr lang="ru-RU" sz="2400" dirty="0">
-                <a:solidFill>
-                  <a:srgbClr val="000000"/>
-                </a:solidFill>
-                <a:latin typeface="Cascadia Mono" panose="020B0609020000020004" pitchFamily="49" charset="0"/>
-              </a:rPr>
-              <a:t>{</a:t>
-            </a:r>
-          </a:p>
-          <a:p>
-            <a:r>
-              <a:rPr lang="en-US" sz="2400" dirty="0">
-                <a:solidFill>
-                  <a:srgbClr val="000000"/>
-                </a:solidFill>
-                <a:latin typeface="Cascadia Mono" panose="020B0609020000020004" pitchFamily="49" charset="0"/>
-              </a:rPr>
-              <a:t>    </a:t>
-            </a:r>
-            <a:r>
-              <a:rPr lang="en-US" sz="2400" dirty="0" err="1">
-                <a:solidFill>
-                  <a:srgbClr val="0000FF"/>
-                </a:solidFill>
-                <a:latin typeface="Cascadia Mono" panose="020B0609020000020004" pitchFamily="49" charset="0"/>
-              </a:rPr>
-              <a:t>int</a:t>
-            </a:r>
-            <a:r>
-              <a:rPr lang="en-US" sz="2400" dirty="0">
-                <a:solidFill>
-                  <a:srgbClr val="000000"/>
-                </a:solidFill>
-                <a:latin typeface="Cascadia Mono" panose="020B0609020000020004" pitchFamily="49" charset="0"/>
-              </a:rPr>
-              <a:t> age;</a:t>
-            </a:r>
-          </a:p>
-          <a:p>
-            <a:r>
-              <a:rPr lang="en-US" sz="2400" dirty="0">
-                <a:solidFill>
-                  <a:srgbClr val="000000"/>
-                </a:solidFill>
-                <a:latin typeface="Cascadia Mono" panose="020B0609020000020004" pitchFamily="49" charset="0"/>
-              </a:rPr>
-              <a:t>    </a:t>
-            </a:r>
-            <a:r>
-              <a:rPr lang="en-US" sz="2400" dirty="0">
-                <a:solidFill>
-                  <a:srgbClr val="0000FF"/>
-                </a:solidFill>
-                <a:latin typeface="Cascadia Mono" panose="020B0609020000020004" pitchFamily="49" charset="0"/>
-              </a:rPr>
-              <a:t>public</a:t>
-            </a:r>
-            <a:r>
-              <a:rPr lang="en-US" sz="2400" dirty="0">
-                <a:solidFill>
-                  <a:srgbClr val="000000"/>
-                </a:solidFill>
-                <a:latin typeface="Cascadia Mono" panose="020B0609020000020004" pitchFamily="49" charset="0"/>
-              </a:rPr>
-              <a:t> </a:t>
-            </a:r>
-            <a:r>
-              <a:rPr lang="en-US" sz="2400" dirty="0">
-                <a:solidFill>
-                  <a:srgbClr val="0000FF"/>
-                </a:solidFill>
-                <a:latin typeface="Cascadia Mono" panose="020B0609020000020004" pitchFamily="49" charset="0"/>
-              </a:rPr>
-              <a:t>static</a:t>
-            </a:r>
-            <a:r>
-              <a:rPr lang="en-US" sz="2400" dirty="0">
-                <a:solidFill>
-                  <a:srgbClr val="000000"/>
-                </a:solidFill>
-                <a:latin typeface="Cascadia Mono" panose="020B0609020000020004" pitchFamily="49" charset="0"/>
-              </a:rPr>
-              <a:t> </a:t>
-            </a:r>
-            <a:r>
-              <a:rPr lang="en-US" sz="2400" dirty="0" err="1">
-                <a:solidFill>
-                  <a:srgbClr val="0000FF"/>
-                </a:solidFill>
-                <a:latin typeface="Cascadia Mono" panose="020B0609020000020004" pitchFamily="49" charset="0"/>
-              </a:rPr>
-              <a:t>int</a:t>
-            </a:r>
-            <a:r>
-              <a:rPr lang="en-US" sz="2400" dirty="0">
-                <a:solidFill>
-                  <a:srgbClr val="000000"/>
-                </a:solidFill>
-                <a:latin typeface="Cascadia Mono" panose="020B0609020000020004" pitchFamily="49" charset="0"/>
-              </a:rPr>
-              <a:t> </a:t>
-            </a:r>
-            <a:r>
-              <a:rPr lang="en-US" sz="2400" dirty="0" err="1">
-                <a:solidFill>
-                  <a:srgbClr val="000000"/>
-                </a:solidFill>
-                <a:latin typeface="Cascadia Mono" panose="020B0609020000020004" pitchFamily="49" charset="0"/>
-              </a:rPr>
-              <a:t>retirementAge</a:t>
-            </a:r>
-            <a:r>
-              <a:rPr lang="en-US" sz="2400" dirty="0">
-                <a:solidFill>
-                  <a:srgbClr val="000000"/>
-                </a:solidFill>
-                <a:latin typeface="Cascadia Mono" panose="020B0609020000020004" pitchFamily="49" charset="0"/>
-              </a:rPr>
-              <a:t> = 65;</a:t>
-            </a:r>
-          </a:p>
-          <a:p>
-            <a:r>
-              <a:rPr lang="en-US" sz="2400" dirty="0">
-                <a:solidFill>
-                  <a:srgbClr val="000000"/>
-                </a:solidFill>
-                <a:latin typeface="Cascadia Mono" panose="020B0609020000020004" pitchFamily="49" charset="0"/>
-              </a:rPr>
-              <a:t>    </a:t>
-            </a:r>
-            <a:r>
-              <a:rPr lang="en-US" sz="2400" dirty="0">
-                <a:solidFill>
-                  <a:srgbClr val="0000FF"/>
-                </a:solidFill>
-                <a:latin typeface="Cascadia Mono" panose="020B0609020000020004" pitchFamily="49" charset="0"/>
-              </a:rPr>
-              <a:t>public</a:t>
-            </a:r>
-            <a:r>
-              <a:rPr lang="en-US" sz="2400" dirty="0">
-                <a:solidFill>
-                  <a:srgbClr val="000000"/>
-                </a:solidFill>
-                <a:latin typeface="Cascadia Mono" panose="020B0609020000020004" pitchFamily="49" charset="0"/>
-              </a:rPr>
-              <a:t> </a:t>
-            </a:r>
-            <a:r>
-              <a:rPr lang="en-US" sz="2400" dirty="0">
-                <a:solidFill>
-                  <a:srgbClr val="2B91AF"/>
-                </a:solidFill>
-                <a:latin typeface="Cascadia Mono" panose="020B0609020000020004" pitchFamily="49" charset="0"/>
-              </a:rPr>
-              <a:t>Person</a:t>
-            </a:r>
-            <a:r>
-              <a:rPr lang="en-US" sz="2400" dirty="0">
-                <a:solidFill>
-                  <a:srgbClr val="000000"/>
-                </a:solidFill>
-                <a:latin typeface="Cascadia Mono" panose="020B0609020000020004" pitchFamily="49" charset="0"/>
-              </a:rPr>
-              <a:t>(</a:t>
-            </a:r>
-            <a:r>
-              <a:rPr lang="en-US" sz="2400" dirty="0" err="1">
-                <a:solidFill>
-                  <a:srgbClr val="0000FF"/>
-                </a:solidFill>
-                <a:latin typeface="Cascadia Mono" panose="020B0609020000020004" pitchFamily="49" charset="0"/>
-              </a:rPr>
-              <a:t>int</a:t>
-            </a:r>
-            <a:r>
-              <a:rPr lang="en-US" sz="2400" dirty="0">
-                <a:solidFill>
-                  <a:srgbClr val="000000"/>
-                </a:solidFill>
-                <a:latin typeface="Cascadia Mono" panose="020B0609020000020004" pitchFamily="49" charset="0"/>
-              </a:rPr>
-              <a:t> age)</a:t>
-            </a:r>
-          </a:p>
-          <a:p>
-            <a:r>
-              <a:rPr lang="ru-RU" sz="2400" dirty="0">
-                <a:solidFill>
-                  <a:srgbClr val="000000"/>
-                </a:solidFill>
-                <a:latin typeface="Cascadia Mono" panose="020B0609020000020004" pitchFamily="49" charset="0"/>
-              </a:rPr>
-              <a:t>    {</a:t>
-            </a:r>
-          </a:p>
-          <a:p>
-            <a:r>
-              <a:rPr lang="en-US" sz="2400" dirty="0">
-                <a:solidFill>
-                  <a:srgbClr val="000000"/>
-                </a:solidFill>
-                <a:latin typeface="Cascadia Mono" panose="020B0609020000020004" pitchFamily="49" charset="0"/>
-              </a:rPr>
-              <a:t>        </a:t>
-            </a:r>
-            <a:r>
-              <a:rPr lang="en-US" sz="2400" dirty="0" err="1">
-                <a:solidFill>
-                  <a:srgbClr val="0000FF"/>
-                </a:solidFill>
-                <a:latin typeface="Cascadia Mono" panose="020B0609020000020004" pitchFamily="49" charset="0"/>
-              </a:rPr>
-              <a:t>this</a:t>
-            </a:r>
-            <a:r>
-              <a:rPr lang="en-US" sz="2400" dirty="0" err="1">
-                <a:solidFill>
-                  <a:srgbClr val="000000"/>
-                </a:solidFill>
-                <a:latin typeface="Cascadia Mono" panose="020B0609020000020004" pitchFamily="49" charset="0"/>
-              </a:rPr>
-              <a:t>.age</a:t>
-            </a:r>
-            <a:r>
-              <a:rPr lang="en-US" sz="2400" dirty="0">
-                <a:solidFill>
-                  <a:srgbClr val="000000"/>
-                </a:solidFill>
-                <a:latin typeface="Cascadia Mono" panose="020B0609020000020004" pitchFamily="49" charset="0"/>
-              </a:rPr>
-              <a:t> = age;</a:t>
-            </a:r>
-          </a:p>
-          <a:p>
-            <a:r>
-              <a:rPr lang="ru-RU" sz="2400" dirty="0">
-                <a:solidFill>
-                  <a:srgbClr val="000000"/>
-                </a:solidFill>
-                <a:latin typeface="Cascadia Mono" panose="020B0609020000020004" pitchFamily="49" charset="0"/>
-              </a:rPr>
-              <a:t>    }</a:t>
-            </a:r>
-          </a:p>
-          <a:p>
-            <a:r>
-              <a:rPr lang="en-US" sz="2400" dirty="0">
-                <a:solidFill>
-                  <a:srgbClr val="000000"/>
-                </a:solidFill>
-                <a:latin typeface="Cascadia Mono" panose="020B0609020000020004" pitchFamily="49" charset="0"/>
-              </a:rPr>
-              <a:t>    </a:t>
-            </a:r>
-            <a:r>
-              <a:rPr lang="en-US" sz="2400" dirty="0">
-                <a:solidFill>
-                  <a:srgbClr val="0000FF"/>
-                </a:solidFill>
-                <a:latin typeface="Cascadia Mono" panose="020B0609020000020004" pitchFamily="49" charset="0"/>
-              </a:rPr>
-              <a:t>public</a:t>
-            </a:r>
-            <a:r>
-              <a:rPr lang="en-US" sz="2400" dirty="0">
-                <a:solidFill>
-                  <a:srgbClr val="000000"/>
-                </a:solidFill>
-                <a:latin typeface="Cascadia Mono" panose="020B0609020000020004" pitchFamily="49" charset="0"/>
-              </a:rPr>
-              <a:t> </a:t>
-            </a:r>
-            <a:r>
-              <a:rPr lang="en-US" sz="2400" dirty="0">
-                <a:solidFill>
-                  <a:srgbClr val="0000FF"/>
-                </a:solidFill>
-                <a:latin typeface="Cascadia Mono" panose="020B0609020000020004" pitchFamily="49" charset="0"/>
-              </a:rPr>
-              <a:t>void</a:t>
-            </a:r>
-            <a:r>
-              <a:rPr lang="en-US" sz="2400" dirty="0">
-                <a:solidFill>
-                  <a:srgbClr val="000000"/>
-                </a:solidFill>
-                <a:latin typeface="Cascadia Mono" panose="020B0609020000020004" pitchFamily="49" charset="0"/>
-              </a:rPr>
-              <a:t> </a:t>
-            </a:r>
-            <a:r>
-              <a:rPr lang="ru-RU" sz="2400" dirty="0">
-                <a:solidFill>
-                  <a:srgbClr val="000000"/>
-                </a:solidFill>
-                <a:latin typeface="Cascadia Mono" panose="020B0609020000020004" pitchFamily="49" charset="0"/>
-              </a:rPr>
-              <a:t>С</a:t>
-            </a:r>
-            <a:r>
-              <a:rPr lang="en-US" sz="2400" dirty="0" err="1">
-                <a:solidFill>
-                  <a:srgbClr val="000000"/>
-                </a:solidFill>
-                <a:latin typeface="Cascadia Mono" panose="020B0609020000020004" pitchFamily="49" charset="0"/>
-              </a:rPr>
-              <a:t>heckAge</a:t>
-            </a:r>
-            <a:r>
-              <a:rPr lang="en-US" sz="2400" dirty="0">
-                <a:solidFill>
-                  <a:srgbClr val="000000"/>
-                </a:solidFill>
-                <a:latin typeface="Cascadia Mono" panose="020B0609020000020004" pitchFamily="49" charset="0"/>
-              </a:rPr>
-              <a:t>()</a:t>
-            </a:r>
-          </a:p>
-          <a:p>
-            <a:r>
-              <a:rPr lang="ru-RU" sz="2400" dirty="0">
-                <a:solidFill>
-                  <a:srgbClr val="000000"/>
-                </a:solidFill>
-                <a:latin typeface="Cascadia Mono" panose="020B0609020000020004" pitchFamily="49" charset="0"/>
-              </a:rPr>
-              <a:t>    {</a:t>
-            </a:r>
-          </a:p>
-          <a:p>
-            <a:r>
-              <a:rPr lang="en-US" sz="2400" dirty="0">
-                <a:solidFill>
-                  <a:srgbClr val="000000"/>
-                </a:solidFill>
-                <a:latin typeface="Cascadia Mono" panose="020B0609020000020004" pitchFamily="49" charset="0"/>
-              </a:rPr>
-              <a:t>        </a:t>
-            </a:r>
-            <a:r>
-              <a:rPr lang="en-US" sz="2400" dirty="0">
-                <a:solidFill>
-                  <a:srgbClr val="0000FF"/>
-                </a:solidFill>
-                <a:latin typeface="Cascadia Mono" panose="020B0609020000020004" pitchFamily="49" charset="0"/>
-              </a:rPr>
-              <a:t>if</a:t>
-            </a:r>
-            <a:r>
-              <a:rPr lang="en-US" sz="2400" dirty="0">
-                <a:solidFill>
-                  <a:srgbClr val="000000"/>
-                </a:solidFill>
-                <a:latin typeface="Cascadia Mono" panose="020B0609020000020004" pitchFamily="49" charset="0"/>
-              </a:rPr>
-              <a:t> (age &gt;= </a:t>
-            </a:r>
-            <a:r>
-              <a:rPr lang="en-US" sz="2400" dirty="0" err="1">
-                <a:solidFill>
-                  <a:srgbClr val="000000"/>
-                </a:solidFill>
-                <a:latin typeface="Cascadia Mono" panose="020B0609020000020004" pitchFamily="49" charset="0"/>
-              </a:rPr>
-              <a:t>retirementAge</a:t>
-            </a:r>
-            <a:r>
-              <a:rPr lang="en-US" sz="2400" dirty="0">
-                <a:solidFill>
-                  <a:srgbClr val="000000"/>
-                </a:solidFill>
-                <a:latin typeface="Cascadia Mono" panose="020B0609020000020004" pitchFamily="49" charset="0"/>
-              </a:rPr>
-              <a:t>)</a:t>
-            </a:r>
-          </a:p>
-          <a:p>
-            <a:r>
-              <a:rPr lang="en-US" sz="2400" dirty="0">
-                <a:solidFill>
-                  <a:srgbClr val="000000"/>
-                </a:solidFill>
-                <a:latin typeface="Cascadia Mono" panose="020B0609020000020004" pitchFamily="49" charset="0"/>
-              </a:rPr>
-              <a:t>            </a:t>
-            </a:r>
-            <a:r>
-              <a:rPr lang="en-US" sz="2400" dirty="0" err="1">
-                <a:solidFill>
-                  <a:srgbClr val="000000"/>
-                </a:solidFill>
-                <a:latin typeface="Cascadia Mono" panose="020B0609020000020004" pitchFamily="49" charset="0"/>
-              </a:rPr>
-              <a:t>Console.WriteLine</a:t>
-            </a:r>
-            <a:r>
-              <a:rPr lang="en-US" sz="2400" dirty="0">
-                <a:solidFill>
-                  <a:srgbClr val="000000"/>
-                </a:solidFill>
-                <a:latin typeface="Cascadia Mono" panose="020B0609020000020004" pitchFamily="49" charset="0"/>
-              </a:rPr>
-              <a:t>(</a:t>
-            </a:r>
-            <a:r>
-              <a:rPr lang="en-US" sz="2400" dirty="0">
-                <a:solidFill>
-                  <a:srgbClr val="A31515"/>
-                </a:solidFill>
-                <a:latin typeface="Cascadia Mono" panose="020B0609020000020004" pitchFamily="49" charset="0"/>
-              </a:rPr>
-              <a:t>"</a:t>
-            </a:r>
-            <a:r>
-              <a:rPr lang="ru-RU" sz="2400" dirty="0">
-                <a:solidFill>
-                  <a:srgbClr val="A31515"/>
-                </a:solidFill>
-                <a:latin typeface="Cascadia Mono" panose="020B0609020000020004" pitchFamily="49" charset="0"/>
-              </a:rPr>
-              <a:t>Уже на пенсии"</a:t>
-            </a:r>
-            <a:r>
-              <a:rPr lang="ru-RU" sz="2400" dirty="0">
-                <a:solidFill>
-                  <a:srgbClr val="000000"/>
-                </a:solidFill>
-                <a:latin typeface="Cascadia Mono" panose="020B0609020000020004" pitchFamily="49" charset="0"/>
-              </a:rPr>
-              <a:t>);</a:t>
-            </a:r>
-          </a:p>
-          <a:p>
-            <a:r>
-              <a:rPr lang="en-US" sz="2400" dirty="0">
-                <a:solidFill>
-                  <a:srgbClr val="000000"/>
-                </a:solidFill>
-                <a:latin typeface="Cascadia Mono" panose="020B0609020000020004" pitchFamily="49" charset="0"/>
-              </a:rPr>
-              <a:t>        </a:t>
-            </a:r>
-            <a:r>
-              <a:rPr lang="en-US" sz="2400" dirty="0">
-                <a:solidFill>
-                  <a:srgbClr val="0000FF"/>
-                </a:solidFill>
-                <a:latin typeface="Cascadia Mono" panose="020B0609020000020004" pitchFamily="49" charset="0"/>
-              </a:rPr>
-              <a:t>else</a:t>
-            </a:r>
-            <a:endParaRPr lang="en-US" sz="2400" dirty="0">
-              <a:solidFill>
-                <a:srgbClr val="000000"/>
-              </a:solidFill>
-              <a:latin typeface="Cascadia Mono" panose="020B0609020000020004" pitchFamily="49" charset="0"/>
-            </a:endParaRPr>
-          </a:p>
-          <a:p>
-            <a:r>
-              <a:rPr lang="ru-RU" sz="2400" dirty="0">
-                <a:solidFill>
-                  <a:srgbClr val="000000"/>
-                </a:solidFill>
-                <a:latin typeface="Cascadia Mono" panose="020B0609020000020004" pitchFamily="49" charset="0"/>
-              </a:rPr>
-              <a:t>            </a:t>
-            </a:r>
-            <a:r>
-              <a:rPr lang="ru-RU" sz="2400" dirty="0" err="1">
-                <a:solidFill>
-                  <a:srgbClr val="000000"/>
-                </a:solidFill>
-                <a:latin typeface="Cascadia Mono" panose="020B0609020000020004" pitchFamily="49" charset="0"/>
-              </a:rPr>
-              <a:t>Console.WriteLine</a:t>
-            </a:r>
-            <a:r>
-              <a:rPr lang="ru-RU" sz="2400" dirty="0">
-                <a:solidFill>
-                  <a:srgbClr val="000000"/>
-                </a:solidFill>
-                <a:latin typeface="Cascadia Mono" panose="020B0609020000020004" pitchFamily="49" charset="0"/>
-              </a:rPr>
-              <a:t>(</a:t>
-            </a:r>
-            <a:r>
-              <a:rPr lang="ru-RU" sz="2400" dirty="0">
-                <a:solidFill>
-                  <a:srgbClr val="A31515"/>
-                </a:solidFill>
-                <a:latin typeface="Cascadia Mono" panose="020B0609020000020004" pitchFamily="49" charset="0"/>
-              </a:rPr>
-              <a:t>$"Сколько лет осталось до пенсии: </a:t>
-            </a:r>
-            <a:r>
-              <a:rPr lang="en-US" sz="2400" dirty="0" smtClean="0">
-                <a:solidFill>
-                  <a:srgbClr val="A31515"/>
-                </a:solidFill>
-                <a:latin typeface="Cascadia Mono" panose="020B0609020000020004" pitchFamily="49" charset="0"/>
-              </a:rPr>
-              <a:t>					</a:t>
-            </a:r>
-            <a:r>
-              <a:rPr lang="ru-RU" sz="2400" dirty="0" smtClean="0">
-                <a:solidFill>
-                  <a:srgbClr val="000000"/>
-                </a:solidFill>
-                <a:latin typeface="Cascadia Mono" panose="020B0609020000020004" pitchFamily="49" charset="0"/>
-              </a:rPr>
-              <a:t>{</a:t>
-            </a:r>
-            <a:r>
-              <a:rPr lang="ru-RU" sz="2400" dirty="0" err="1">
-                <a:solidFill>
-                  <a:srgbClr val="000000"/>
-                </a:solidFill>
-                <a:latin typeface="Cascadia Mono" panose="020B0609020000020004" pitchFamily="49" charset="0"/>
-              </a:rPr>
-              <a:t>retirementAge</a:t>
-            </a:r>
-            <a:r>
-              <a:rPr lang="ru-RU" sz="2400" dirty="0">
-                <a:solidFill>
-                  <a:srgbClr val="000000"/>
-                </a:solidFill>
-                <a:latin typeface="Cascadia Mono" panose="020B0609020000020004" pitchFamily="49" charset="0"/>
-              </a:rPr>
-              <a:t> - </a:t>
-            </a:r>
-            <a:r>
-              <a:rPr lang="ru-RU" sz="2400" dirty="0" err="1">
-                <a:solidFill>
-                  <a:srgbClr val="000000"/>
-                </a:solidFill>
-                <a:latin typeface="Cascadia Mono" panose="020B0609020000020004" pitchFamily="49" charset="0"/>
-              </a:rPr>
-              <a:t>age</a:t>
-            </a:r>
-            <a:r>
-              <a:rPr lang="ru-RU" sz="2400" dirty="0">
-                <a:solidFill>
-                  <a:srgbClr val="000000"/>
-                </a:solidFill>
-                <a:latin typeface="Cascadia Mono" panose="020B0609020000020004" pitchFamily="49" charset="0"/>
-              </a:rPr>
-              <a:t>}</a:t>
-            </a:r>
-            <a:r>
-              <a:rPr lang="ru-RU" sz="2400" dirty="0">
-                <a:solidFill>
-                  <a:srgbClr val="A31515"/>
-                </a:solidFill>
-                <a:latin typeface="Cascadia Mono" panose="020B0609020000020004" pitchFamily="49" charset="0"/>
-              </a:rPr>
-              <a:t>"</a:t>
-            </a:r>
-            <a:r>
-              <a:rPr lang="ru-RU" sz="2400" dirty="0">
-                <a:solidFill>
-                  <a:srgbClr val="000000"/>
-                </a:solidFill>
-                <a:latin typeface="Cascadia Mono" panose="020B0609020000020004" pitchFamily="49" charset="0"/>
-              </a:rPr>
-              <a:t>);</a:t>
-            </a:r>
-          </a:p>
-          <a:p>
-            <a:r>
-              <a:rPr lang="ru-RU" sz="2400" dirty="0">
-                <a:solidFill>
-                  <a:srgbClr val="000000"/>
-                </a:solidFill>
-                <a:latin typeface="Cascadia Mono" panose="020B0609020000020004" pitchFamily="49" charset="0"/>
-              </a:rPr>
-              <a:t>    }</a:t>
-            </a:r>
-          </a:p>
-          <a:p>
-            <a:r>
-              <a:rPr lang="ru-RU" sz="2400" dirty="0">
-                <a:solidFill>
-                  <a:srgbClr val="000000"/>
-                </a:solidFill>
-                <a:latin typeface="Cascadia Mono" panose="020B0609020000020004" pitchFamily="49" charset="0"/>
-              </a:rPr>
-              <a:t>}</a:t>
-            </a:r>
-            <a:endParaRPr lang="ru-RU" sz="2400" dirty="0">
-              <a:latin typeface="Bookman Old Style" panose="02050604050505020204" pitchFamily="18" charset="0"/>
-              <a:cs typeface="Times New Roman" panose="02020603050405020304" pitchFamily="18" charset="0"/>
-            </a:endParaRPr>
-          </a:p>
-        </p:txBody>
-      </p:sp>
-    </p:spTree>
-    <p:extLst>
-      <p:ext uri="{BB962C8B-B14F-4D97-AF65-F5344CB8AC3E}">
-        <p14:creationId xmlns:p14="http://schemas.microsoft.com/office/powerpoint/2010/main" val="689496018"/>
-      </p:ext>
-    </p:extLst>
-  </p:cSld>
-  <p:clrMapOvr>
-    <a:masterClrMapping/>
-  </p:clrMapOvr>
-  <p:timing>
-    <p:tnLst>
-      <p:par>
-        <p:cTn id="1" dur="indefinite" restart="never" nodeType="tmRoot"/>
-      </p:par>
-    </p:tnLst>
-  </p:timing>
-</p:sld>
-</file>
-
-<file path=ppt/slides/slide42.xml><?xml version="1.0" encoding="utf-8"?>
-<p:sld xmlns:a="http://schemas.openxmlformats.org/drawingml/2006/main" xmlns:r="http://schemas.openxmlformats.org/officeDocument/2006/relationships" xmlns:p="http://schemas.openxmlformats.org/presentationml/2006/main">
-  <p:cSld>
-    <p:spTree>
-      <p:nvGrpSpPr>
-        <p:cNvPr id="1" name=""/>
-        <p:cNvGrpSpPr/>
-        <p:nvPr/>
-      </p:nvGrpSpPr>
-      <p:grpSpPr>
-        <a:xfrm>
-          <a:off x="0" y="0"/>
-          <a:ext cx="0" cy="0"/>
-          <a:chOff x="0" y="0"/>
-          <a:chExt cx="0" cy="0"/>
-        </a:xfrm>
-      </p:grpSpPr>
-      <p:sp>
-        <p:nvSpPr>
-          <p:cNvPr id="6" name="Прямоугольник 5"/>
-          <p:cNvSpPr/>
-          <p:nvPr/>
-        </p:nvSpPr>
-        <p:spPr>
-          <a:xfrm>
-            <a:off x="0" y="0"/>
-            <a:ext cx="12069113" cy="6186309"/>
-          </a:xfrm>
-          <a:prstGeom prst="rect">
-            <a:avLst/>
-          </a:prstGeom>
-        </p:spPr>
-        <p:txBody>
-          <a:bodyPr wrap="square">
-            <a:spAutoFit/>
-          </a:bodyPr>
-          <a:lstStyle/>
-          <a:p>
-            <a:pPr>
-              <a:lnSpc>
-                <a:spcPct val="150000"/>
-              </a:lnSpc>
-            </a:pPr>
-            <a:r>
-              <a:rPr lang="ru-RU" sz="2400" dirty="0">
-                <a:latin typeface="Bookman Old Style" panose="02050604050505020204" pitchFamily="18" charset="0"/>
-              </a:rPr>
-              <a:t>В данном случае класс </a:t>
-            </a:r>
-            <a:r>
-              <a:rPr lang="ru-RU" sz="2400" dirty="0" err="1">
-                <a:latin typeface="Bookman Old Style" panose="02050604050505020204" pitchFamily="18" charset="0"/>
-              </a:rPr>
-              <a:t>Person</a:t>
-            </a:r>
-            <a:r>
-              <a:rPr lang="ru-RU" sz="2400" dirty="0">
-                <a:latin typeface="Bookman Old Style" panose="02050604050505020204" pitchFamily="18" charset="0"/>
-              </a:rPr>
-              <a:t> имеет два </a:t>
-            </a:r>
-            <a:r>
-              <a:rPr lang="ru-RU" sz="2400" dirty="0" smtClean="0">
-                <a:latin typeface="Bookman Old Style" panose="02050604050505020204" pitchFamily="18" charset="0"/>
-              </a:rPr>
-              <a:t>поля:</a:t>
-            </a:r>
-            <a:endParaRPr lang="en-US" sz="2400" dirty="0" smtClean="0">
-              <a:latin typeface="Bookman Old Style" panose="02050604050505020204" pitchFamily="18" charset="0"/>
-            </a:endParaRPr>
-          </a:p>
-          <a:p>
-            <a:pPr>
-              <a:lnSpc>
-                <a:spcPct val="150000"/>
-              </a:lnSpc>
-            </a:pPr>
-            <a:r>
-              <a:rPr lang="ru-RU" sz="2400" b="1" dirty="0" err="1" smtClean="0">
-                <a:latin typeface="Bookman Old Style" panose="02050604050505020204" pitchFamily="18" charset="0"/>
-              </a:rPr>
-              <a:t>age</a:t>
-            </a:r>
-            <a:r>
-              <a:rPr lang="ru-RU" sz="2400" dirty="0" smtClean="0">
-                <a:latin typeface="Bookman Old Style" panose="02050604050505020204" pitchFamily="18" charset="0"/>
-              </a:rPr>
-              <a:t> </a:t>
-            </a:r>
-            <a:r>
-              <a:rPr lang="ru-RU" sz="2400" dirty="0">
-                <a:latin typeface="Bookman Old Style" panose="02050604050505020204" pitchFamily="18" charset="0"/>
-              </a:rPr>
-              <a:t>(хранит возраст человека</a:t>
-            </a:r>
-            <a:r>
-              <a:rPr lang="ru-RU" sz="2400" dirty="0" smtClean="0">
-                <a:latin typeface="Bookman Old Style" panose="02050604050505020204" pitchFamily="18" charset="0"/>
-              </a:rPr>
-              <a:t>)</a:t>
-            </a:r>
-            <a:endParaRPr lang="en-US" sz="2400" dirty="0" smtClean="0">
-              <a:latin typeface="Bookman Old Style" panose="02050604050505020204" pitchFamily="18" charset="0"/>
-            </a:endParaRPr>
-          </a:p>
-          <a:p>
-            <a:pPr>
-              <a:lnSpc>
-                <a:spcPct val="150000"/>
-              </a:lnSpc>
-            </a:pPr>
-            <a:r>
-              <a:rPr lang="ru-RU" sz="2400" dirty="0" smtClean="0">
-                <a:latin typeface="Bookman Old Style" panose="02050604050505020204" pitchFamily="18" charset="0"/>
-              </a:rPr>
-              <a:t>и </a:t>
-            </a:r>
-            <a:r>
-              <a:rPr lang="ru-RU" sz="2400" b="1" dirty="0" err="1" smtClean="0">
-                <a:latin typeface="Bookman Old Style" panose="02050604050505020204" pitchFamily="18" charset="0"/>
-              </a:rPr>
-              <a:t>retirementAge</a:t>
-            </a:r>
-            <a:r>
-              <a:rPr lang="ru-RU" sz="2400" dirty="0" smtClean="0">
-                <a:latin typeface="Bookman Old Style" panose="02050604050505020204" pitchFamily="18" charset="0"/>
-              </a:rPr>
-              <a:t> </a:t>
-            </a:r>
-            <a:r>
-              <a:rPr lang="ru-RU" sz="2400" dirty="0">
-                <a:latin typeface="Bookman Old Style" panose="02050604050505020204" pitchFamily="18" charset="0"/>
-              </a:rPr>
-              <a:t>(хранит пенсионный возраст). </a:t>
-            </a:r>
-            <a:endParaRPr lang="en-US" sz="2400" dirty="0" smtClean="0">
-              <a:latin typeface="Bookman Old Style" panose="02050604050505020204" pitchFamily="18" charset="0"/>
-            </a:endParaRPr>
-          </a:p>
-          <a:p>
-            <a:pPr>
-              <a:lnSpc>
-                <a:spcPct val="150000"/>
-              </a:lnSpc>
-            </a:pPr>
-            <a:r>
-              <a:rPr lang="ru-RU" sz="2400" dirty="0" smtClean="0">
-                <a:latin typeface="Bookman Old Style" panose="02050604050505020204" pitchFamily="18" charset="0"/>
-              </a:rPr>
-              <a:t>Однако </a:t>
-            </a:r>
-            <a:r>
-              <a:rPr lang="ru-RU" sz="2400" dirty="0">
-                <a:latin typeface="Bookman Old Style" panose="02050604050505020204" pitchFamily="18" charset="0"/>
-              </a:rPr>
-              <a:t>поле </a:t>
-            </a:r>
-            <a:r>
-              <a:rPr lang="ru-RU" sz="2400" b="1" dirty="0" err="1">
-                <a:latin typeface="Bookman Old Style" panose="02050604050505020204" pitchFamily="18" charset="0"/>
-              </a:rPr>
-              <a:t>retirementAge</a:t>
-            </a:r>
-            <a:r>
-              <a:rPr lang="ru-RU" sz="2400" dirty="0">
-                <a:latin typeface="Bookman Old Style" panose="02050604050505020204" pitchFamily="18" charset="0"/>
-              </a:rPr>
-              <a:t> является статическим. Оно относится не к конкретному человеку, а ко всем людям. (В данном случае для упрощения пренебрежем тем фактом, что в зависимости от пола и профессии пенсионный возраст может отличаться.) </a:t>
-            </a:r>
-            <a:endParaRPr lang="en-US" sz="2400" dirty="0" smtClean="0">
-              <a:latin typeface="Bookman Old Style" panose="02050604050505020204" pitchFamily="18" charset="0"/>
-            </a:endParaRPr>
-          </a:p>
-          <a:p>
-            <a:pPr>
-              <a:lnSpc>
-                <a:spcPct val="150000"/>
-              </a:lnSpc>
-            </a:pPr>
-            <a:endParaRPr lang="en-US" sz="2400" dirty="0">
-              <a:latin typeface="Bookman Old Style" panose="02050604050505020204" pitchFamily="18" charset="0"/>
-            </a:endParaRPr>
-          </a:p>
-          <a:p>
-            <a:pPr>
-              <a:lnSpc>
-                <a:spcPct val="150000"/>
-              </a:lnSpc>
-            </a:pPr>
-            <a:r>
-              <a:rPr lang="ru-RU" sz="2400" dirty="0" smtClean="0">
-                <a:latin typeface="Bookman Old Style" panose="02050604050505020204" pitchFamily="18" charset="0"/>
-              </a:rPr>
-              <a:t>Таким </a:t>
-            </a:r>
-            <a:r>
-              <a:rPr lang="ru-RU" sz="2400" dirty="0">
-                <a:latin typeface="Bookman Old Style" panose="02050604050505020204" pitchFamily="18" charset="0"/>
-              </a:rPr>
-              <a:t>образом, поле </a:t>
-            </a:r>
-            <a:r>
-              <a:rPr lang="ru-RU" sz="2400" b="1" dirty="0" err="1">
-                <a:latin typeface="Bookman Old Style" panose="02050604050505020204" pitchFamily="18" charset="0"/>
-              </a:rPr>
-              <a:t>retirementAge</a:t>
-            </a:r>
-            <a:r>
-              <a:rPr lang="ru-RU" sz="2400" dirty="0">
-                <a:latin typeface="Bookman Old Style" panose="02050604050505020204" pitchFamily="18" charset="0"/>
-              </a:rPr>
-              <a:t> относится не к отдельную объекту и хранит значение НЕ отдельного объекта класса </a:t>
-            </a:r>
-            <a:r>
-              <a:rPr lang="ru-RU" sz="2400" b="1" dirty="0" err="1">
-                <a:latin typeface="Bookman Old Style" panose="02050604050505020204" pitchFamily="18" charset="0"/>
-              </a:rPr>
-              <a:t>Person</a:t>
-            </a:r>
-            <a:r>
-              <a:rPr lang="ru-RU" sz="2400" dirty="0">
-                <a:latin typeface="Bookman Old Style" panose="02050604050505020204" pitchFamily="18" charset="0"/>
-              </a:rPr>
-              <a:t>, а относится ко всему классу </a:t>
-            </a:r>
-            <a:r>
-              <a:rPr lang="ru-RU" sz="2400" b="1" dirty="0" err="1">
-                <a:latin typeface="Bookman Old Style" panose="02050604050505020204" pitchFamily="18" charset="0"/>
-              </a:rPr>
-              <a:t>Person</a:t>
-            </a:r>
-            <a:r>
-              <a:rPr lang="ru-RU" sz="2400" dirty="0">
-                <a:latin typeface="Bookman Old Style" panose="02050604050505020204" pitchFamily="18" charset="0"/>
-              </a:rPr>
-              <a:t> и хранит общее значение для всего класса.</a:t>
-            </a:r>
-          </a:p>
-        </p:txBody>
-      </p:sp>
-    </p:spTree>
-    <p:extLst>
-      <p:ext uri="{BB962C8B-B14F-4D97-AF65-F5344CB8AC3E}">
-        <p14:creationId xmlns:p14="http://schemas.microsoft.com/office/powerpoint/2010/main" val="3250658463"/>
-      </p:ext>
-    </p:extLst>
-  </p:cSld>
-  <p:clrMapOvr>
-    <a:masterClrMapping/>
-  </p:clrMapOvr>
-  <p:timing>
-    <p:tnLst>
-      <p:par>
-        <p:cTn id="1" dur="indefinite" restart="never" nodeType="tmRoot"/>
-      </p:par>
-    </p:tnLst>
-  </p:timing>
-</p:sld>
-</file>
-
-<file path=ppt/slides/slide43.xml><?xml version="1.0" encoding="utf-8"?>
-<p:sld xmlns:a="http://schemas.openxmlformats.org/drawingml/2006/main" xmlns:r="http://schemas.openxmlformats.org/officeDocument/2006/relationships" xmlns:p="http://schemas.openxmlformats.org/presentationml/2006/main">
-  <p:cSld>
-    <p:spTree>
-      <p:nvGrpSpPr>
-        <p:cNvPr id="1" name=""/>
-        <p:cNvGrpSpPr/>
-        <p:nvPr/>
-      </p:nvGrpSpPr>
-      <p:grpSpPr>
-        <a:xfrm>
-          <a:off x="0" y="0"/>
-          <a:ext cx="0" cy="0"/>
-          <a:chOff x="0" y="0"/>
-          <a:chExt cx="0" cy="0"/>
-        </a:xfrm>
-      </p:grpSpPr>
-      <p:sp>
-        <p:nvSpPr>
-          <p:cNvPr id="6" name="Прямоугольник 5"/>
-          <p:cNvSpPr/>
-          <p:nvPr/>
-        </p:nvSpPr>
-        <p:spPr>
-          <a:xfrm>
-            <a:off x="0" y="0"/>
-            <a:ext cx="12069113" cy="3785652"/>
-          </a:xfrm>
-          <a:prstGeom prst="rect">
-            <a:avLst/>
-          </a:prstGeom>
-        </p:spPr>
-        <p:txBody>
-          <a:bodyPr wrap="square">
-            <a:spAutoFit/>
-          </a:bodyPr>
-          <a:lstStyle/>
-          <a:p>
-            <a:r>
-              <a:rPr lang="en-US" sz="2400" dirty="0">
-                <a:solidFill>
-                  <a:srgbClr val="00B0F0"/>
-                </a:solidFill>
-                <a:latin typeface="Cascadia Mono" panose="020B0609020000020004" pitchFamily="49" charset="0"/>
-              </a:rPr>
-              <a:t>Person</a:t>
-            </a:r>
-            <a:r>
-              <a:rPr lang="en-US" sz="2400" dirty="0">
-                <a:solidFill>
-                  <a:srgbClr val="000000"/>
-                </a:solidFill>
-                <a:latin typeface="Cascadia Mono" panose="020B0609020000020004" pitchFamily="49" charset="0"/>
-              </a:rPr>
-              <a:t> bob = </a:t>
-            </a:r>
-            <a:r>
-              <a:rPr lang="en-US" sz="2400" dirty="0">
-                <a:solidFill>
-                  <a:srgbClr val="0000FF"/>
-                </a:solidFill>
-                <a:latin typeface="Cascadia Mono" panose="020B0609020000020004" pitchFamily="49" charset="0"/>
-              </a:rPr>
-              <a:t>new</a:t>
-            </a:r>
-            <a:r>
-              <a:rPr lang="en-US" sz="2400" dirty="0">
-                <a:solidFill>
-                  <a:srgbClr val="000000"/>
-                </a:solidFill>
-                <a:latin typeface="Cascadia Mono" panose="020B0609020000020004" pitchFamily="49" charset="0"/>
-              </a:rPr>
-              <a:t>(68);</a:t>
-            </a:r>
-          </a:p>
-          <a:p>
-            <a:r>
-              <a:rPr lang="en-US" sz="2400" dirty="0">
-                <a:solidFill>
-                  <a:srgbClr val="000000"/>
-                </a:solidFill>
-                <a:latin typeface="Cascadia Mono" panose="020B0609020000020004" pitchFamily="49" charset="0"/>
-              </a:rPr>
-              <a:t>bob.</a:t>
-            </a:r>
-            <a:r>
-              <a:rPr lang="ru-RU" sz="2400" dirty="0">
-                <a:solidFill>
-                  <a:srgbClr val="000000"/>
-                </a:solidFill>
-                <a:latin typeface="Cascadia Mono" panose="020B0609020000020004" pitchFamily="49" charset="0"/>
-              </a:rPr>
-              <a:t>С</a:t>
-            </a:r>
-            <a:r>
-              <a:rPr lang="en-US" sz="2400" dirty="0" err="1">
-                <a:solidFill>
-                  <a:srgbClr val="000000"/>
-                </a:solidFill>
-                <a:latin typeface="Cascadia Mono" panose="020B0609020000020004" pitchFamily="49" charset="0"/>
-              </a:rPr>
-              <a:t>heckAge</a:t>
-            </a:r>
-            <a:r>
-              <a:rPr lang="en-US" sz="2400" dirty="0">
-                <a:solidFill>
-                  <a:srgbClr val="000000"/>
-                </a:solidFill>
-                <a:latin typeface="Cascadia Mono" panose="020B0609020000020004" pitchFamily="49" charset="0"/>
-              </a:rPr>
-              <a:t>();     </a:t>
-            </a:r>
-            <a:r>
-              <a:rPr lang="en-US" sz="2400" dirty="0">
-                <a:solidFill>
-                  <a:srgbClr val="008000"/>
-                </a:solidFill>
-                <a:latin typeface="Cascadia Mono" panose="020B0609020000020004" pitchFamily="49" charset="0"/>
-              </a:rPr>
-              <a:t>// </a:t>
-            </a:r>
-            <a:r>
-              <a:rPr lang="ru-RU" sz="2400" dirty="0">
-                <a:solidFill>
-                  <a:srgbClr val="008000"/>
-                </a:solidFill>
-                <a:latin typeface="Cascadia Mono" panose="020B0609020000020004" pitchFamily="49" charset="0"/>
-              </a:rPr>
-              <a:t>Уже на пенсии</a:t>
-            </a:r>
-            <a:endParaRPr lang="ru-RU" sz="2400" dirty="0">
-              <a:solidFill>
-                <a:srgbClr val="000000"/>
-              </a:solidFill>
-              <a:latin typeface="Cascadia Mono" panose="020B0609020000020004" pitchFamily="49" charset="0"/>
-            </a:endParaRPr>
-          </a:p>
-          <a:p>
-            <a:endParaRPr lang="ru-RU" sz="2400" dirty="0">
-              <a:solidFill>
-                <a:srgbClr val="000000"/>
-              </a:solidFill>
-              <a:latin typeface="Cascadia Mono" panose="020B0609020000020004" pitchFamily="49" charset="0"/>
-            </a:endParaRPr>
-          </a:p>
-          <a:p>
-            <a:r>
-              <a:rPr lang="en-US" sz="2400" dirty="0">
-                <a:solidFill>
-                  <a:srgbClr val="00B0F0"/>
-                </a:solidFill>
-                <a:latin typeface="Cascadia Mono" panose="020B0609020000020004" pitchFamily="49" charset="0"/>
-              </a:rPr>
-              <a:t>Person</a:t>
-            </a:r>
-            <a:r>
-              <a:rPr lang="en-US" sz="2400" dirty="0">
-                <a:solidFill>
-                  <a:srgbClr val="000000"/>
-                </a:solidFill>
-                <a:latin typeface="Cascadia Mono" panose="020B0609020000020004" pitchFamily="49" charset="0"/>
-              </a:rPr>
-              <a:t> tom = </a:t>
-            </a:r>
-            <a:r>
-              <a:rPr lang="en-US" sz="2400" dirty="0">
-                <a:solidFill>
-                  <a:srgbClr val="0000FF"/>
-                </a:solidFill>
-                <a:latin typeface="Cascadia Mono" panose="020B0609020000020004" pitchFamily="49" charset="0"/>
-              </a:rPr>
-              <a:t>new</a:t>
-            </a:r>
-            <a:r>
-              <a:rPr lang="en-US" sz="2400" dirty="0">
-                <a:solidFill>
-                  <a:srgbClr val="000000"/>
-                </a:solidFill>
-                <a:latin typeface="Cascadia Mono" panose="020B0609020000020004" pitchFamily="49" charset="0"/>
-              </a:rPr>
-              <a:t>(37);</a:t>
-            </a:r>
-          </a:p>
-          <a:p>
-            <a:r>
-              <a:rPr lang="ru-RU" sz="2400" dirty="0" err="1">
-                <a:solidFill>
-                  <a:srgbClr val="000000"/>
-                </a:solidFill>
-                <a:latin typeface="Cascadia Mono" panose="020B0609020000020004" pitchFamily="49" charset="0"/>
-              </a:rPr>
-              <a:t>tom.СheckAge</a:t>
-            </a:r>
-            <a:r>
-              <a:rPr lang="ru-RU" sz="2400" dirty="0">
-                <a:solidFill>
-                  <a:srgbClr val="000000"/>
-                </a:solidFill>
-                <a:latin typeface="Cascadia Mono" panose="020B0609020000020004" pitchFamily="49" charset="0"/>
-              </a:rPr>
-              <a:t>();     </a:t>
-            </a:r>
-            <a:r>
-              <a:rPr lang="ru-RU" sz="2400" dirty="0">
-                <a:solidFill>
-                  <a:srgbClr val="008000"/>
-                </a:solidFill>
-                <a:latin typeface="Cascadia Mono" panose="020B0609020000020004" pitchFamily="49" charset="0"/>
-              </a:rPr>
-              <a:t>// Сколько лет осталось до пенсии: 28</a:t>
-            </a:r>
-            <a:endParaRPr lang="ru-RU" sz="2400" dirty="0">
-              <a:solidFill>
-                <a:srgbClr val="000000"/>
-              </a:solidFill>
-              <a:latin typeface="Cascadia Mono" panose="020B0609020000020004" pitchFamily="49" charset="0"/>
-            </a:endParaRPr>
-          </a:p>
-          <a:p>
-            <a:endParaRPr lang="ru-RU" sz="2400" dirty="0">
-              <a:solidFill>
-                <a:srgbClr val="000000"/>
-              </a:solidFill>
-              <a:latin typeface="Cascadia Mono" panose="020B0609020000020004" pitchFamily="49" charset="0"/>
-            </a:endParaRPr>
-          </a:p>
-          <a:p>
-            <a:r>
-              <a:rPr lang="ru-RU" sz="2400" dirty="0">
-                <a:solidFill>
-                  <a:srgbClr val="008000"/>
-                </a:solidFill>
-                <a:latin typeface="Cascadia Mono" panose="020B0609020000020004" pitchFamily="49" charset="0"/>
-              </a:rPr>
-              <a:t>// получение статического поля</a:t>
-            </a:r>
-            <a:endParaRPr lang="ru-RU" sz="2400" dirty="0">
-              <a:solidFill>
-                <a:srgbClr val="000000"/>
-              </a:solidFill>
-              <a:latin typeface="Cascadia Mono" panose="020B0609020000020004" pitchFamily="49" charset="0"/>
-            </a:endParaRPr>
-          </a:p>
-          <a:p>
-            <a:r>
-              <a:rPr lang="en-US" sz="2400" dirty="0" err="1">
-                <a:solidFill>
-                  <a:srgbClr val="00B0F0"/>
-                </a:solidFill>
-                <a:latin typeface="Cascadia Mono" panose="020B0609020000020004" pitchFamily="49" charset="0"/>
-              </a:rPr>
-              <a:t>Console</a:t>
-            </a:r>
-            <a:r>
-              <a:rPr lang="en-US" sz="2400" dirty="0" err="1">
-                <a:solidFill>
-                  <a:srgbClr val="000000"/>
-                </a:solidFill>
-                <a:latin typeface="Cascadia Mono" panose="020B0609020000020004" pitchFamily="49" charset="0"/>
-              </a:rPr>
-              <a:t>.WriteLine</a:t>
-            </a:r>
-            <a:r>
-              <a:rPr lang="en-US" sz="2400" dirty="0">
-                <a:solidFill>
-                  <a:srgbClr val="000000"/>
-                </a:solidFill>
-                <a:latin typeface="Cascadia Mono" panose="020B0609020000020004" pitchFamily="49" charset="0"/>
-              </a:rPr>
-              <a:t>(</a:t>
-            </a:r>
-            <a:r>
-              <a:rPr lang="en-US" sz="2400" dirty="0" err="1">
-                <a:solidFill>
-                  <a:srgbClr val="00B0F0"/>
-                </a:solidFill>
-                <a:latin typeface="Cascadia Mono" panose="020B0609020000020004" pitchFamily="49" charset="0"/>
-              </a:rPr>
-              <a:t>Person</a:t>
-            </a:r>
-            <a:r>
-              <a:rPr lang="en-US" sz="2400" dirty="0" err="1">
-                <a:solidFill>
-                  <a:srgbClr val="000000"/>
-                </a:solidFill>
-                <a:latin typeface="Cascadia Mono" panose="020B0609020000020004" pitchFamily="49" charset="0"/>
-              </a:rPr>
-              <a:t>.retirementAge</a:t>
-            </a:r>
-            <a:r>
-              <a:rPr lang="en-US" sz="2400" dirty="0">
-                <a:solidFill>
-                  <a:srgbClr val="000000"/>
-                </a:solidFill>
-                <a:latin typeface="Cascadia Mono" panose="020B0609020000020004" pitchFamily="49" charset="0"/>
-              </a:rPr>
-              <a:t>); </a:t>
-            </a:r>
-            <a:r>
-              <a:rPr lang="en-US" sz="2400" dirty="0">
-                <a:solidFill>
-                  <a:srgbClr val="008000"/>
-                </a:solidFill>
-                <a:latin typeface="Cascadia Mono" panose="020B0609020000020004" pitchFamily="49" charset="0"/>
-              </a:rPr>
-              <a:t>// 65</a:t>
-            </a:r>
-            <a:endParaRPr lang="en-US" sz="2400" dirty="0">
-              <a:solidFill>
-                <a:srgbClr val="000000"/>
-              </a:solidFill>
-              <a:latin typeface="Cascadia Mono" panose="020B0609020000020004" pitchFamily="49" charset="0"/>
-            </a:endParaRPr>
-          </a:p>
-          <a:p>
-            <a:r>
-              <a:rPr lang="ru-RU" sz="2400" dirty="0">
-                <a:solidFill>
-                  <a:srgbClr val="008000"/>
-                </a:solidFill>
-                <a:latin typeface="Cascadia Mono" panose="020B0609020000020004" pitchFamily="49" charset="0"/>
-              </a:rPr>
-              <a:t>// изменение статического поля</a:t>
-            </a:r>
-            <a:endParaRPr lang="ru-RU" sz="2400" dirty="0">
-              <a:solidFill>
-                <a:srgbClr val="000000"/>
-              </a:solidFill>
-              <a:latin typeface="Cascadia Mono" panose="020B0609020000020004" pitchFamily="49" charset="0"/>
-            </a:endParaRPr>
-          </a:p>
-          <a:p>
-            <a:r>
-              <a:rPr lang="en-US" sz="2400" dirty="0" err="1">
-                <a:solidFill>
-                  <a:srgbClr val="00B0F0"/>
-                </a:solidFill>
-                <a:latin typeface="Cascadia Mono" panose="020B0609020000020004" pitchFamily="49" charset="0"/>
-              </a:rPr>
-              <a:t>Person</a:t>
-            </a:r>
-            <a:r>
-              <a:rPr lang="en-US" sz="2400" dirty="0" err="1">
-                <a:solidFill>
-                  <a:srgbClr val="000000"/>
-                </a:solidFill>
-                <a:latin typeface="Cascadia Mono" panose="020B0609020000020004" pitchFamily="49" charset="0"/>
-              </a:rPr>
-              <a:t>.retirementAge</a:t>
-            </a:r>
-            <a:r>
-              <a:rPr lang="en-US" sz="2400" dirty="0">
-                <a:solidFill>
-                  <a:srgbClr val="000000"/>
-                </a:solidFill>
-                <a:latin typeface="Cascadia Mono" panose="020B0609020000020004" pitchFamily="49" charset="0"/>
-              </a:rPr>
-              <a:t> = 67;</a:t>
-            </a:r>
-            <a:endParaRPr lang="ru-RU" sz="2400" dirty="0">
-              <a:latin typeface="Bookman Old Style" panose="02050604050505020204" pitchFamily="18" charset="0"/>
-            </a:endParaRPr>
-          </a:p>
-        </p:txBody>
-      </p:sp>
-    </p:spTree>
-    <p:extLst>
-      <p:ext uri="{BB962C8B-B14F-4D97-AF65-F5344CB8AC3E}">
-        <p14:creationId xmlns:p14="http://schemas.microsoft.com/office/powerpoint/2010/main" val="791730129"/>
-      </p:ext>
-    </p:extLst>
-  </p:cSld>
-  <p:clrMapOvr>
-    <a:masterClrMapping/>
-  </p:clrMapOvr>
-  <p:timing>
-    <p:tnLst>
-      <p:par>
-        <p:cTn id="1" dur="indefinite" restart="never" nodeType="tmRoot"/>
-      </p:par>
-    </p:tnLst>
-  </p:timing>
-</p:sld>
-</file>
-
-<file path=ppt/slides/slide44.xml><?xml version="1.0" encoding="utf-8"?>
-<p:sld xmlns:a="http://schemas.openxmlformats.org/drawingml/2006/main" xmlns:r="http://schemas.openxmlformats.org/officeDocument/2006/relationships" xmlns:p="http://schemas.openxmlformats.org/presentationml/2006/main">
-  <p:cSld>
-    <p:spTree>
-      <p:nvGrpSpPr>
-        <p:cNvPr id="1" name=""/>
-        <p:cNvGrpSpPr/>
-        <p:nvPr/>
-      </p:nvGrpSpPr>
-      <p:grpSpPr>
-        <a:xfrm>
-          <a:off x="0" y="0"/>
-          <a:ext cx="0" cy="0"/>
-          <a:chOff x="0" y="0"/>
-          <a:chExt cx="0" cy="0"/>
-        </a:xfrm>
-      </p:grpSpPr>
-      <p:sp>
-        <p:nvSpPr>
-          <p:cNvPr id="6" name="Прямоугольник 5"/>
-          <p:cNvSpPr/>
-          <p:nvPr/>
-        </p:nvSpPr>
-        <p:spPr>
-          <a:xfrm>
-            <a:off x="0" y="0"/>
-            <a:ext cx="12192000" cy="6555641"/>
-          </a:xfrm>
-          <a:prstGeom prst="rect">
-            <a:avLst/>
-          </a:prstGeom>
-        </p:spPr>
-        <p:txBody>
-          <a:bodyPr wrap="square">
-            <a:spAutoFit/>
-          </a:bodyPr>
-          <a:lstStyle/>
-          <a:p>
-            <a:pPr algn="just">
-              <a:lnSpc>
-                <a:spcPct val="150000"/>
-              </a:lnSpc>
-            </a:pPr>
-            <a:r>
-              <a:rPr lang="ru-RU" sz="2400" b="1" dirty="0">
-                <a:latin typeface="Bookman Old Style" panose="02050604050505020204" pitchFamily="18" charset="0"/>
-                <a:cs typeface="Times New Roman" panose="02020603050405020304" pitchFamily="18" charset="0"/>
-              </a:rPr>
-              <a:t>Статические </a:t>
-            </a:r>
-            <a:r>
-              <a:rPr lang="ru-RU" sz="2400" b="1" dirty="0" smtClean="0">
-                <a:latin typeface="Bookman Old Style" panose="02050604050505020204" pitchFamily="18" charset="0"/>
-                <a:cs typeface="Times New Roman" panose="02020603050405020304" pitchFamily="18" charset="0"/>
-              </a:rPr>
-              <a:t>свойства</a:t>
-            </a:r>
-            <a:endParaRPr lang="en-US" sz="2400" b="1" dirty="0" smtClean="0">
-              <a:latin typeface="Bookman Old Style" panose="02050604050505020204" pitchFamily="18" charset="0"/>
-              <a:cs typeface="Times New Roman" panose="02020603050405020304" pitchFamily="18" charset="0"/>
-            </a:endParaRPr>
-          </a:p>
-          <a:p>
-            <a:r>
-              <a:rPr lang="en-US" sz="2400" dirty="0">
-                <a:solidFill>
-                  <a:srgbClr val="2B91AF"/>
-                </a:solidFill>
-                <a:latin typeface="Cascadia Mono" panose="020B0609020000020004" pitchFamily="49" charset="0"/>
-              </a:rPr>
-              <a:t>Person</a:t>
-            </a:r>
-            <a:r>
-              <a:rPr lang="en-US" sz="2400" dirty="0" smtClean="0">
-                <a:solidFill>
-                  <a:srgbClr val="000000"/>
-                </a:solidFill>
-                <a:latin typeface="Cascadia Mono" panose="020B0609020000020004" pitchFamily="49" charset="0"/>
-              </a:rPr>
-              <a:t> </a:t>
-            </a:r>
-            <a:r>
-              <a:rPr lang="en-US" sz="2400" dirty="0">
-                <a:solidFill>
-                  <a:srgbClr val="000000"/>
-                </a:solidFill>
-                <a:latin typeface="Cascadia Mono" panose="020B0609020000020004" pitchFamily="49" charset="0"/>
-              </a:rPr>
-              <a:t>bob = </a:t>
-            </a:r>
-            <a:r>
-              <a:rPr lang="en-US" sz="2400" dirty="0">
-                <a:solidFill>
-                  <a:srgbClr val="0000FF"/>
-                </a:solidFill>
-                <a:latin typeface="Cascadia Mono" panose="020B0609020000020004" pitchFamily="49" charset="0"/>
-              </a:rPr>
-              <a:t>new</a:t>
-            </a:r>
-            <a:r>
-              <a:rPr lang="en-US" sz="2400" dirty="0">
-                <a:solidFill>
-                  <a:srgbClr val="000000"/>
-                </a:solidFill>
-                <a:latin typeface="Cascadia Mono" panose="020B0609020000020004" pitchFamily="49" charset="0"/>
-              </a:rPr>
-              <a:t>(68</a:t>
-            </a:r>
-            <a:r>
-              <a:rPr lang="en-US" sz="2400" dirty="0" smtClean="0">
-                <a:solidFill>
-                  <a:srgbClr val="000000"/>
-                </a:solidFill>
-                <a:latin typeface="Cascadia Mono" panose="020B0609020000020004" pitchFamily="49" charset="0"/>
-              </a:rPr>
-              <a:t>);</a:t>
-            </a:r>
-            <a:endParaRPr lang="ru-RU" sz="2400" dirty="0">
-              <a:solidFill>
-                <a:srgbClr val="000000"/>
-              </a:solidFill>
-              <a:latin typeface="Cascadia Mono" panose="020B0609020000020004" pitchFamily="49" charset="0"/>
-            </a:endParaRPr>
-          </a:p>
-          <a:p>
-            <a:r>
-              <a:rPr lang="en-US" sz="2400" dirty="0" err="1">
-                <a:solidFill>
-                  <a:srgbClr val="2B91AF"/>
-                </a:solidFill>
-                <a:latin typeface="Cascadia Mono" panose="020B0609020000020004" pitchFamily="49" charset="0"/>
-              </a:rPr>
-              <a:t>Console</a:t>
-            </a:r>
-            <a:r>
-              <a:rPr lang="en-US" sz="2400" dirty="0" err="1">
-                <a:solidFill>
-                  <a:srgbClr val="000000"/>
-                </a:solidFill>
-                <a:latin typeface="Cascadia Mono" panose="020B0609020000020004" pitchFamily="49" charset="0"/>
-              </a:rPr>
-              <a:t>.WriteLine</a:t>
-            </a:r>
-            <a:r>
-              <a:rPr lang="en-US" sz="2400" dirty="0">
-                <a:solidFill>
-                  <a:srgbClr val="000000"/>
-                </a:solidFill>
-                <a:latin typeface="Cascadia Mono" panose="020B0609020000020004" pitchFamily="49" charset="0"/>
-              </a:rPr>
-              <a:t>(</a:t>
-            </a:r>
-            <a:r>
-              <a:rPr lang="en-US" sz="2400" dirty="0" err="1">
-                <a:solidFill>
-                  <a:srgbClr val="2B91AF"/>
-                </a:solidFill>
-                <a:latin typeface="Cascadia Mono" panose="020B0609020000020004" pitchFamily="49" charset="0"/>
-              </a:rPr>
-              <a:t>Person</a:t>
-            </a:r>
-            <a:r>
-              <a:rPr lang="en-US" sz="2400" dirty="0" err="1">
-                <a:solidFill>
-                  <a:srgbClr val="000000"/>
-                </a:solidFill>
-                <a:latin typeface="Cascadia Mono" panose="020B0609020000020004" pitchFamily="49" charset="0"/>
-              </a:rPr>
-              <a:t>.RetirementAge</a:t>
-            </a:r>
-            <a:r>
-              <a:rPr lang="en-US" sz="2400" dirty="0">
-                <a:solidFill>
-                  <a:srgbClr val="000000"/>
-                </a:solidFill>
-                <a:latin typeface="Cascadia Mono" panose="020B0609020000020004" pitchFamily="49" charset="0"/>
-              </a:rPr>
-              <a:t>); </a:t>
-            </a:r>
-            <a:r>
-              <a:rPr lang="en-US" sz="2400" dirty="0">
-                <a:solidFill>
-                  <a:srgbClr val="008000"/>
-                </a:solidFill>
-                <a:latin typeface="Cascadia Mono" panose="020B0609020000020004" pitchFamily="49" charset="0"/>
-              </a:rPr>
-              <a:t>// 65</a:t>
-            </a:r>
-            <a:endParaRPr lang="en-US" sz="2400" dirty="0" smtClean="0">
-              <a:latin typeface="Bookman Old Style" panose="02050604050505020204" pitchFamily="18" charset="0"/>
-              <a:cs typeface="Times New Roman" panose="02020603050405020304" pitchFamily="18" charset="0"/>
-            </a:endParaRPr>
-          </a:p>
-          <a:p>
-            <a:r>
-              <a:rPr lang="en-US" sz="2400" dirty="0" smtClean="0">
-                <a:solidFill>
-                  <a:srgbClr val="0000FF"/>
-                </a:solidFill>
-                <a:latin typeface="Cascadia Mono" panose="020B0609020000020004" pitchFamily="49" charset="0"/>
-              </a:rPr>
-              <a:t>class</a:t>
-            </a:r>
-            <a:r>
-              <a:rPr lang="en-US" sz="2400" dirty="0" smtClean="0">
-                <a:solidFill>
-                  <a:srgbClr val="000000"/>
-                </a:solidFill>
-                <a:latin typeface="Cascadia Mono" panose="020B0609020000020004" pitchFamily="49" charset="0"/>
-              </a:rPr>
-              <a:t> </a:t>
-            </a:r>
-            <a:r>
-              <a:rPr lang="en-US" sz="2400" dirty="0">
-                <a:solidFill>
-                  <a:srgbClr val="2B91AF"/>
-                </a:solidFill>
-                <a:latin typeface="Cascadia Mono" panose="020B0609020000020004" pitchFamily="49" charset="0"/>
-              </a:rPr>
-              <a:t>Person</a:t>
-            </a:r>
-            <a:endParaRPr lang="en-US" sz="2400" dirty="0">
-              <a:solidFill>
-                <a:srgbClr val="000000"/>
-              </a:solidFill>
-              <a:latin typeface="Cascadia Mono" panose="020B0609020000020004" pitchFamily="49" charset="0"/>
-            </a:endParaRPr>
-          </a:p>
-          <a:p>
-            <a:r>
-              <a:rPr lang="ru-RU" sz="2400" dirty="0">
-                <a:solidFill>
-                  <a:srgbClr val="000000"/>
-                </a:solidFill>
-                <a:latin typeface="Cascadia Mono" panose="020B0609020000020004" pitchFamily="49" charset="0"/>
-              </a:rPr>
-              <a:t>{</a:t>
-            </a:r>
-          </a:p>
-          <a:p>
-            <a:r>
-              <a:rPr lang="en-US" sz="2400" dirty="0">
-                <a:solidFill>
-                  <a:srgbClr val="000000"/>
-                </a:solidFill>
-                <a:latin typeface="Cascadia Mono" panose="020B0609020000020004" pitchFamily="49" charset="0"/>
-              </a:rPr>
-              <a:t>    </a:t>
-            </a:r>
-            <a:r>
-              <a:rPr lang="en-US" sz="2400" dirty="0" err="1">
-                <a:solidFill>
-                  <a:srgbClr val="0000FF"/>
-                </a:solidFill>
-                <a:latin typeface="Cascadia Mono" panose="020B0609020000020004" pitchFamily="49" charset="0"/>
-              </a:rPr>
-              <a:t>int</a:t>
-            </a:r>
-            <a:r>
-              <a:rPr lang="en-US" sz="2400" dirty="0">
-                <a:solidFill>
-                  <a:srgbClr val="000000"/>
-                </a:solidFill>
-                <a:latin typeface="Cascadia Mono" panose="020B0609020000020004" pitchFamily="49" charset="0"/>
-              </a:rPr>
-              <a:t> age;</a:t>
-            </a:r>
-          </a:p>
-          <a:p>
-            <a:r>
-              <a:rPr lang="en-US" sz="2400" dirty="0">
-                <a:solidFill>
-                  <a:srgbClr val="000000"/>
-                </a:solidFill>
-                <a:latin typeface="Cascadia Mono" panose="020B0609020000020004" pitchFamily="49" charset="0"/>
-              </a:rPr>
-              <a:t>    </a:t>
-            </a:r>
-            <a:r>
-              <a:rPr lang="en-US" sz="2400" dirty="0">
-                <a:solidFill>
-                  <a:srgbClr val="0000FF"/>
-                </a:solidFill>
-                <a:latin typeface="Cascadia Mono" panose="020B0609020000020004" pitchFamily="49" charset="0"/>
-              </a:rPr>
-              <a:t>static</a:t>
-            </a:r>
-            <a:r>
-              <a:rPr lang="en-US" sz="2400" dirty="0">
-                <a:solidFill>
-                  <a:srgbClr val="000000"/>
-                </a:solidFill>
-                <a:latin typeface="Cascadia Mono" panose="020B0609020000020004" pitchFamily="49" charset="0"/>
-              </a:rPr>
-              <a:t> </a:t>
-            </a:r>
-            <a:r>
-              <a:rPr lang="en-US" sz="2400" dirty="0" err="1">
-                <a:solidFill>
-                  <a:srgbClr val="0000FF"/>
-                </a:solidFill>
-                <a:latin typeface="Cascadia Mono" panose="020B0609020000020004" pitchFamily="49" charset="0"/>
-              </a:rPr>
-              <a:t>int</a:t>
-            </a:r>
-            <a:r>
-              <a:rPr lang="en-US" sz="2400" dirty="0">
-                <a:solidFill>
-                  <a:srgbClr val="000000"/>
-                </a:solidFill>
-                <a:latin typeface="Cascadia Mono" panose="020B0609020000020004" pitchFamily="49" charset="0"/>
-              </a:rPr>
-              <a:t> </a:t>
-            </a:r>
-            <a:r>
-              <a:rPr lang="en-US" sz="2400" dirty="0" err="1">
-                <a:solidFill>
-                  <a:srgbClr val="000000"/>
-                </a:solidFill>
-                <a:latin typeface="Cascadia Mono" panose="020B0609020000020004" pitchFamily="49" charset="0"/>
-              </a:rPr>
-              <a:t>retirementAge</a:t>
-            </a:r>
-            <a:r>
-              <a:rPr lang="en-US" sz="2400" dirty="0">
-                <a:solidFill>
-                  <a:srgbClr val="000000"/>
-                </a:solidFill>
-                <a:latin typeface="Cascadia Mono" panose="020B0609020000020004" pitchFamily="49" charset="0"/>
-              </a:rPr>
-              <a:t> = 65;</a:t>
-            </a:r>
-          </a:p>
-          <a:p>
-            <a:r>
-              <a:rPr lang="en-US" sz="2400" dirty="0">
-                <a:solidFill>
-                  <a:srgbClr val="000000"/>
-                </a:solidFill>
-                <a:latin typeface="Cascadia Mono" panose="020B0609020000020004" pitchFamily="49" charset="0"/>
-              </a:rPr>
-              <a:t>    </a:t>
-            </a:r>
-            <a:r>
-              <a:rPr lang="en-US" sz="2400" dirty="0">
-                <a:solidFill>
-                  <a:srgbClr val="0000FF"/>
-                </a:solidFill>
-                <a:latin typeface="Cascadia Mono" panose="020B0609020000020004" pitchFamily="49" charset="0"/>
-              </a:rPr>
-              <a:t>public</a:t>
-            </a:r>
-            <a:r>
-              <a:rPr lang="en-US" sz="2400" dirty="0">
-                <a:solidFill>
-                  <a:srgbClr val="000000"/>
-                </a:solidFill>
-                <a:latin typeface="Cascadia Mono" panose="020B0609020000020004" pitchFamily="49" charset="0"/>
-              </a:rPr>
-              <a:t> </a:t>
-            </a:r>
-            <a:r>
-              <a:rPr lang="en-US" sz="2400" dirty="0">
-                <a:solidFill>
-                  <a:srgbClr val="0000FF"/>
-                </a:solidFill>
-                <a:latin typeface="Cascadia Mono" panose="020B0609020000020004" pitchFamily="49" charset="0"/>
-              </a:rPr>
-              <a:t>static</a:t>
-            </a:r>
-            <a:r>
-              <a:rPr lang="en-US" sz="2400" dirty="0">
-                <a:solidFill>
-                  <a:srgbClr val="000000"/>
-                </a:solidFill>
-                <a:latin typeface="Cascadia Mono" panose="020B0609020000020004" pitchFamily="49" charset="0"/>
-              </a:rPr>
-              <a:t> </a:t>
-            </a:r>
-            <a:r>
-              <a:rPr lang="en-US" sz="2400" dirty="0" err="1">
-                <a:solidFill>
-                  <a:srgbClr val="0000FF"/>
-                </a:solidFill>
-                <a:latin typeface="Cascadia Mono" panose="020B0609020000020004" pitchFamily="49" charset="0"/>
-              </a:rPr>
-              <a:t>int</a:t>
-            </a:r>
-            <a:r>
-              <a:rPr lang="en-US" sz="2400" dirty="0">
-                <a:solidFill>
-                  <a:srgbClr val="000000"/>
-                </a:solidFill>
-                <a:latin typeface="Cascadia Mono" panose="020B0609020000020004" pitchFamily="49" charset="0"/>
-              </a:rPr>
-              <a:t> </a:t>
-            </a:r>
-            <a:r>
-              <a:rPr lang="en-US" sz="2400" dirty="0" err="1">
-                <a:solidFill>
-                  <a:srgbClr val="000000"/>
-                </a:solidFill>
-                <a:latin typeface="Cascadia Mono" panose="020B0609020000020004" pitchFamily="49" charset="0"/>
-              </a:rPr>
-              <a:t>RetirementAge</a:t>
-            </a:r>
-            <a:endParaRPr lang="en-US" sz="2400" dirty="0">
-              <a:solidFill>
-                <a:srgbClr val="000000"/>
-              </a:solidFill>
-              <a:latin typeface="Cascadia Mono" panose="020B0609020000020004" pitchFamily="49" charset="0"/>
-            </a:endParaRPr>
-          </a:p>
-          <a:p>
-            <a:r>
-              <a:rPr lang="ru-RU" sz="2400" dirty="0">
-                <a:solidFill>
-                  <a:srgbClr val="000000"/>
-                </a:solidFill>
-                <a:latin typeface="Cascadia Mono" panose="020B0609020000020004" pitchFamily="49" charset="0"/>
-              </a:rPr>
-              <a:t>    {</a:t>
-            </a:r>
-          </a:p>
-          <a:p>
-            <a:r>
-              <a:rPr lang="en-US" sz="2400" dirty="0">
-                <a:solidFill>
-                  <a:srgbClr val="000000"/>
-                </a:solidFill>
-                <a:latin typeface="Cascadia Mono" panose="020B0609020000020004" pitchFamily="49" charset="0"/>
-              </a:rPr>
-              <a:t>        </a:t>
-            </a:r>
-            <a:r>
-              <a:rPr lang="en-US" sz="2400" dirty="0">
-                <a:solidFill>
-                  <a:srgbClr val="0000FF"/>
-                </a:solidFill>
-                <a:latin typeface="Cascadia Mono" panose="020B0609020000020004" pitchFamily="49" charset="0"/>
-              </a:rPr>
-              <a:t>get</a:t>
-            </a:r>
-            <a:r>
-              <a:rPr lang="en-US" sz="2400" dirty="0">
-                <a:solidFill>
-                  <a:srgbClr val="000000"/>
-                </a:solidFill>
-                <a:latin typeface="Cascadia Mono" panose="020B0609020000020004" pitchFamily="49" charset="0"/>
-              </a:rPr>
-              <a:t> { </a:t>
-            </a:r>
-            <a:r>
-              <a:rPr lang="en-US" sz="2400" dirty="0">
-                <a:solidFill>
-                  <a:srgbClr val="0000FF"/>
-                </a:solidFill>
-                <a:latin typeface="Cascadia Mono" panose="020B0609020000020004" pitchFamily="49" charset="0"/>
-              </a:rPr>
-              <a:t>return</a:t>
-            </a:r>
-            <a:r>
-              <a:rPr lang="en-US" sz="2400" dirty="0">
-                <a:solidFill>
-                  <a:srgbClr val="000000"/>
-                </a:solidFill>
-                <a:latin typeface="Cascadia Mono" panose="020B0609020000020004" pitchFamily="49" charset="0"/>
-              </a:rPr>
-              <a:t> </a:t>
-            </a:r>
-            <a:r>
-              <a:rPr lang="en-US" sz="2400" dirty="0" err="1">
-                <a:solidFill>
-                  <a:srgbClr val="000000"/>
-                </a:solidFill>
-                <a:latin typeface="Cascadia Mono" panose="020B0609020000020004" pitchFamily="49" charset="0"/>
-              </a:rPr>
-              <a:t>retirementAge</a:t>
-            </a:r>
-            <a:r>
-              <a:rPr lang="en-US" sz="2400" dirty="0">
-                <a:solidFill>
-                  <a:srgbClr val="000000"/>
-                </a:solidFill>
-                <a:latin typeface="Cascadia Mono" panose="020B0609020000020004" pitchFamily="49" charset="0"/>
-              </a:rPr>
-              <a:t>; }</a:t>
-            </a:r>
-          </a:p>
-          <a:p>
-            <a:r>
-              <a:rPr lang="en-US" sz="2400" dirty="0">
-                <a:solidFill>
-                  <a:srgbClr val="000000"/>
-                </a:solidFill>
-                <a:latin typeface="Cascadia Mono" panose="020B0609020000020004" pitchFamily="49" charset="0"/>
-              </a:rPr>
-              <a:t>        </a:t>
-            </a:r>
-            <a:r>
-              <a:rPr lang="en-US" sz="2400" dirty="0">
-                <a:solidFill>
-                  <a:srgbClr val="0000FF"/>
-                </a:solidFill>
-                <a:latin typeface="Cascadia Mono" panose="020B0609020000020004" pitchFamily="49" charset="0"/>
-              </a:rPr>
-              <a:t>set</a:t>
-            </a:r>
-            <a:r>
-              <a:rPr lang="en-US" sz="2400" dirty="0">
-                <a:solidFill>
-                  <a:srgbClr val="000000"/>
-                </a:solidFill>
-                <a:latin typeface="Cascadia Mono" panose="020B0609020000020004" pitchFamily="49" charset="0"/>
-              </a:rPr>
-              <a:t> { </a:t>
-            </a:r>
-            <a:r>
-              <a:rPr lang="en-US" sz="2400" dirty="0">
-                <a:solidFill>
-                  <a:srgbClr val="0000FF"/>
-                </a:solidFill>
-                <a:latin typeface="Cascadia Mono" panose="020B0609020000020004" pitchFamily="49" charset="0"/>
-              </a:rPr>
-              <a:t>if</a:t>
-            </a:r>
-            <a:r>
-              <a:rPr lang="en-US" sz="2400" dirty="0">
-                <a:solidFill>
-                  <a:srgbClr val="000000"/>
-                </a:solidFill>
-                <a:latin typeface="Cascadia Mono" panose="020B0609020000020004" pitchFamily="49" charset="0"/>
-              </a:rPr>
-              <a:t> (value &gt; 1 &amp;&amp; value &lt; </a:t>
-            </a:r>
-            <a:r>
-              <a:rPr lang="en-US" sz="2400" dirty="0" smtClean="0">
-                <a:solidFill>
-                  <a:srgbClr val="000000"/>
-                </a:solidFill>
-                <a:latin typeface="Cascadia Mono" panose="020B0609020000020004" pitchFamily="49" charset="0"/>
-              </a:rPr>
-              <a:t>99) </a:t>
-            </a:r>
-            <a:r>
-              <a:rPr lang="en-US" sz="2400" dirty="0" err="1">
-                <a:solidFill>
-                  <a:srgbClr val="000000"/>
-                </a:solidFill>
-                <a:latin typeface="Cascadia Mono" panose="020B0609020000020004" pitchFamily="49" charset="0"/>
-              </a:rPr>
-              <a:t>retirementAge</a:t>
-            </a:r>
-            <a:r>
-              <a:rPr lang="en-US" sz="2400" dirty="0">
-                <a:solidFill>
-                  <a:srgbClr val="000000"/>
-                </a:solidFill>
-                <a:latin typeface="Cascadia Mono" panose="020B0609020000020004" pitchFamily="49" charset="0"/>
-              </a:rPr>
-              <a:t> = value</a:t>
-            </a:r>
-            <a:r>
-              <a:rPr lang="en-US" sz="2400" dirty="0" smtClean="0">
-                <a:solidFill>
-                  <a:srgbClr val="000000"/>
-                </a:solidFill>
-                <a:latin typeface="Cascadia Mono" panose="020B0609020000020004" pitchFamily="49" charset="0"/>
-              </a:rPr>
-              <a:t>;}</a:t>
-            </a:r>
-            <a:endParaRPr lang="en-US" sz="2400" dirty="0">
-              <a:solidFill>
-                <a:srgbClr val="000000"/>
-              </a:solidFill>
-              <a:latin typeface="Cascadia Mono" panose="020B0609020000020004" pitchFamily="49" charset="0"/>
-            </a:endParaRPr>
-          </a:p>
-          <a:p>
-            <a:r>
-              <a:rPr lang="ru-RU" sz="2400" dirty="0">
-                <a:solidFill>
-                  <a:srgbClr val="000000"/>
-                </a:solidFill>
-                <a:latin typeface="Cascadia Mono" panose="020B0609020000020004" pitchFamily="49" charset="0"/>
-              </a:rPr>
-              <a:t>    }</a:t>
-            </a:r>
-          </a:p>
-          <a:p>
-            <a:r>
-              <a:rPr lang="en-US" sz="2400" dirty="0">
-                <a:solidFill>
-                  <a:srgbClr val="000000"/>
-                </a:solidFill>
-                <a:latin typeface="Cascadia Mono" panose="020B0609020000020004" pitchFamily="49" charset="0"/>
-              </a:rPr>
-              <a:t>    </a:t>
-            </a:r>
-            <a:r>
-              <a:rPr lang="en-US" sz="2400" dirty="0">
-                <a:solidFill>
-                  <a:srgbClr val="0000FF"/>
-                </a:solidFill>
-                <a:latin typeface="Cascadia Mono" panose="020B0609020000020004" pitchFamily="49" charset="0"/>
-              </a:rPr>
-              <a:t>public</a:t>
-            </a:r>
-            <a:r>
-              <a:rPr lang="en-US" sz="2400" dirty="0">
-                <a:solidFill>
-                  <a:srgbClr val="000000"/>
-                </a:solidFill>
-                <a:latin typeface="Cascadia Mono" panose="020B0609020000020004" pitchFamily="49" charset="0"/>
-              </a:rPr>
-              <a:t> </a:t>
-            </a:r>
-            <a:r>
-              <a:rPr lang="en-US" sz="2400" dirty="0">
-                <a:solidFill>
-                  <a:srgbClr val="2B91AF"/>
-                </a:solidFill>
-                <a:latin typeface="Cascadia Mono" panose="020B0609020000020004" pitchFamily="49" charset="0"/>
-              </a:rPr>
-              <a:t>Person</a:t>
-            </a:r>
-            <a:r>
-              <a:rPr lang="en-US" sz="2400" dirty="0">
-                <a:solidFill>
-                  <a:srgbClr val="000000"/>
-                </a:solidFill>
-                <a:latin typeface="Cascadia Mono" panose="020B0609020000020004" pitchFamily="49" charset="0"/>
-              </a:rPr>
-              <a:t>(</a:t>
-            </a:r>
-            <a:r>
-              <a:rPr lang="en-US" sz="2400" dirty="0" err="1">
-                <a:solidFill>
-                  <a:srgbClr val="0000FF"/>
-                </a:solidFill>
-                <a:latin typeface="Cascadia Mono" panose="020B0609020000020004" pitchFamily="49" charset="0"/>
-              </a:rPr>
-              <a:t>int</a:t>
-            </a:r>
-            <a:r>
-              <a:rPr lang="en-US" sz="2400" dirty="0">
-                <a:solidFill>
-                  <a:srgbClr val="000000"/>
-                </a:solidFill>
-                <a:latin typeface="Cascadia Mono" panose="020B0609020000020004" pitchFamily="49" charset="0"/>
-              </a:rPr>
-              <a:t> age)</a:t>
-            </a:r>
-          </a:p>
-          <a:p>
-            <a:r>
-              <a:rPr lang="ru-RU" sz="2400" dirty="0">
-                <a:solidFill>
-                  <a:srgbClr val="000000"/>
-                </a:solidFill>
-                <a:latin typeface="Cascadia Mono" panose="020B0609020000020004" pitchFamily="49" charset="0"/>
-              </a:rPr>
-              <a:t>    {</a:t>
-            </a:r>
-          </a:p>
-          <a:p>
-            <a:r>
-              <a:rPr lang="en-US" sz="2400" dirty="0">
-                <a:solidFill>
-                  <a:srgbClr val="000000"/>
-                </a:solidFill>
-                <a:latin typeface="Cascadia Mono" panose="020B0609020000020004" pitchFamily="49" charset="0"/>
-              </a:rPr>
-              <a:t>        </a:t>
-            </a:r>
-            <a:r>
-              <a:rPr lang="en-US" sz="2400" dirty="0" err="1">
-                <a:solidFill>
-                  <a:srgbClr val="0000FF"/>
-                </a:solidFill>
-                <a:latin typeface="Cascadia Mono" panose="020B0609020000020004" pitchFamily="49" charset="0"/>
-              </a:rPr>
-              <a:t>this</a:t>
-            </a:r>
-            <a:r>
-              <a:rPr lang="en-US" sz="2400" dirty="0" err="1">
-                <a:solidFill>
-                  <a:srgbClr val="000000"/>
-                </a:solidFill>
-                <a:latin typeface="Cascadia Mono" panose="020B0609020000020004" pitchFamily="49" charset="0"/>
-              </a:rPr>
-              <a:t>.age</a:t>
-            </a:r>
-            <a:r>
-              <a:rPr lang="en-US" sz="2400" dirty="0">
-                <a:solidFill>
-                  <a:srgbClr val="000000"/>
-                </a:solidFill>
-                <a:latin typeface="Cascadia Mono" panose="020B0609020000020004" pitchFamily="49" charset="0"/>
-              </a:rPr>
-              <a:t> = age;</a:t>
-            </a:r>
-          </a:p>
-          <a:p>
-            <a:r>
-              <a:rPr lang="ru-RU" sz="2400" dirty="0">
-                <a:solidFill>
-                  <a:srgbClr val="000000"/>
-                </a:solidFill>
-                <a:latin typeface="Cascadia Mono" panose="020B0609020000020004" pitchFamily="49" charset="0"/>
-              </a:rPr>
-              <a:t>    }</a:t>
-            </a:r>
-          </a:p>
-          <a:p>
-            <a:r>
-              <a:rPr lang="ru-RU" sz="2400" dirty="0" smtClean="0">
-                <a:solidFill>
-                  <a:srgbClr val="000000"/>
-                </a:solidFill>
-                <a:latin typeface="Cascadia Mono" panose="020B0609020000020004" pitchFamily="49" charset="0"/>
-              </a:rPr>
-              <a:t>}</a:t>
-            </a:r>
-            <a:endParaRPr lang="ru-RU" sz="2400" dirty="0">
-              <a:latin typeface="Bookman Old Style" panose="02050604050505020204" pitchFamily="18" charset="0"/>
-              <a:cs typeface="Times New Roman" panose="02020603050405020304" pitchFamily="18" charset="0"/>
-            </a:endParaRPr>
-          </a:p>
-        </p:txBody>
-      </p:sp>
-    </p:spTree>
-    <p:extLst>
-      <p:ext uri="{BB962C8B-B14F-4D97-AF65-F5344CB8AC3E}">
-        <p14:creationId xmlns:p14="http://schemas.microsoft.com/office/powerpoint/2010/main" val="4203026890"/>
-      </p:ext>
-    </p:extLst>
-  </p:cSld>
-  <p:clrMapOvr>
-    <a:masterClrMapping/>
-  </p:clrMapOvr>
-  <p:timing>
-    <p:tnLst>
-      <p:par>
-        <p:cTn id="1" dur="indefinite" restart="never" nodeType="tmRoot"/>
-      </p:par>
-    </p:tnLst>
-  </p:timing>
-</p:sld>
-</file>
-
-<file path=ppt/slides/slide45.xml><?xml version="1.0" encoding="utf-8"?>
-<p:sld xmlns:a="http://schemas.openxmlformats.org/drawingml/2006/main" xmlns:r="http://schemas.openxmlformats.org/officeDocument/2006/relationships" xmlns:p="http://schemas.openxmlformats.org/presentationml/2006/main">
-  <p:cSld>
-    <p:spTree>
-      <p:nvGrpSpPr>
-        <p:cNvPr id="1" name=""/>
-        <p:cNvGrpSpPr/>
-        <p:nvPr/>
-      </p:nvGrpSpPr>
-      <p:grpSpPr>
-        <a:xfrm>
-          <a:off x="0" y="0"/>
-          <a:ext cx="0" cy="0"/>
-          <a:chOff x="0" y="0"/>
-          <a:chExt cx="0" cy="0"/>
-        </a:xfrm>
-      </p:grpSpPr>
-      <p:sp>
-        <p:nvSpPr>
-          <p:cNvPr id="6" name="Прямоугольник 5"/>
-          <p:cNvSpPr/>
-          <p:nvPr/>
-        </p:nvSpPr>
-        <p:spPr>
-          <a:xfrm>
-            <a:off x="0" y="0"/>
-            <a:ext cx="12192000" cy="6924973"/>
-          </a:xfrm>
-          <a:prstGeom prst="rect">
-            <a:avLst/>
-          </a:prstGeom>
-        </p:spPr>
-        <p:txBody>
-          <a:bodyPr wrap="square">
-            <a:spAutoFit/>
-          </a:bodyPr>
-          <a:lstStyle/>
-          <a:p>
-            <a:pPr algn="just">
-              <a:lnSpc>
-                <a:spcPct val="150000"/>
-              </a:lnSpc>
-            </a:pPr>
-            <a:r>
-              <a:rPr lang="ru-RU" sz="2400" b="1" dirty="0">
-                <a:latin typeface="Bookman Old Style" panose="02050604050505020204" pitchFamily="18" charset="0"/>
-                <a:cs typeface="Times New Roman" panose="02020603050405020304" pitchFamily="18" charset="0"/>
-              </a:rPr>
-              <a:t>Статические </a:t>
-            </a:r>
-            <a:r>
-              <a:rPr lang="ru-RU" sz="2400" b="1" dirty="0" smtClean="0">
-                <a:latin typeface="Bookman Old Style" panose="02050604050505020204" pitchFamily="18" charset="0"/>
-                <a:cs typeface="Times New Roman" panose="02020603050405020304" pitchFamily="18" charset="0"/>
-              </a:rPr>
-              <a:t>методы</a:t>
-            </a:r>
-            <a:endParaRPr lang="en-US" sz="2400" b="1" dirty="0" smtClean="0">
-              <a:latin typeface="Bookman Old Style" panose="02050604050505020204" pitchFamily="18" charset="0"/>
-              <a:cs typeface="Times New Roman" panose="02020603050405020304" pitchFamily="18" charset="0"/>
-            </a:endParaRPr>
-          </a:p>
-          <a:p>
-            <a:r>
-              <a:rPr lang="en-US" sz="2400" dirty="0">
-                <a:solidFill>
-                  <a:srgbClr val="2B91AF"/>
-                </a:solidFill>
-                <a:latin typeface="Cascadia Mono" panose="020B0609020000020004" pitchFamily="49" charset="0"/>
-              </a:rPr>
-              <a:t>Person</a:t>
-            </a:r>
-            <a:r>
-              <a:rPr lang="en-US" sz="2400" dirty="0">
-                <a:solidFill>
-                  <a:srgbClr val="000000"/>
-                </a:solidFill>
-                <a:latin typeface="Cascadia Mono" panose="020B0609020000020004" pitchFamily="49" charset="0"/>
-              </a:rPr>
-              <a:t> bob = </a:t>
-            </a:r>
-            <a:r>
-              <a:rPr lang="en-US" sz="2400" dirty="0">
-                <a:solidFill>
-                  <a:srgbClr val="0000FF"/>
-                </a:solidFill>
-                <a:latin typeface="Cascadia Mono" panose="020B0609020000020004" pitchFamily="49" charset="0"/>
-              </a:rPr>
-              <a:t>new</a:t>
-            </a:r>
-            <a:r>
-              <a:rPr lang="en-US" sz="2400" dirty="0">
-                <a:solidFill>
-                  <a:srgbClr val="000000"/>
-                </a:solidFill>
-                <a:latin typeface="Cascadia Mono" panose="020B0609020000020004" pitchFamily="49" charset="0"/>
-              </a:rPr>
-              <a:t>(68);</a:t>
-            </a:r>
-          </a:p>
-          <a:p>
-            <a:r>
-              <a:rPr lang="en-US" sz="2400" dirty="0" err="1">
-                <a:solidFill>
-                  <a:srgbClr val="2B91AF"/>
-                </a:solidFill>
-                <a:latin typeface="Cascadia Mono" panose="020B0609020000020004" pitchFamily="49" charset="0"/>
-              </a:rPr>
-              <a:t>Person</a:t>
-            </a:r>
-            <a:r>
-              <a:rPr lang="en-US" sz="2400" dirty="0" err="1">
-                <a:solidFill>
-                  <a:srgbClr val="000000"/>
-                </a:solidFill>
-                <a:latin typeface="Cascadia Mono" panose="020B0609020000020004" pitchFamily="49" charset="0"/>
-              </a:rPr>
-              <a:t>.CheckRetirementStatus</a:t>
-            </a:r>
-            <a:r>
-              <a:rPr lang="en-US" sz="2400" dirty="0">
-                <a:solidFill>
-                  <a:srgbClr val="000000"/>
-                </a:solidFill>
-                <a:latin typeface="Cascadia Mono" panose="020B0609020000020004" pitchFamily="49" charset="0"/>
-              </a:rPr>
-              <a:t>(bob);</a:t>
-            </a:r>
-          </a:p>
-          <a:p>
-            <a:endParaRPr lang="ru-RU" sz="2400" dirty="0">
-              <a:solidFill>
-                <a:srgbClr val="000000"/>
-              </a:solidFill>
-              <a:latin typeface="Cascadia Mono" panose="020B0609020000020004" pitchFamily="49" charset="0"/>
-            </a:endParaRPr>
-          </a:p>
-          <a:p>
-            <a:r>
-              <a:rPr lang="en-US" sz="2400" dirty="0">
-                <a:solidFill>
-                  <a:srgbClr val="0000FF"/>
-                </a:solidFill>
-                <a:latin typeface="Cascadia Mono" panose="020B0609020000020004" pitchFamily="49" charset="0"/>
-              </a:rPr>
-              <a:t>class</a:t>
-            </a:r>
-            <a:r>
-              <a:rPr lang="en-US" sz="2400" dirty="0">
-                <a:solidFill>
-                  <a:srgbClr val="000000"/>
-                </a:solidFill>
-                <a:latin typeface="Cascadia Mono" panose="020B0609020000020004" pitchFamily="49" charset="0"/>
-              </a:rPr>
-              <a:t> </a:t>
-            </a:r>
-            <a:r>
-              <a:rPr lang="en-US" sz="2400" dirty="0">
-                <a:solidFill>
-                  <a:srgbClr val="2B91AF"/>
-                </a:solidFill>
-                <a:latin typeface="Cascadia Mono" panose="020B0609020000020004" pitchFamily="49" charset="0"/>
-              </a:rPr>
-              <a:t>Person</a:t>
-            </a:r>
-            <a:endParaRPr lang="en-US" sz="2400" dirty="0">
-              <a:solidFill>
-                <a:srgbClr val="000000"/>
-              </a:solidFill>
-              <a:latin typeface="Cascadia Mono" panose="020B0609020000020004" pitchFamily="49" charset="0"/>
-            </a:endParaRPr>
-          </a:p>
-          <a:p>
-            <a:r>
-              <a:rPr lang="ru-RU" sz="2400" dirty="0">
-                <a:solidFill>
-                  <a:srgbClr val="000000"/>
-                </a:solidFill>
-                <a:latin typeface="Cascadia Mono" panose="020B0609020000020004" pitchFamily="49" charset="0"/>
-              </a:rPr>
-              <a:t>{</a:t>
-            </a:r>
-          </a:p>
-          <a:p>
-            <a:r>
-              <a:rPr lang="en-US" sz="2400" dirty="0">
-                <a:solidFill>
-                  <a:srgbClr val="000000"/>
-                </a:solidFill>
-                <a:latin typeface="Cascadia Mono" panose="020B0609020000020004" pitchFamily="49" charset="0"/>
-              </a:rPr>
-              <a:t>    </a:t>
-            </a:r>
-            <a:r>
-              <a:rPr lang="en-US" sz="2400" dirty="0">
-                <a:solidFill>
-                  <a:srgbClr val="0000FF"/>
-                </a:solidFill>
-                <a:latin typeface="Cascadia Mono" panose="020B0609020000020004" pitchFamily="49" charset="0"/>
-              </a:rPr>
-              <a:t>public</a:t>
-            </a:r>
-            <a:r>
-              <a:rPr lang="en-US" sz="2400" dirty="0">
-                <a:solidFill>
-                  <a:srgbClr val="000000"/>
-                </a:solidFill>
-                <a:latin typeface="Cascadia Mono" panose="020B0609020000020004" pitchFamily="49" charset="0"/>
-              </a:rPr>
-              <a:t> </a:t>
-            </a:r>
-            <a:r>
-              <a:rPr lang="en-US" sz="2400" dirty="0" err="1">
-                <a:solidFill>
-                  <a:srgbClr val="0000FF"/>
-                </a:solidFill>
-                <a:latin typeface="Cascadia Mono" panose="020B0609020000020004" pitchFamily="49" charset="0"/>
-              </a:rPr>
-              <a:t>int</a:t>
-            </a:r>
-            <a:r>
-              <a:rPr lang="en-US" sz="2400" dirty="0">
-                <a:solidFill>
-                  <a:srgbClr val="000000"/>
-                </a:solidFill>
-                <a:latin typeface="Cascadia Mono" panose="020B0609020000020004" pitchFamily="49" charset="0"/>
-              </a:rPr>
-              <a:t> Age { </a:t>
-            </a:r>
-            <a:r>
-              <a:rPr lang="en-US" sz="2400" dirty="0">
-                <a:solidFill>
-                  <a:srgbClr val="0000FF"/>
-                </a:solidFill>
-                <a:latin typeface="Cascadia Mono" panose="020B0609020000020004" pitchFamily="49" charset="0"/>
-              </a:rPr>
-              <a:t>get</a:t>
-            </a:r>
-            <a:r>
-              <a:rPr lang="en-US" sz="2400" dirty="0">
-                <a:solidFill>
-                  <a:srgbClr val="000000"/>
-                </a:solidFill>
-                <a:latin typeface="Cascadia Mono" panose="020B0609020000020004" pitchFamily="49" charset="0"/>
-              </a:rPr>
-              <a:t>; </a:t>
-            </a:r>
-            <a:r>
-              <a:rPr lang="en-US" sz="2400" dirty="0">
-                <a:solidFill>
-                  <a:srgbClr val="0000FF"/>
-                </a:solidFill>
-                <a:latin typeface="Cascadia Mono" panose="020B0609020000020004" pitchFamily="49" charset="0"/>
-              </a:rPr>
-              <a:t>set</a:t>
-            </a:r>
-            <a:r>
-              <a:rPr lang="en-US" sz="2400" dirty="0">
-                <a:solidFill>
-                  <a:srgbClr val="000000"/>
-                </a:solidFill>
-                <a:latin typeface="Cascadia Mono" panose="020B0609020000020004" pitchFamily="49" charset="0"/>
-              </a:rPr>
-              <a:t>; }</a:t>
-            </a:r>
-          </a:p>
-          <a:p>
-            <a:r>
-              <a:rPr lang="en-US" sz="2400" dirty="0">
-                <a:solidFill>
-                  <a:srgbClr val="000000"/>
-                </a:solidFill>
-                <a:latin typeface="Cascadia Mono" panose="020B0609020000020004" pitchFamily="49" charset="0"/>
-              </a:rPr>
-              <a:t>    </a:t>
-            </a:r>
-            <a:r>
-              <a:rPr lang="en-US" sz="2400" dirty="0">
-                <a:solidFill>
-                  <a:srgbClr val="0000FF"/>
-                </a:solidFill>
-                <a:latin typeface="Cascadia Mono" panose="020B0609020000020004" pitchFamily="49" charset="0"/>
-              </a:rPr>
-              <a:t>static</a:t>
-            </a:r>
-            <a:r>
-              <a:rPr lang="en-US" sz="2400" dirty="0">
-                <a:solidFill>
-                  <a:srgbClr val="000000"/>
-                </a:solidFill>
-                <a:latin typeface="Cascadia Mono" panose="020B0609020000020004" pitchFamily="49" charset="0"/>
-              </a:rPr>
-              <a:t> </a:t>
-            </a:r>
-            <a:r>
-              <a:rPr lang="en-US" sz="2400" dirty="0" err="1">
-                <a:solidFill>
-                  <a:srgbClr val="0000FF"/>
-                </a:solidFill>
-                <a:latin typeface="Cascadia Mono" panose="020B0609020000020004" pitchFamily="49" charset="0"/>
-              </a:rPr>
-              <a:t>int</a:t>
-            </a:r>
-            <a:r>
-              <a:rPr lang="en-US" sz="2400" dirty="0">
-                <a:solidFill>
-                  <a:srgbClr val="000000"/>
-                </a:solidFill>
-                <a:latin typeface="Cascadia Mono" panose="020B0609020000020004" pitchFamily="49" charset="0"/>
-              </a:rPr>
-              <a:t> </a:t>
-            </a:r>
-            <a:r>
-              <a:rPr lang="en-US" sz="2400" dirty="0" err="1">
-                <a:solidFill>
-                  <a:srgbClr val="000000"/>
-                </a:solidFill>
-                <a:latin typeface="Cascadia Mono" panose="020B0609020000020004" pitchFamily="49" charset="0"/>
-              </a:rPr>
-              <a:t>retirementAge</a:t>
-            </a:r>
-            <a:r>
-              <a:rPr lang="en-US" sz="2400" dirty="0">
-                <a:solidFill>
-                  <a:srgbClr val="000000"/>
-                </a:solidFill>
-                <a:latin typeface="Cascadia Mono" panose="020B0609020000020004" pitchFamily="49" charset="0"/>
-              </a:rPr>
-              <a:t> = 65;</a:t>
-            </a:r>
-          </a:p>
-          <a:p>
-            <a:r>
-              <a:rPr lang="en-US" sz="2400" dirty="0">
-                <a:solidFill>
-                  <a:srgbClr val="000000"/>
-                </a:solidFill>
-                <a:latin typeface="Cascadia Mono" panose="020B0609020000020004" pitchFamily="49" charset="0"/>
-              </a:rPr>
-              <a:t>    </a:t>
-            </a:r>
-            <a:r>
-              <a:rPr lang="en-US" sz="2400" dirty="0">
-                <a:solidFill>
-                  <a:srgbClr val="0000FF"/>
-                </a:solidFill>
-                <a:latin typeface="Cascadia Mono" panose="020B0609020000020004" pitchFamily="49" charset="0"/>
-              </a:rPr>
-              <a:t>public</a:t>
-            </a:r>
-            <a:r>
-              <a:rPr lang="en-US" sz="2400" dirty="0">
-                <a:solidFill>
-                  <a:srgbClr val="000000"/>
-                </a:solidFill>
-                <a:latin typeface="Cascadia Mono" panose="020B0609020000020004" pitchFamily="49" charset="0"/>
-              </a:rPr>
-              <a:t> </a:t>
-            </a:r>
-            <a:r>
-              <a:rPr lang="en-US" sz="2400" dirty="0">
-                <a:solidFill>
-                  <a:srgbClr val="2B91AF"/>
-                </a:solidFill>
-                <a:latin typeface="Cascadia Mono" panose="020B0609020000020004" pitchFamily="49" charset="0"/>
-              </a:rPr>
-              <a:t>Person</a:t>
-            </a:r>
-            <a:r>
-              <a:rPr lang="en-US" sz="2400" dirty="0">
-                <a:solidFill>
-                  <a:srgbClr val="000000"/>
-                </a:solidFill>
-                <a:latin typeface="Cascadia Mono" panose="020B0609020000020004" pitchFamily="49" charset="0"/>
-              </a:rPr>
-              <a:t>(</a:t>
-            </a:r>
-            <a:r>
-              <a:rPr lang="en-US" sz="2400" dirty="0" err="1">
-                <a:solidFill>
-                  <a:srgbClr val="0000FF"/>
-                </a:solidFill>
-                <a:latin typeface="Cascadia Mono" panose="020B0609020000020004" pitchFamily="49" charset="0"/>
-              </a:rPr>
-              <a:t>int</a:t>
-            </a:r>
-            <a:r>
-              <a:rPr lang="en-US" sz="2400" dirty="0">
-                <a:solidFill>
-                  <a:srgbClr val="000000"/>
-                </a:solidFill>
-                <a:latin typeface="Cascadia Mono" panose="020B0609020000020004" pitchFamily="49" charset="0"/>
-              </a:rPr>
-              <a:t> age) =&gt; Age = age;</a:t>
-            </a:r>
-          </a:p>
-          <a:p>
-            <a:r>
-              <a:rPr lang="en-US" sz="2400" dirty="0">
-                <a:solidFill>
-                  <a:srgbClr val="000000"/>
-                </a:solidFill>
-                <a:latin typeface="Cascadia Mono" panose="020B0609020000020004" pitchFamily="49" charset="0"/>
-              </a:rPr>
-              <a:t>    </a:t>
-            </a:r>
-            <a:r>
-              <a:rPr lang="en-US" sz="2400" dirty="0">
-                <a:solidFill>
-                  <a:srgbClr val="0000FF"/>
-                </a:solidFill>
-                <a:latin typeface="Cascadia Mono" panose="020B0609020000020004" pitchFamily="49" charset="0"/>
-              </a:rPr>
-              <a:t>public</a:t>
-            </a:r>
-            <a:r>
-              <a:rPr lang="en-US" sz="2400" dirty="0">
-                <a:solidFill>
-                  <a:srgbClr val="000000"/>
-                </a:solidFill>
-                <a:latin typeface="Cascadia Mono" panose="020B0609020000020004" pitchFamily="49" charset="0"/>
-              </a:rPr>
-              <a:t> </a:t>
-            </a:r>
-            <a:r>
-              <a:rPr lang="en-US" sz="2400" dirty="0">
-                <a:solidFill>
-                  <a:srgbClr val="0000FF"/>
-                </a:solidFill>
-                <a:latin typeface="Cascadia Mono" panose="020B0609020000020004" pitchFamily="49" charset="0"/>
-              </a:rPr>
-              <a:t>static</a:t>
-            </a:r>
-            <a:r>
-              <a:rPr lang="en-US" sz="2400" dirty="0">
-                <a:solidFill>
-                  <a:srgbClr val="000000"/>
-                </a:solidFill>
-                <a:latin typeface="Cascadia Mono" panose="020B0609020000020004" pitchFamily="49" charset="0"/>
-              </a:rPr>
-              <a:t> </a:t>
-            </a:r>
-            <a:r>
-              <a:rPr lang="en-US" sz="2400" dirty="0">
-                <a:solidFill>
-                  <a:srgbClr val="0000FF"/>
-                </a:solidFill>
-                <a:latin typeface="Cascadia Mono" panose="020B0609020000020004" pitchFamily="49" charset="0"/>
-              </a:rPr>
-              <a:t>void</a:t>
-            </a:r>
-            <a:r>
-              <a:rPr lang="en-US" sz="2400" dirty="0">
-                <a:solidFill>
-                  <a:srgbClr val="000000"/>
-                </a:solidFill>
-                <a:latin typeface="Cascadia Mono" panose="020B0609020000020004" pitchFamily="49" charset="0"/>
-              </a:rPr>
-              <a:t> </a:t>
-            </a:r>
-            <a:r>
-              <a:rPr lang="en-US" sz="2400" dirty="0" err="1">
-                <a:solidFill>
-                  <a:srgbClr val="000000"/>
-                </a:solidFill>
-                <a:latin typeface="Cascadia Mono" panose="020B0609020000020004" pitchFamily="49" charset="0"/>
-              </a:rPr>
-              <a:t>CheckRetirementStatus</a:t>
-            </a:r>
-            <a:r>
-              <a:rPr lang="en-US" sz="2400" dirty="0">
-                <a:solidFill>
-                  <a:srgbClr val="000000"/>
-                </a:solidFill>
-                <a:latin typeface="Cascadia Mono" panose="020B0609020000020004" pitchFamily="49" charset="0"/>
-              </a:rPr>
-              <a:t>(</a:t>
-            </a:r>
-            <a:r>
-              <a:rPr lang="en-US" sz="2400" dirty="0">
-                <a:solidFill>
-                  <a:srgbClr val="2B91AF"/>
-                </a:solidFill>
-                <a:latin typeface="Cascadia Mono" panose="020B0609020000020004" pitchFamily="49" charset="0"/>
-              </a:rPr>
-              <a:t>Person</a:t>
-            </a:r>
-            <a:r>
-              <a:rPr lang="en-US" sz="2400" dirty="0">
-                <a:solidFill>
-                  <a:srgbClr val="000000"/>
-                </a:solidFill>
-                <a:latin typeface="Cascadia Mono" panose="020B0609020000020004" pitchFamily="49" charset="0"/>
-              </a:rPr>
-              <a:t> person)</a:t>
-            </a:r>
-          </a:p>
-          <a:p>
-            <a:r>
-              <a:rPr lang="ru-RU" sz="2400" dirty="0">
-                <a:solidFill>
-                  <a:srgbClr val="000000"/>
-                </a:solidFill>
-                <a:latin typeface="Cascadia Mono" panose="020B0609020000020004" pitchFamily="49" charset="0"/>
-              </a:rPr>
-              <a:t>    {</a:t>
-            </a:r>
-          </a:p>
-          <a:p>
-            <a:r>
-              <a:rPr lang="en-US" sz="2400" dirty="0">
-                <a:solidFill>
-                  <a:srgbClr val="000000"/>
-                </a:solidFill>
-                <a:latin typeface="Cascadia Mono" panose="020B0609020000020004" pitchFamily="49" charset="0"/>
-              </a:rPr>
-              <a:t>        </a:t>
-            </a:r>
-            <a:r>
-              <a:rPr lang="en-US" sz="2400" dirty="0">
-                <a:solidFill>
-                  <a:srgbClr val="0000FF"/>
-                </a:solidFill>
-                <a:latin typeface="Cascadia Mono" panose="020B0609020000020004" pitchFamily="49" charset="0"/>
-              </a:rPr>
-              <a:t>if</a:t>
-            </a:r>
-            <a:r>
-              <a:rPr lang="en-US" sz="2400" dirty="0">
-                <a:solidFill>
-                  <a:srgbClr val="000000"/>
-                </a:solidFill>
-                <a:latin typeface="Cascadia Mono" panose="020B0609020000020004" pitchFamily="49" charset="0"/>
-              </a:rPr>
-              <a:t> (</a:t>
-            </a:r>
-            <a:r>
-              <a:rPr lang="en-US" sz="2400" dirty="0" err="1">
-                <a:solidFill>
-                  <a:srgbClr val="000000"/>
-                </a:solidFill>
-                <a:latin typeface="Cascadia Mono" panose="020B0609020000020004" pitchFamily="49" charset="0"/>
-              </a:rPr>
-              <a:t>person.Age</a:t>
-            </a:r>
-            <a:r>
-              <a:rPr lang="en-US" sz="2400" dirty="0">
-                <a:solidFill>
-                  <a:srgbClr val="000000"/>
-                </a:solidFill>
-                <a:latin typeface="Cascadia Mono" panose="020B0609020000020004" pitchFamily="49" charset="0"/>
-              </a:rPr>
-              <a:t> &gt;= </a:t>
-            </a:r>
-            <a:r>
-              <a:rPr lang="en-US" sz="2400" dirty="0" err="1">
-                <a:solidFill>
-                  <a:srgbClr val="000000"/>
-                </a:solidFill>
-                <a:latin typeface="Cascadia Mono" panose="020B0609020000020004" pitchFamily="49" charset="0"/>
-              </a:rPr>
-              <a:t>retirementAge</a:t>
-            </a:r>
-            <a:r>
-              <a:rPr lang="en-US" sz="2400" dirty="0">
-                <a:solidFill>
-                  <a:srgbClr val="000000"/>
-                </a:solidFill>
-                <a:latin typeface="Cascadia Mono" panose="020B0609020000020004" pitchFamily="49" charset="0"/>
-              </a:rPr>
-              <a:t>)</a:t>
-            </a:r>
-          </a:p>
-          <a:p>
-            <a:r>
-              <a:rPr lang="en-US" sz="2400" dirty="0">
-                <a:solidFill>
-                  <a:srgbClr val="000000"/>
-                </a:solidFill>
-                <a:latin typeface="Cascadia Mono" panose="020B0609020000020004" pitchFamily="49" charset="0"/>
-              </a:rPr>
-              <a:t>            </a:t>
-            </a:r>
-            <a:r>
-              <a:rPr lang="en-US" sz="2400" dirty="0" err="1">
-                <a:solidFill>
-                  <a:srgbClr val="2B91AF"/>
-                </a:solidFill>
-                <a:latin typeface="Cascadia Mono" panose="020B0609020000020004" pitchFamily="49" charset="0"/>
-              </a:rPr>
-              <a:t>Console</a:t>
-            </a:r>
-            <a:r>
-              <a:rPr lang="en-US" sz="2400" dirty="0" err="1">
-                <a:solidFill>
-                  <a:srgbClr val="000000"/>
-                </a:solidFill>
-                <a:latin typeface="Cascadia Mono" panose="020B0609020000020004" pitchFamily="49" charset="0"/>
-              </a:rPr>
-              <a:t>.WriteLine</a:t>
-            </a:r>
-            <a:r>
-              <a:rPr lang="en-US" sz="2400" dirty="0">
-                <a:solidFill>
-                  <a:srgbClr val="000000"/>
-                </a:solidFill>
-                <a:latin typeface="Cascadia Mono" panose="020B0609020000020004" pitchFamily="49" charset="0"/>
-              </a:rPr>
-              <a:t>(</a:t>
-            </a:r>
-            <a:r>
-              <a:rPr lang="en-US" sz="2400" dirty="0">
-                <a:solidFill>
-                  <a:srgbClr val="A31515"/>
-                </a:solidFill>
-                <a:latin typeface="Cascadia Mono" panose="020B0609020000020004" pitchFamily="49" charset="0"/>
-              </a:rPr>
-              <a:t>"</a:t>
-            </a:r>
-            <a:r>
-              <a:rPr lang="ru-RU" sz="2400" dirty="0">
-                <a:solidFill>
-                  <a:srgbClr val="A31515"/>
-                </a:solidFill>
-                <a:latin typeface="Cascadia Mono" panose="020B0609020000020004" pitchFamily="49" charset="0"/>
-              </a:rPr>
-              <a:t>Уже на пенсии"</a:t>
-            </a:r>
-            <a:r>
-              <a:rPr lang="ru-RU" sz="2400" dirty="0">
-                <a:solidFill>
-                  <a:srgbClr val="000000"/>
-                </a:solidFill>
-                <a:latin typeface="Cascadia Mono" panose="020B0609020000020004" pitchFamily="49" charset="0"/>
-              </a:rPr>
-              <a:t>);</a:t>
-            </a:r>
-          </a:p>
-          <a:p>
-            <a:r>
-              <a:rPr lang="en-US" sz="2400" dirty="0">
-                <a:solidFill>
-                  <a:srgbClr val="000000"/>
-                </a:solidFill>
-                <a:latin typeface="Cascadia Mono" panose="020B0609020000020004" pitchFamily="49" charset="0"/>
-              </a:rPr>
-              <a:t>        </a:t>
-            </a:r>
-            <a:r>
-              <a:rPr lang="en-US" sz="2400" dirty="0">
-                <a:solidFill>
-                  <a:srgbClr val="0000FF"/>
-                </a:solidFill>
-                <a:latin typeface="Cascadia Mono" panose="020B0609020000020004" pitchFamily="49" charset="0"/>
-              </a:rPr>
-              <a:t>else</a:t>
-            </a:r>
-            <a:endParaRPr lang="en-US" sz="2400" dirty="0">
-              <a:solidFill>
-                <a:srgbClr val="000000"/>
-              </a:solidFill>
-              <a:latin typeface="Cascadia Mono" panose="020B0609020000020004" pitchFamily="49" charset="0"/>
-            </a:endParaRPr>
-          </a:p>
-          <a:p>
-            <a:r>
-              <a:rPr lang="en-US" sz="2400" dirty="0">
-                <a:solidFill>
-                  <a:srgbClr val="000000"/>
-                </a:solidFill>
-                <a:latin typeface="Cascadia Mono" panose="020B0609020000020004" pitchFamily="49" charset="0"/>
-              </a:rPr>
-              <a:t>            </a:t>
-            </a:r>
-            <a:r>
-              <a:rPr lang="en-US" sz="2400" dirty="0" err="1">
-                <a:solidFill>
-                  <a:srgbClr val="2B91AF"/>
-                </a:solidFill>
-                <a:latin typeface="Cascadia Mono" panose="020B0609020000020004" pitchFamily="49" charset="0"/>
-              </a:rPr>
-              <a:t>Console</a:t>
-            </a:r>
-            <a:r>
-              <a:rPr lang="en-US" sz="2400" dirty="0" err="1">
-                <a:solidFill>
-                  <a:srgbClr val="000000"/>
-                </a:solidFill>
-                <a:latin typeface="Cascadia Mono" panose="020B0609020000020004" pitchFamily="49" charset="0"/>
-              </a:rPr>
-              <a:t>.WriteLine</a:t>
-            </a:r>
-            <a:r>
-              <a:rPr lang="en-US" sz="2400" dirty="0">
-                <a:solidFill>
-                  <a:srgbClr val="000000"/>
-                </a:solidFill>
-                <a:latin typeface="Cascadia Mono" panose="020B0609020000020004" pitchFamily="49" charset="0"/>
-              </a:rPr>
-              <a:t>(</a:t>
-            </a:r>
-            <a:r>
-              <a:rPr lang="en-US" sz="2400" dirty="0">
-                <a:solidFill>
-                  <a:srgbClr val="A31515"/>
-                </a:solidFill>
-                <a:latin typeface="Cascadia Mono" panose="020B0609020000020004" pitchFamily="49" charset="0"/>
-              </a:rPr>
-              <a:t>$"</a:t>
-            </a:r>
-            <a:r>
-              <a:rPr lang="ru-RU" sz="2400" dirty="0">
-                <a:solidFill>
-                  <a:srgbClr val="A31515"/>
-                </a:solidFill>
-                <a:latin typeface="Cascadia Mono" panose="020B0609020000020004" pitchFamily="49" charset="0"/>
-              </a:rPr>
-              <a:t>Сколько лет осталось до пенсии: </a:t>
-            </a:r>
-            <a:r>
-              <a:rPr lang="ru-RU" sz="2400" dirty="0">
-                <a:solidFill>
-                  <a:srgbClr val="000000"/>
-                </a:solidFill>
-                <a:latin typeface="Cascadia Mono" panose="020B0609020000020004" pitchFamily="49" charset="0"/>
-              </a:rPr>
-              <a:t>{</a:t>
-            </a:r>
-            <a:r>
-              <a:rPr lang="en-US" sz="2400" dirty="0" err="1">
-                <a:solidFill>
-                  <a:srgbClr val="000000"/>
-                </a:solidFill>
-                <a:latin typeface="Cascadia Mono" panose="020B0609020000020004" pitchFamily="49" charset="0"/>
-              </a:rPr>
-              <a:t>retirementAge</a:t>
-            </a:r>
-            <a:r>
-              <a:rPr lang="en-US" sz="2400" dirty="0">
-                <a:solidFill>
-                  <a:srgbClr val="000000"/>
-                </a:solidFill>
-                <a:latin typeface="Cascadia Mono" panose="020B0609020000020004" pitchFamily="49" charset="0"/>
-              </a:rPr>
-              <a:t> - </a:t>
-            </a:r>
-            <a:r>
-              <a:rPr lang="en-US" sz="2400" dirty="0" err="1">
-                <a:solidFill>
-                  <a:srgbClr val="000000"/>
-                </a:solidFill>
-                <a:latin typeface="Cascadia Mono" panose="020B0609020000020004" pitchFamily="49" charset="0"/>
-              </a:rPr>
-              <a:t>person.Age</a:t>
-            </a:r>
-            <a:r>
-              <a:rPr lang="en-US" sz="2400" dirty="0">
-                <a:solidFill>
-                  <a:srgbClr val="000000"/>
-                </a:solidFill>
-                <a:latin typeface="Cascadia Mono" panose="020B0609020000020004" pitchFamily="49" charset="0"/>
-              </a:rPr>
-              <a:t>}</a:t>
-            </a:r>
-            <a:r>
-              <a:rPr lang="en-US" sz="2400" dirty="0">
-                <a:solidFill>
-                  <a:srgbClr val="A31515"/>
-                </a:solidFill>
-                <a:latin typeface="Cascadia Mono" panose="020B0609020000020004" pitchFamily="49" charset="0"/>
-              </a:rPr>
-              <a:t>"</a:t>
-            </a:r>
-            <a:r>
-              <a:rPr lang="en-US" sz="2400" dirty="0">
-                <a:solidFill>
-                  <a:srgbClr val="000000"/>
-                </a:solidFill>
-                <a:latin typeface="Cascadia Mono" panose="020B0609020000020004" pitchFamily="49" charset="0"/>
-              </a:rPr>
-              <a:t>);</a:t>
-            </a:r>
-          </a:p>
-          <a:p>
-            <a:r>
-              <a:rPr lang="ru-RU" sz="2400" dirty="0">
-                <a:solidFill>
-                  <a:srgbClr val="000000"/>
-                </a:solidFill>
-                <a:latin typeface="Cascadia Mono" panose="020B0609020000020004" pitchFamily="49" charset="0"/>
-              </a:rPr>
-              <a:t>    }</a:t>
-            </a:r>
-          </a:p>
-          <a:p>
-            <a:r>
-              <a:rPr lang="ru-RU" sz="2400" dirty="0">
-                <a:solidFill>
-                  <a:srgbClr val="000000"/>
-                </a:solidFill>
-                <a:latin typeface="Cascadia Mono" panose="020B0609020000020004" pitchFamily="49" charset="0"/>
-              </a:rPr>
-              <a:t>}</a:t>
-            </a:r>
-            <a:endParaRPr lang="ru-RU" sz="2400" dirty="0">
-              <a:latin typeface="Bookman Old Style" panose="02050604050505020204" pitchFamily="18" charset="0"/>
-              <a:cs typeface="Times New Roman" panose="02020603050405020304" pitchFamily="18" charset="0"/>
-            </a:endParaRPr>
-          </a:p>
-        </p:txBody>
-      </p:sp>
-    </p:spTree>
-    <p:extLst>
-      <p:ext uri="{BB962C8B-B14F-4D97-AF65-F5344CB8AC3E}">
-        <p14:creationId xmlns:p14="http://schemas.microsoft.com/office/powerpoint/2010/main" val="3054432104"/>
-      </p:ext>
-    </p:extLst>
-  </p:cSld>
-  <p:clrMapOvr>
-    <a:masterClrMapping/>
-  </p:clrMapOvr>
-  <p:timing>
-    <p:tnLst>
-      <p:par>
-        <p:cTn id="1" dur="indefinite" restart="never" nodeType="tmRoot"/>
-      </p:par>
-    </p:tnLst>
-  </p:timing>
-</p:sld>
-</file>
-
-<file path=ppt/slides/slide46.xml><?xml version="1.0" encoding="utf-8"?>
-<p:sld xmlns:a="http://schemas.openxmlformats.org/drawingml/2006/main" xmlns:r="http://schemas.openxmlformats.org/officeDocument/2006/relationships" xmlns:p="http://schemas.openxmlformats.org/presentationml/2006/main">
-  <p:cSld>
-    <p:spTree>
-      <p:nvGrpSpPr>
-        <p:cNvPr id="1" name=""/>
-        <p:cNvGrpSpPr/>
-        <p:nvPr/>
-      </p:nvGrpSpPr>
-      <p:grpSpPr>
-        <a:xfrm>
-          <a:off x="0" y="0"/>
-          <a:ext cx="0" cy="0"/>
-          <a:chOff x="0" y="0"/>
-          <a:chExt cx="0" cy="0"/>
-        </a:xfrm>
-      </p:grpSpPr>
-      <p:sp>
-        <p:nvSpPr>
-          <p:cNvPr id="6" name="Прямоугольник 5"/>
-          <p:cNvSpPr/>
-          <p:nvPr/>
-        </p:nvSpPr>
-        <p:spPr>
-          <a:xfrm>
-            <a:off x="0" y="0"/>
-            <a:ext cx="12192000" cy="6555641"/>
-          </a:xfrm>
-          <a:prstGeom prst="rect">
-            <a:avLst/>
-          </a:prstGeom>
-        </p:spPr>
-        <p:txBody>
-          <a:bodyPr wrap="square">
-            <a:spAutoFit/>
-          </a:bodyPr>
-          <a:lstStyle/>
-          <a:p>
-            <a:pPr algn="just">
-              <a:lnSpc>
-                <a:spcPct val="150000"/>
-              </a:lnSpc>
-            </a:pPr>
-            <a:r>
-              <a:rPr lang="ru-RU" sz="2400" b="1" dirty="0">
-                <a:latin typeface="Bookman Old Style" panose="02050604050505020204" pitchFamily="18" charset="0"/>
-                <a:cs typeface="Times New Roman" panose="02020603050405020304" pitchFamily="18" charset="0"/>
-              </a:rPr>
-              <a:t>Статические </a:t>
-            </a:r>
-            <a:r>
-              <a:rPr lang="ru-RU" sz="2400" b="1" dirty="0" smtClean="0">
-                <a:latin typeface="Bookman Old Style" panose="02050604050505020204" pitchFamily="18" charset="0"/>
-                <a:cs typeface="Times New Roman" panose="02020603050405020304" pitchFamily="18" charset="0"/>
-              </a:rPr>
-              <a:t>классы</a:t>
-            </a:r>
-            <a:endParaRPr lang="en-US" sz="2400" b="1" dirty="0" smtClean="0">
-              <a:latin typeface="Bookman Old Style" panose="02050604050505020204" pitchFamily="18" charset="0"/>
-              <a:cs typeface="Times New Roman" panose="02020603050405020304" pitchFamily="18" charset="0"/>
-            </a:endParaRPr>
-          </a:p>
-          <a:p>
-            <a:pPr algn="just">
-              <a:lnSpc>
-                <a:spcPct val="150000"/>
-              </a:lnSpc>
-            </a:pPr>
-            <a:r>
-              <a:rPr lang="ru-RU" sz="2400" dirty="0">
-                <a:latin typeface="Bookman Old Style" panose="02050604050505020204" pitchFamily="18" charset="0"/>
-              </a:rPr>
-              <a:t>Статические классы объявляются с модификатором </a:t>
-            </a:r>
-            <a:r>
-              <a:rPr lang="ru-RU" sz="2400" dirty="0" err="1">
-                <a:latin typeface="Bookman Old Style" panose="02050604050505020204" pitchFamily="18" charset="0"/>
-              </a:rPr>
-              <a:t>static</a:t>
-            </a:r>
-            <a:r>
-              <a:rPr lang="ru-RU" sz="2400" dirty="0">
-                <a:latin typeface="Bookman Old Style" panose="02050604050505020204" pitchFamily="18" charset="0"/>
-              </a:rPr>
-              <a:t> и могут содержать только статические поля, свойства и методы. Например, определим класс, который выполняет ряд арифметических операций</a:t>
-            </a:r>
-            <a:r>
-              <a:rPr lang="ru-RU" sz="2400" dirty="0" smtClean="0">
-                <a:latin typeface="Bookman Old Style" panose="02050604050505020204" pitchFamily="18" charset="0"/>
-              </a:rPr>
-              <a:t>:</a:t>
-            </a:r>
-            <a:endParaRPr lang="en-US" sz="2400" dirty="0" smtClean="0">
-              <a:latin typeface="Bookman Old Style" panose="02050604050505020204" pitchFamily="18" charset="0"/>
-            </a:endParaRPr>
-          </a:p>
-          <a:p>
-            <a:pPr algn="just">
-              <a:lnSpc>
-                <a:spcPct val="150000"/>
-              </a:lnSpc>
-            </a:pPr>
-            <a:endParaRPr lang="en-US" sz="2400" dirty="0">
-              <a:latin typeface="Bookman Old Style" panose="02050604050505020204" pitchFamily="18" charset="0"/>
-            </a:endParaRPr>
-          </a:p>
-          <a:p>
-            <a:r>
-              <a:rPr lang="en-US" sz="2400" dirty="0" err="1">
-                <a:solidFill>
-                  <a:srgbClr val="000000"/>
-                </a:solidFill>
-                <a:latin typeface="Cascadia Mono" panose="020B0609020000020004" pitchFamily="49" charset="0"/>
-              </a:rPr>
-              <a:t>Console.WriteLine</a:t>
-            </a:r>
-            <a:r>
-              <a:rPr lang="en-US" sz="2400" dirty="0">
-                <a:solidFill>
-                  <a:srgbClr val="000000"/>
-                </a:solidFill>
-                <a:latin typeface="Cascadia Mono" panose="020B0609020000020004" pitchFamily="49" charset="0"/>
-              </a:rPr>
-              <a:t>(</a:t>
-            </a:r>
-            <a:r>
-              <a:rPr lang="en-US" sz="2400" dirty="0" err="1">
-                <a:solidFill>
-                  <a:srgbClr val="000000"/>
-                </a:solidFill>
-                <a:latin typeface="Cascadia Mono" panose="020B0609020000020004" pitchFamily="49" charset="0"/>
-              </a:rPr>
-              <a:t>Operations.Add</a:t>
-            </a:r>
-            <a:r>
-              <a:rPr lang="en-US" sz="2400" dirty="0">
-                <a:solidFill>
-                  <a:srgbClr val="000000"/>
-                </a:solidFill>
-                <a:latin typeface="Cascadia Mono" panose="020B0609020000020004" pitchFamily="49" charset="0"/>
-              </a:rPr>
-              <a:t>(5, 4));         </a:t>
-            </a:r>
-            <a:r>
-              <a:rPr lang="en-US" sz="2400" dirty="0">
-                <a:solidFill>
-                  <a:srgbClr val="008000"/>
-                </a:solidFill>
-                <a:latin typeface="Cascadia Mono" panose="020B0609020000020004" pitchFamily="49" charset="0"/>
-              </a:rPr>
-              <a:t>// 9</a:t>
-            </a:r>
-            <a:endParaRPr lang="en-US" sz="2400" dirty="0">
-              <a:solidFill>
-                <a:srgbClr val="000000"/>
-              </a:solidFill>
-              <a:latin typeface="Cascadia Mono" panose="020B0609020000020004" pitchFamily="49" charset="0"/>
-            </a:endParaRPr>
-          </a:p>
-          <a:p>
-            <a:r>
-              <a:rPr lang="en-US" sz="2400" dirty="0" err="1">
-                <a:solidFill>
-                  <a:srgbClr val="000000"/>
-                </a:solidFill>
-                <a:latin typeface="Cascadia Mono" panose="020B0609020000020004" pitchFamily="49" charset="0"/>
-              </a:rPr>
-              <a:t>Console.WriteLine</a:t>
-            </a:r>
-            <a:r>
-              <a:rPr lang="en-US" sz="2400" dirty="0">
-                <a:solidFill>
-                  <a:srgbClr val="000000"/>
-                </a:solidFill>
-                <a:latin typeface="Cascadia Mono" panose="020B0609020000020004" pitchFamily="49" charset="0"/>
-              </a:rPr>
-              <a:t>(</a:t>
-            </a:r>
-            <a:r>
-              <a:rPr lang="en-US" sz="2400" dirty="0" err="1">
-                <a:solidFill>
-                  <a:srgbClr val="000000"/>
-                </a:solidFill>
-                <a:latin typeface="Cascadia Mono" panose="020B0609020000020004" pitchFamily="49" charset="0"/>
-              </a:rPr>
-              <a:t>Operations.Subtract</a:t>
-            </a:r>
-            <a:r>
-              <a:rPr lang="en-US" sz="2400" dirty="0">
-                <a:solidFill>
-                  <a:srgbClr val="000000"/>
-                </a:solidFill>
-                <a:latin typeface="Cascadia Mono" panose="020B0609020000020004" pitchFamily="49" charset="0"/>
-              </a:rPr>
-              <a:t>(5, 4));    </a:t>
-            </a:r>
-            <a:r>
-              <a:rPr lang="en-US" sz="2400" dirty="0">
-                <a:solidFill>
-                  <a:srgbClr val="008000"/>
-                </a:solidFill>
-                <a:latin typeface="Cascadia Mono" panose="020B0609020000020004" pitchFamily="49" charset="0"/>
-              </a:rPr>
-              <a:t>// 1</a:t>
-            </a:r>
-            <a:endParaRPr lang="en-US" sz="2400" dirty="0">
-              <a:solidFill>
-                <a:srgbClr val="000000"/>
-              </a:solidFill>
-              <a:latin typeface="Cascadia Mono" panose="020B0609020000020004" pitchFamily="49" charset="0"/>
-            </a:endParaRPr>
-          </a:p>
-          <a:p>
-            <a:r>
-              <a:rPr lang="en-US" sz="2400" dirty="0" err="1">
-                <a:solidFill>
-                  <a:srgbClr val="000000"/>
-                </a:solidFill>
-                <a:latin typeface="Cascadia Mono" panose="020B0609020000020004" pitchFamily="49" charset="0"/>
-              </a:rPr>
-              <a:t>Console.WriteLine</a:t>
-            </a:r>
-            <a:r>
-              <a:rPr lang="en-US" sz="2400" dirty="0">
-                <a:solidFill>
-                  <a:srgbClr val="000000"/>
-                </a:solidFill>
-                <a:latin typeface="Cascadia Mono" panose="020B0609020000020004" pitchFamily="49" charset="0"/>
-              </a:rPr>
-              <a:t>(</a:t>
-            </a:r>
-            <a:r>
-              <a:rPr lang="en-US" sz="2400" dirty="0" err="1">
-                <a:solidFill>
-                  <a:srgbClr val="000000"/>
-                </a:solidFill>
-                <a:latin typeface="Cascadia Mono" panose="020B0609020000020004" pitchFamily="49" charset="0"/>
-              </a:rPr>
-              <a:t>Operations.Multiply</a:t>
-            </a:r>
-            <a:r>
-              <a:rPr lang="en-US" sz="2400" dirty="0">
-                <a:solidFill>
-                  <a:srgbClr val="000000"/>
-                </a:solidFill>
-                <a:latin typeface="Cascadia Mono" panose="020B0609020000020004" pitchFamily="49" charset="0"/>
-              </a:rPr>
-              <a:t>(5, 4));    </a:t>
-            </a:r>
-            <a:r>
-              <a:rPr lang="en-US" sz="2400" dirty="0">
-                <a:solidFill>
-                  <a:srgbClr val="008000"/>
-                </a:solidFill>
-                <a:latin typeface="Cascadia Mono" panose="020B0609020000020004" pitchFamily="49" charset="0"/>
-              </a:rPr>
-              <a:t>// 20</a:t>
-            </a:r>
-            <a:endParaRPr lang="en-US" sz="2400" dirty="0">
-              <a:solidFill>
-                <a:srgbClr val="000000"/>
-              </a:solidFill>
-              <a:latin typeface="Cascadia Mono" panose="020B0609020000020004" pitchFamily="49" charset="0"/>
-            </a:endParaRPr>
-          </a:p>
-          <a:p>
-            <a:endParaRPr lang="ru-RU" sz="2400" dirty="0">
-              <a:solidFill>
-                <a:srgbClr val="000000"/>
-              </a:solidFill>
-              <a:latin typeface="Cascadia Mono" panose="020B0609020000020004" pitchFamily="49" charset="0"/>
-            </a:endParaRPr>
-          </a:p>
-          <a:p>
-            <a:r>
-              <a:rPr lang="en-US" sz="2400" dirty="0">
-                <a:solidFill>
-                  <a:srgbClr val="0000FF"/>
-                </a:solidFill>
-                <a:latin typeface="Cascadia Mono" panose="020B0609020000020004" pitchFamily="49" charset="0"/>
-              </a:rPr>
-              <a:t>static</a:t>
-            </a:r>
-            <a:r>
-              <a:rPr lang="en-US" sz="2400" dirty="0">
-                <a:solidFill>
-                  <a:srgbClr val="000000"/>
-                </a:solidFill>
-                <a:latin typeface="Cascadia Mono" panose="020B0609020000020004" pitchFamily="49" charset="0"/>
-              </a:rPr>
-              <a:t> </a:t>
-            </a:r>
-            <a:r>
-              <a:rPr lang="en-US" sz="2400" dirty="0">
-                <a:solidFill>
-                  <a:srgbClr val="0000FF"/>
-                </a:solidFill>
-                <a:latin typeface="Cascadia Mono" panose="020B0609020000020004" pitchFamily="49" charset="0"/>
-              </a:rPr>
-              <a:t>class</a:t>
-            </a:r>
-            <a:r>
-              <a:rPr lang="en-US" sz="2400" dirty="0">
-                <a:solidFill>
-                  <a:srgbClr val="000000"/>
-                </a:solidFill>
-                <a:latin typeface="Cascadia Mono" panose="020B0609020000020004" pitchFamily="49" charset="0"/>
-              </a:rPr>
-              <a:t> </a:t>
-            </a:r>
-            <a:r>
-              <a:rPr lang="en-US" sz="2400" dirty="0">
-                <a:solidFill>
-                  <a:srgbClr val="2B91AF"/>
-                </a:solidFill>
-                <a:latin typeface="Cascadia Mono" panose="020B0609020000020004" pitchFamily="49" charset="0"/>
-              </a:rPr>
-              <a:t>Operations</a:t>
-            </a:r>
-            <a:endParaRPr lang="en-US" sz="2400" dirty="0">
-              <a:solidFill>
-                <a:srgbClr val="000000"/>
-              </a:solidFill>
-              <a:latin typeface="Cascadia Mono" panose="020B0609020000020004" pitchFamily="49" charset="0"/>
-            </a:endParaRPr>
-          </a:p>
-          <a:p>
-            <a:r>
-              <a:rPr lang="ru-RU" sz="2400" dirty="0">
-                <a:solidFill>
-                  <a:srgbClr val="000000"/>
-                </a:solidFill>
-                <a:latin typeface="Cascadia Mono" panose="020B0609020000020004" pitchFamily="49" charset="0"/>
-              </a:rPr>
-              <a:t>{</a:t>
-            </a:r>
-          </a:p>
-          <a:p>
-            <a:r>
-              <a:rPr lang="en-US" sz="2400" dirty="0">
-                <a:solidFill>
-                  <a:srgbClr val="000000"/>
-                </a:solidFill>
-                <a:latin typeface="Cascadia Mono" panose="020B0609020000020004" pitchFamily="49" charset="0"/>
-              </a:rPr>
-              <a:t>    </a:t>
-            </a:r>
-            <a:r>
-              <a:rPr lang="en-US" sz="2400" dirty="0">
-                <a:solidFill>
-                  <a:srgbClr val="0000FF"/>
-                </a:solidFill>
-                <a:latin typeface="Cascadia Mono" panose="020B0609020000020004" pitchFamily="49" charset="0"/>
-              </a:rPr>
-              <a:t>public</a:t>
-            </a:r>
-            <a:r>
-              <a:rPr lang="en-US" sz="2400" dirty="0">
-                <a:solidFill>
-                  <a:srgbClr val="000000"/>
-                </a:solidFill>
-                <a:latin typeface="Cascadia Mono" panose="020B0609020000020004" pitchFamily="49" charset="0"/>
-              </a:rPr>
-              <a:t> </a:t>
-            </a:r>
-            <a:r>
-              <a:rPr lang="en-US" sz="2400" dirty="0">
-                <a:solidFill>
-                  <a:srgbClr val="0000FF"/>
-                </a:solidFill>
-                <a:latin typeface="Cascadia Mono" panose="020B0609020000020004" pitchFamily="49" charset="0"/>
-              </a:rPr>
-              <a:t>static</a:t>
-            </a:r>
-            <a:r>
-              <a:rPr lang="en-US" sz="2400" dirty="0">
-                <a:solidFill>
-                  <a:srgbClr val="000000"/>
-                </a:solidFill>
-                <a:latin typeface="Cascadia Mono" panose="020B0609020000020004" pitchFamily="49" charset="0"/>
-              </a:rPr>
-              <a:t> </a:t>
-            </a:r>
-            <a:r>
-              <a:rPr lang="en-US" sz="2400" dirty="0" err="1">
-                <a:solidFill>
-                  <a:srgbClr val="0000FF"/>
-                </a:solidFill>
-                <a:latin typeface="Cascadia Mono" panose="020B0609020000020004" pitchFamily="49" charset="0"/>
-              </a:rPr>
-              <a:t>int</a:t>
-            </a:r>
-            <a:r>
-              <a:rPr lang="en-US" sz="2400" dirty="0">
-                <a:solidFill>
-                  <a:srgbClr val="000000"/>
-                </a:solidFill>
-                <a:latin typeface="Cascadia Mono" panose="020B0609020000020004" pitchFamily="49" charset="0"/>
-              </a:rPr>
-              <a:t> Add(</a:t>
-            </a:r>
-            <a:r>
-              <a:rPr lang="en-US" sz="2400" dirty="0" err="1">
-                <a:solidFill>
-                  <a:srgbClr val="0000FF"/>
-                </a:solidFill>
-                <a:latin typeface="Cascadia Mono" panose="020B0609020000020004" pitchFamily="49" charset="0"/>
-              </a:rPr>
-              <a:t>int</a:t>
-            </a:r>
-            <a:r>
-              <a:rPr lang="en-US" sz="2400" dirty="0">
-                <a:solidFill>
-                  <a:srgbClr val="000000"/>
-                </a:solidFill>
-                <a:latin typeface="Cascadia Mono" panose="020B0609020000020004" pitchFamily="49" charset="0"/>
-              </a:rPr>
-              <a:t> x, </a:t>
-            </a:r>
-            <a:r>
-              <a:rPr lang="en-US" sz="2400" dirty="0" err="1">
-                <a:solidFill>
-                  <a:srgbClr val="0000FF"/>
-                </a:solidFill>
-                <a:latin typeface="Cascadia Mono" panose="020B0609020000020004" pitchFamily="49" charset="0"/>
-              </a:rPr>
-              <a:t>int</a:t>
-            </a:r>
-            <a:r>
-              <a:rPr lang="en-US" sz="2400" dirty="0">
-                <a:solidFill>
-                  <a:srgbClr val="000000"/>
-                </a:solidFill>
-                <a:latin typeface="Cascadia Mono" panose="020B0609020000020004" pitchFamily="49" charset="0"/>
-              </a:rPr>
-              <a:t> y) =&gt; x + y;</a:t>
-            </a:r>
-          </a:p>
-          <a:p>
-            <a:r>
-              <a:rPr lang="en-US" sz="2400" dirty="0">
-                <a:solidFill>
-                  <a:srgbClr val="000000"/>
-                </a:solidFill>
-                <a:latin typeface="Cascadia Mono" panose="020B0609020000020004" pitchFamily="49" charset="0"/>
-              </a:rPr>
-              <a:t>    </a:t>
-            </a:r>
-            <a:r>
-              <a:rPr lang="en-US" sz="2400" dirty="0">
-                <a:solidFill>
-                  <a:srgbClr val="0000FF"/>
-                </a:solidFill>
-                <a:latin typeface="Cascadia Mono" panose="020B0609020000020004" pitchFamily="49" charset="0"/>
-              </a:rPr>
-              <a:t>public</a:t>
-            </a:r>
-            <a:r>
-              <a:rPr lang="en-US" sz="2400" dirty="0">
-                <a:solidFill>
-                  <a:srgbClr val="000000"/>
-                </a:solidFill>
-                <a:latin typeface="Cascadia Mono" panose="020B0609020000020004" pitchFamily="49" charset="0"/>
-              </a:rPr>
-              <a:t> </a:t>
-            </a:r>
-            <a:r>
-              <a:rPr lang="en-US" sz="2400" dirty="0">
-                <a:solidFill>
-                  <a:srgbClr val="0000FF"/>
-                </a:solidFill>
-                <a:latin typeface="Cascadia Mono" panose="020B0609020000020004" pitchFamily="49" charset="0"/>
-              </a:rPr>
-              <a:t>static</a:t>
-            </a:r>
-            <a:r>
-              <a:rPr lang="en-US" sz="2400" dirty="0">
-                <a:solidFill>
-                  <a:srgbClr val="000000"/>
-                </a:solidFill>
-                <a:latin typeface="Cascadia Mono" panose="020B0609020000020004" pitchFamily="49" charset="0"/>
-              </a:rPr>
-              <a:t> </a:t>
-            </a:r>
-            <a:r>
-              <a:rPr lang="en-US" sz="2400" dirty="0" err="1">
-                <a:solidFill>
-                  <a:srgbClr val="0000FF"/>
-                </a:solidFill>
-                <a:latin typeface="Cascadia Mono" panose="020B0609020000020004" pitchFamily="49" charset="0"/>
-              </a:rPr>
-              <a:t>int</a:t>
-            </a:r>
-            <a:r>
-              <a:rPr lang="en-US" sz="2400" dirty="0">
-                <a:solidFill>
-                  <a:srgbClr val="000000"/>
-                </a:solidFill>
-                <a:latin typeface="Cascadia Mono" panose="020B0609020000020004" pitchFamily="49" charset="0"/>
-              </a:rPr>
-              <a:t> Subtract(</a:t>
-            </a:r>
-            <a:r>
-              <a:rPr lang="en-US" sz="2400" dirty="0" err="1">
-                <a:solidFill>
-                  <a:srgbClr val="0000FF"/>
-                </a:solidFill>
-                <a:latin typeface="Cascadia Mono" panose="020B0609020000020004" pitchFamily="49" charset="0"/>
-              </a:rPr>
-              <a:t>int</a:t>
-            </a:r>
-            <a:r>
-              <a:rPr lang="en-US" sz="2400" dirty="0">
-                <a:solidFill>
-                  <a:srgbClr val="000000"/>
-                </a:solidFill>
-                <a:latin typeface="Cascadia Mono" panose="020B0609020000020004" pitchFamily="49" charset="0"/>
-              </a:rPr>
-              <a:t> x, </a:t>
-            </a:r>
-            <a:r>
-              <a:rPr lang="en-US" sz="2400" dirty="0" err="1">
-                <a:solidFill>
-                  <a:srgbClr val="0000FF"/>
-                </a:solidFill>
-                <a:latin typeface="Cascadia Mono" panose="020B0609020000020004" pitchFamily="49" charset="0"/>
-              </a:rPr>
-              <a:t>int</a:t>
-            </a:r>
-            <a:r>
-              <a:rPr lang="en-US" sz="2400" dirty="0">
-                <a:solidFill>
-                  <a:srgbClr val="000000"/>
-                </a:solidFill>
-                <a:latin typeface="Cascadia Mono" panose="020B0609020000020004" pitchFamily="49" charset="0"/>
-              </a:rPr>
-              <a:t> y) =&gt; x - y;</a:t>
-            </a:r>
-          </a:p>
-          <a:p>
-            <a:r>
-              <a:rPr lang="en-US" sz="2400" dirty="0">
-                <a:solidFill>
-                  <a:srgbClr val="000000"/>
-                </a:solidFill>
-                <a:latin typeface="Cascadia Mono" panose="020B0609020000020004" pitchFamily="49" charset="0"/>
-              </a:rPr>
-              <a:t>    </a:t>
-            </a:r>
-            <a:r>
-              <a:rPr lang="en-US" sz="2400" dirty="0">
-                <a:solidFill>
-                  <a:srgbClr val="0000FF"/>
-                </a:solidFill>
-                <a:latin typeface="Cascadia Mono" panose="020B0609020000020004" pitchFamily="49" charset="0"/>
-              </a:rPr>
-              <a:t>public</a:t>
-            </a:r>
-            <a:r>
-              <a:rPr lang="en-US" sz="2400" dirty="0">
-                <a:solidFill>
-                  <a:srgbClr val="000000"/>
-                </a:solidFill>
-                <a:latin typeface="Cascadia Mono" panose="020B0609020000020004" pitchFamily="49" charset="0"/>
-              </a:rPr>
-              <a:t> </a:t>
-            </a:r>
-            <a:r>
-              <a:rPr lang="en-US" sz="2400" dirty="0">
-                <a:solidFill>
-                  <a:srgbClr val="0000FF"/>
-                </a:solidFill>
-                <a:latin typeface="Cascadia Mono" panose="020B0609020000020004" pitchFamily="49" charset="0"/>
-              </a:rPr>
-              <a:t>static</a:t>
-            </a:r>
-            <a:r>
-              <a:rPr lang="en-US" sz="2400" dirty="0">
-                <a:solidFill>
-                  <a:srgbClr val="000000"/>
-                </a:solidFill>
-                <a:latin typeface="Cascadia Mono" panose="020B0609020000020004" pitchFamily="49" charset="0"/>
-              </a:rPr>
-              <a:t> </a:t>
-            </a:r>
-            <a:r>
-              <a:rPr lang="en-US" sz="2400" dirty="0" err="1">
-                <a:solidFill>
-                  <a:srgbClr val="0000FF"/>
-                </a:solidFill>
-                <a:latin typeface="Cascadia Mono" panose="020B0609020000020004" pitchFamily="49" charset="0"/>
-              </a:rPr>
-              <a:t>int</a:t>
-            </a:r>
-            <a:r>
-              <a:rPr lang="en-US" sz="2400" dirty="0">
-                <a:solidFill>
-                  <a:srgbClr val="000000"/>
-                </a:solidFill>
-                <a:latin typeface="Cascadia Mono" panose="020B0609020000020004" pitchFamily="49" charset="0"/>
-              </a:rPr>
-              <a:t> Multiply(</a:t>
-            </a:r>
-            <a:r>
-              <a:rPr lang="en-US" sz="2400" dirty="0" err="1">
-                <a:solidFill>
-                  <a:srgbClr val="0000FF"/>
-                </a:solidFill>
-                <a:latin typeface="Cascadia Mono" panose="020B0609020000020004" pitchFamily="49" charset="0"/>
-              </a:rPr>
-              <a:t>int</a:t>
-            </a:r>
-            <a:r>
-              <a:rPr lang="en-US" sz="2400" dirty="0">
-                <a:solidFill>
-                  <a:srgbClr val="000000"/>
-                </a:solidFill>
-                <a:latin typeface="Cascadia Mono" panose="020B0609020000020004" pitchFamily="49" charset="0"/>
-              </a:rPr>
-              <a:t> x, </a:t>
-            </a:r>
-            <a:r>
-              <a:rPr lang="en-US" sz="2400" dirty="0" err="1">
-                <a:solidFill>
-                  <a:srgbClr val="0000FF"/>
-                </a:solidFill>
-                <a:latin typeface="Cascadia Mono" panose="020B0609020000020004" pitchFamily="49" charset="0"/>
-              </a:rPr>
-              <a:t>int</a:t>
-            </a:r>
-            <a:r>
-              <a:rPr lang="en-US" sz="2400" dirty="0">
-                <a:solidFill>
-                  <a:srgbClr val="000000"/>
-                </a:solidFill>
-                <a:latin typeface="Cascadia Mono" panose="020B0609020000020004" pitchFamily="49" charset="0"/>
-              </a:rPr>
-              <a:t> y) =&gt; x * y;</a:t>
-            </a:r>
-          </a:p>
-          <a:p>
-            <a:r>
-              <a:rPr lang="ru-RU" sz="2400" dirty="0">
-                <a:solidFill>
-                  <a:srgbClr val="000000"/>
-                </a:solidFill>
-                <a:latin typeface="Cascadia Mono" panose="020B0609020000020004" pitchFamily="49" charset="0"/>
-              </a:rPr>
-              <a:t>}</a:t>
-            </a:r>
-            <a:endParaRPr lang="ru-RU" sz="2400" dirty="0">
-              <a:latin typeface="Bookman Old Style" panose="02050604050505020204" pitchFamily="18" charset="0"/>
-              <a:cs typeface="Times New Roman" panose="02020603050405020304" pitchFamily="18" charset="0"/>
-            </a:endParaRPr>
-          </a:p>
-        </p:txBody>
-      </p:sp>
-    </p:spTree>
-    <p:extLst>
-      <p:ext uri="{BB962C8B-B14F-4D97-AF65-F5344CB8AC3E}">
-        <p14:creationId xmlns:p14="http://schemas.microsoft.com/office/powerpoint/2010/main" val="3191215237"/>
-      </p:ext>
-    </p:extLst>
-  </p:cSld>
-  <p:clrMapOvr>
-    <a:masterClrMapping/>
-  </p:clrMapOvr>
-  <p:timing>
-    <p:tnLst>
-      <p:par>
-        <p:cTn id="1" dur="indefinite" restart="never" nodeType="tmRoot"/>
-      </p:par>
-    </p:tnLst>
-  </p:timing>
-</p:sld>
-</file>
-
-<file path=ppt/slides/slide47.xml><?xml version="1.0" encoding="utf-8"?>
-<p:sld xmlns:a="http://schemas.openxmlformats.org/drawingml/2006/main" xmlns:r="http://schemas.openxmlformats.org/officeDocument/2006/relationships" xmlns:p="http://schemas.openxmlformats.org/presentationml/2006/main">
-  <p:cSld>
-    <p:spTree>
-      <p:nvGrpSpPr>
-        <p:cNvPr id="1" name=""/>
-        <p:cNvGrpSpPr/>
-        <p:nvPr/>
-      </p:nvGrpSpPr>
-      <p:grpSpPr>
-        <a:xfrm>
-          <a:off x="0" y="0"/>
-          <a:ext cx="0" cy="0"/>
-          <a:chOff x="0" y="0"/>
-          <a:chExt cx="0" cy="0"/>
-        </a:xfrm>
-      </p:grpSpPr>
-      <p:sp>
-        <p:nvSpPr>
           <p:cNvPr id="6" name="Прямоугольник 5"/>
           <p:cNvSpPr/>
           <p:nvPr/>
@@ -26869,7 +22360,7 @@
 </p:sld>
 </file>
 
-<file path=ppt/slides/slide48.xml><?xml version="1.0" encoding="utf-8"?>
+<file path=ppt/slides/slide41.xml><?xml version="1.0" encoding="utf-8"?>
 <p:sld xmlns:a="http://schemas.openxmlformats.org/drawingml/2006/main" xmlns:r="http://schemas.openxmlformats.org/officeDocument/2006/relationships" xmlns:p="http://schemas.openxmlformats.org/presentationml/2006/main">
   <p:cSld>
     <p:spTree>

--- a/Лекции/ИТиП 2 лек 1.pptx
+++ b/Лекции/ИТиП 2 лек 1.pptx
@@ -252,7 +252,7 @@
             <a:fld id="{AA2F9473-F066-431E-A6E8-1D478C995A6B}" type="datetimeFigureOut">
               <a:rPr lang="en-US" smtClean="0"/>
               <a:pPr/>
-              <a:t>3/8/2025</a:t>
+              <a:t>3/11/2025</a:t>
             </a:fld>
             <a:endParaRPr lang="en-US"/>
           </a:p>
@@ -20080,8 +20080,8 @@
         </p:nvSpPr>
         <p:spPr>
           <a:xfrm>
-            <a:off x="0" y="0"/>
-            <a:ext cx="12192000" cy="6740307"/>
+            <a:off x="266700" y="0"/>
+            <a:ext cx="11925300" cy="6740307"/>
           </a:xfrm>
           <a:prstGeom prst="rect">
             <a:avLst/>
@@ -20519,8 +20519,8 @@
         </p:nvSpPr>
         <p:spPr>
           <a:xfrm>
-            <a:off x="5652654" y="0"/>
-            <a:ext cx="6539345" cy="4524315"/>
+            <a:off x="5652655" y="0"/>
+            <a:ext cx="6247246" cy="4524315"/>
           </a:xfrm>
           <a:prstGeom prst="rect">
             <a:avLst/>
@@ -20532,7 +20532,7 @@
           </a:bodyPr>
           <a:lstStyle/>
           <a:p>
-            <a:pPr>
+            <a:pPr algn="just">
               <a:lnSpc>
                 <a:spcPct val="150000"/>
               </a:lnSpc>
@@ -20551,7 +20551,7 @@
             </a:r>
           </a:p>
           <a:p>
-            <a:pPr>
+            <a:pPr algn="just">
               <a:lnSpc>
                 <a:spcPct val="150000"/>
               </a:lnSpc>

--- a/Лекции/ИТиП 2 лек 1.pptx
+++ b/Лекции/ИТиП 2 лек 1.pptx
@@ -252,7 +252,7 @@
             <a:fld id="{AA2F9473-F066-431E-A6E8-1D478C995A6B}" type="datetimeFigureOut">
               <a:rPr lang="en-US" smtClean="0"/>
               <a:pPr/>
-              <a:t>3/11/2025</a:t>
+              <a:t>3/12/2025</a:t>
             </a:fld>
             <a:endParaRPr lang="en-US"/>
           </a:p>
@@ -4368,7 +4368,7 @@
           <p:cNvPr id="9" name="Номер слайда 3">
             <a:extLst>
               <a:ext uri="{FF2B5EF4-FFF2-40B4-BE49-F238E27FC236}">
-                <a16:creationId xmlns:a16="http://schemas.microsoft.com/office/drawing/2014/main" id="{3DF48714-7FE4-4364-BF9D-28B9C9E2979D}"/>
+                <a16:creationId xmlns:a16="http://schemas.microsoft.com/office/drawing/2014/main" xmlns="" id="{3DF48714-7FE4-4364-BF9D-28B9C9E2979D}"/>
               </a:ext>
             </a:extLst>
           </p:cNvPr>
@@ -4507,7 +4507,7 @@
           <p:cNvPr id="7" name="Номер слайда 3">
             <a:extLst>
               <a:ext uri="{FF2B5EF4-FFF2-40B4-BE49-F238E27FC236}">
-                <a16:creationId xmlns:a16="http://schemas.microsoft.com/office/drawing/2014/main" id="{3DF48714-7FE4-4364-BF9D-28B9C9E2979D}"/>
+                <a16:creationId xmlns:a16="http://schemas.microsoft.com/office/drawing/2014/main" xmlns="" id="{3DF48714-7FE4-4364-BF9D-28B9C9E2979D}"/>
               </a:ext>
             </a:extLst>
           </p:cNvPr>
@@ -4789,7 +4789,7 @@
           <p:cNvPr id="9" name="Номер слайда 3">
             <a:extLst>
               <a:ext uri="{FF2B5EF4-FFF2-40B4-BE49-F238E27FC236}">
-                <a16:creationId xmlns:a16="http://schemas.microsoft.com/office/drawing/2014/main" id="{3DF48714-7FE4-4364-BF9D-28B9C9E2979D}"/>
+                <a16:creationId xmlns:a16="http://schemas.microsoft.com/office/drawing/2014/main" xmlns="" id="{3DF48714-7FE4-4364-BF9D-28B9C9E2979D}"/>
               </a:ext>
             </a:extLst>
           </p:cNvPr>
@@ -5247,7 +5247,7 @@
           <p:cNvPr id="17" name="Заголовок 16">
             <a:extLst>
               <a:ext uri="{FF2B5EF4-FFF2-40B4-BE49-F238E27FC236}">
-                <a16:creationId xmlns:a16="http://schemas.microsoft.com/office/drawing/2014/main" id="{D630362D-1F09-46B4-9DE4-AEA483AC82FD}"/>
+                <a16:creationId xmlns:a16="http://schemas.microsoft.com/office/drawing/2014/main" xmlns="" id="{D630362D-1F09-46B4-9DE4-AEA483AC82FD}"/>
               </a:ext>
             </a:extLst>
           </p:cNvPr>
@@ -5474,7 +5474,7 @@
           <p:cNvPr id="12" name="TextBox 11">
             <a:extLst>
               <a:ext uri="{FF2B5EF4-FFF2-40B4-BE49-F238E27FC236}">
-                <a16:creationId xmlns:a16="http://schemas.microsoft.com/office/drawing/2014/main" id="{F7B00361-5492-4290-B470-295172C16526}"/>
+                <a16:creationId xmlns:a16="http://schemas.microsoft.com/office/drawing/2014/main" xmlns="" id="{F7B00361-5492-4290-B470-295172C16526}"/>
               </a:ext>
             </a:extLst>
           </p:cNvPr>
@@ -10281,13 +10281,6 @@
               </a:rPr>
               <a:t>.</a:t>
             </a:r>
-          </a:p>
-          <a:p>
-            <a:pPr algn="just">
-              <a:lnSpc>
-                <a:spcPct val="150000"/>
-              </a:lnSpc>
-            </a:pPr>
             <a:endParaRPr lang="ru-RU" sz="2400" dirty="0">
               <a:latin typeface="Bookman Old Style" panose="02050604050505020204" pitchFamily="18" charset="0"/>
             </a:endParaRPr>
@@ -10421,6 +10414,11 @@
             </a:r>
           </a:p>
           <a:p>
+            <a:pPr algn="just">
+              <a:lnSpc>
+                <a:spcPct val="150000"/>
+              </a:lnSpc>
+            </a:pPr>
             <a:r>
               <a:rPr lang="ru-RU" sz="2400" b="1" dirty="0" smtClean="0">
                 <a:latin typeface="Bookman Old Style" panose="02050604050505020204" pitchFamily="18" charset="0"/>
@@ -10432,6 +10430,11 @@
             </a:endParaRPr>
           </a:p>
           <a:p>
+            <a:pPr algn="just">
+              <a:lnSpc>
+                <a:spcPct val="150000"/>
+              </a:lnSpc>
+            </a:pPr>
             <a:r>
               <a:rPr lang="ru-RU" sz="2400" b="1" dirty="0">
                 <a:latin typeface="Bookman Old Style" panose="02050604050505020204" pitchFamily="18" charset="0"/>
@@ -20649,7 +20652,7 @@
         <p:spPr>
           <a:xfrm>
             <a:off x="0" y="0"/>
-            <a:ext cx="12192000" cy="5632311"/>
+            <a:ext cx="12192000" cy="6186309"/>
           </a:xfrm>
           <a:prstGeom prst="rect">
             <a:avLst/>
@@ -20695,14 +20698,30 @@
               <a:rPr lang="ru-RU" sz="2400" dirty="0">
                 <a:latin typeface="Bookman Old Style" panose="02050604050505020204" pitchFamily="18" charset="0"/>
               </a:rPr>
-              <a:t>добавлен в C# 11) указывает, что поле или свойства с этим модификатором обязательно должны быть инициализированы. Например, в следующем примере мы получим ошибку</a:t>
-            </a:r>
-            <a:r>
-              <a:rPr lang="ru-RU" sz="2400" dirty="0" smtClean="0">
+              <a:t>добавлен в C# 11) указывает, что поле или свойства с этим модификатором обязательно должны быть инициализированы. Например, в следующем примере мы получим </a:t>
+            </a:r>
+            <a:r>
+              <a:rPr lang="ru-RU" sz="2400">
+                <a:latin typeface="Bookman Old Style" panose="02050604050505020204" pitchFamily="18" charset="0"/>
+              </a:rPr>
+              <a:t>ошибку</a:t>
+            </a:r>
+            <a:r>
+              <a:rPr lang="ru-RU" sz="2400" smtClean="0">
                 <a:latin typeface="Bookman Old Style" panose="02050604050505020204" pitchFamily="18" charset="0"/>
               </a:rPr>
               <a:t>:</a:t>
             </a:r>
+          </a:p>
+          <a:p>
+            <a:pPr>
+              <a:lnSpc>
+                <a:spcPct val="150000"/>
+              </a:lnSpc>
+            </a:pPr>
+            <a:endParaRPr lang="ru-RU" sz="2400" dirty="0" smtClean="0">
+              <a:latin typeface="Bookman Old Style" panose="02050604050505020204" pitchFamily="18" charset="0"/>
+            </a:endParaRPr>
           </a:p>
           <a:p>
             <a:r>

--- a/Лекции/ИТиП 2 лек 1.pptx
+++ b/Лекции/ИТиП 2 лек 1.pptx
@@ -252,7 +252,7 @@
             <a:fld id="{AA2F9473-F066-431E-A6E8-1D478C995A6B}" type="datetimeFigureOut">
               <a:rPr lang="en-US" smtClean="0"/>
               <a:pPr/>
-              <a:t>3/12/2025</a:t>
+              <a:t>3/21/2025</a:t>
             </a:fld>
             <a:endParaRPr lang="en-US"/>
           </a:p>
@@ -4368,7 +4368,7 @@
           <p:cNvPr id="9" name="Номер слайда 3">
             <a:extLst>
               <a:ext uri="{FF2B5EF4-FFF2-40B4-BE49-F238E27FC236}">
-                <a16:creationId xmlns:a16="http://schemas.microsoft.com/office/drawing/2014/main" xmlns="" id="{3DF48714-7FE4-4364-BF9D-28B9C9E2979D}"/>
+                <a16:creationId xmlns:a16="http://schemas.microsoft.com/office/drawing/2014/main" id="{3DF48714-7FE4-4364-BF9D-28B9C9E2979D}"/>
               </a:ext>
             </a:extLst>
           </p:cNvPr>
@@ -4507,7 +4507,7 @@
           <p:cNvPr id="7" name="Номер слайда 3">
             <a:extLst>
               <a:ext uri="{FF2B5EF4-FFF2-40B4-BE49-F238E27FC236}">
-                <a16:creationId xmlns:a16="http://schemas.microsoft.com/office/drawing/2014/main" xmlns="" id="{3DF48714-7FE4-4364-BF9D-28B9C9E2979D}"/>
+                <a16:creationId xmlns:a16="http://schemas.microsoft.com/office/drawing/2014/main" id="{3DF48714-7FE4-4364-BF9D-28B9C9E2979D}"/>
               </a:ext>
             </a:extLst>
           </p:cNvPr>
@@ -4789,7 +4789,7 @@
           <p:cNvPr id="9" name="Номер слайда 3">
             <a:extLst>
               <a:ext uri="{FF2B5EF4-FFF2-40B4-BE49-F238E27FC236}">
-                <a16:creationId xmlns:a16="http://schemas.microsoft.com/office/drawing/2014/main" xmlns="" id="{3DF48714-7FE4-4364-BF9D-28B9C9E2979D}"/>
+                <a16:creationId xmlns:a16="http://schemas.microsoft.com/office/drawing/2014/main" id="{3DF48714-7FE4-4364-BF9D-28B9C9E2979D}"/>
               </a:ext>
             </a:extLst>
           </p:cNvPr>
@@ -5247,7 +5247,7 @@
           <p:cNvPr id="17" name="Заголовок 16">
             <a:extLst>
               <a:ext uri="{FF2B5EF4-FFF2-40B4-BE49-F238E27FC236}">
-                <a16:creationId xmlns:a16="http://schemas.microsoft.com/office/drawing/2014/main" xmlns="" id="{D630362D-1F09-46B4-9DE4-AEA483AC82FD}"/>
+                <a16:creationId xmlns:a16="http://schemas.microsoft.com/office/drawing/2014/main" id="{D630362D-1F09-46B4-9DE4-AEA483AC82FD}"/>
               </a:ext>
             </a:extLst>
           </p:cNvPr>
@@ -5474,7 +5474,7 @@
           <p:cNvPr id="12" name="TextBox 11">
             <a:extLst>
               <a:ext uri="{FF2B5EF4-FFF2-40B4-BE49-F238E27FC236}">
-                <a16:creationId xmlns:a16="http://schemas.microsoft.com/office/drawing/2014/main" xmlns="" id="{F7B00361-5492-4290-B470-295172C16526}"/>
+                <a16:creationId xmlns:a16="http://schemas.microsoft.com/office/drawing/2014/main" id="{F7B00361-5492-4290-B470-295172C16526}"/>
               </a:ext>
             </a:extLst>
           </p:cNvPr>
@@ -22005,8 +22005,8 @@
         </p:blipFill>
         <p:spPr>
           <a:xfrm>
-            <a:off x="5882850" y="1306597"/>
-            <a:ext cx="1943371" cy="857370"/>
+            <a:off x="5903870" y="1390680"/>
+            <a:ext cx="1453371" cy="641193"/>
           </a:xfrm>
           <a:prstGeom prst="rect">
             <a:avLst/>

--- a/Лекции/ИТиП 2 лек 1.pptx
+++ b/Лекции/ИТиП 2 лек 1.pptx
@@ -248,7 +248,7 @@
             <a:fld id="{AA2F9473-F066-431E-A6E8-1D478C995A6B}" type="datetimeFigureOut">
               <a:rPr lang="en-US" smtClean="0"/>
               <a:pPr/>
-              <a:t>5/2/2025</a:t>
+              <a:t>2/10/2026</a:t>
             </a:fld>
             <a:endParaRPr lang="en-US"/>
           </a:p>
@@ -21496,13 +21496,13 @@
               <a:t> предоставляет по умолчанию встроенные шаблоны для </a:t>
             </a:r>
             <a:r>
-              <a:rPr lang="ru-RU" sz="2400" dirty="0" err="1">
+              <a:rPr lang="ru-RU" sz="2400" dirty="0" smtClean="0">
                 <a:solidFill>
                   <a:srgbClr val="000000"/>
                 </a:solidFill>
                 <a:latin typeface="Bookman Old Style" panose="02050604050505020204" pitchFamily="18" charset="0"/>
               </a:rPr>
-              <a:t>добвления</a:t>
+              <a:t>добавления </a:t>
             </a:r>
             <a:r>
               <a:rPr lang="ru-RU" sz="2400" dirty="0">
@@ -21511,7 +21511,7 @@
                 </a:solidFill>
                 <a:latin typeface="Bookman Old Style" panose="02050604050505020204" pitchFamily="18" charset="0"/>
               </a:rPr>
-              <a:t> класса.</a:t>
+              <a:t>класса.</a:t>
             </a:r>
             <a:endParaRPr lang="ru-RU" sz="2400" b="0" i="0" dirty="0">
               <a:solidFill>
